--- a/week2/day1/week1.3.pptx
+++ b/week2/day1/week1.3.pptx
@@ -13,6 +13,9 @@
     <p:sldId id="261" r:id="rId7"/>
     <p:sldId id="262" r:id="rId8"/>
     <p:sldId id="263" r:id="rId9"/>
+    <p:sldId id="264" r:id="rId10"/>
+    <p:sldId id="265" r:id="rId11"/>
+    <p:sldId id="266" r:id="rId12"/>
   </p:sldIdLst>
   <p:sldSz cx="25279350" cy="10799763"/>
   <p:notesSz cx="6858000" cy="9144000"/>
@@ -3895,6 +3898,2447 @@
 </p:sld>
 </file>
 
+<file path=ppt/slides/slide10.xml><?xml version="1.0" encoding="utf-8"?>
+<p:sld xmlns:a="http://schemas.openxmlformats.org/drawingml/2006/main" xmlns:r="http://schemas.openxmlformats.org/officeDocument/2006/relationships" xmlns:p="http://schemas.openxmlformats.org/presentationml/2006/main">
+  <p:cSld>
+    <p:spTree>
+      <p:nvGrpSpPr>
+        <p:cNvPr id="1" name=""/>
+        <p:cNvGrpSpPr/>
+        <p:nvPr/>
+      </p:nvGrpSpPr>
+      <p:grpSpPr>
+        <a:xfrm>
+          <a:off x="0" y="0"/>
+          <a:ext cx="0" cy="0"/>
+          <a:chOff x="0" y="0"/>
+          <a:chExt cx="0" cy="0"/>
+        </a:xfrm>
+      </p:grpSpPr>
+      <p:sp>
+        <p:nvSpPr>
+          <p:cNvPr id="2" name="矩形 1">
+            <a:extLst>
+              <a:ext uri="{FF2B5EF4-FFF2-40B4-BE49-F238E27FC236}">
+                <a16:creationId xmlns:a16="http://schemas.microsoft.com/office/drawing/2014/main" id="{E96C3C0D-7C49-4ADD-8234-9504D2C1EDB9}"/>
+              </a:ext>
+            </a:extLst>
+          </p:cNvPr>
+          <p:cNvSpPr/>
+          <p:nvPr/>
+        </p:nvSpPr>
+        <p:spPr>
+          <a:xfrm>
+            <a:off x="1417320" y="1173480"/>
+            <a:ext cx="3977640" cy="4465320"/>
+          </a:xfrm>
+          <a:prstGeom prst="rect">
+            <a:avLst/>
+          </a:prstGeom>
+          <a:noFill/>
+        </p:spPr>
+        <p:style>
+          <a:lnRef idx="2">
+            <a:schemeClr val="accent1">
+              <a:shade val="50000"/>
+            </a:schemeClr>
+          </a:lnRef>
+          <a:fillRef idx="1">
+            <a:schemeClr val="accent1"/>
+          </a:fillRef>
+          <a:effectRef idx="0">
+            <a:schemeClr val="accent1"/>
+          </a:effectRef>
+          <a:fontRef idx="minor">
+            <a:schemeClr val="lt1"/>
+          </a:fontRef>
+        </p:style>
+        <p:txBody>
+          <a:bodyPr rot="0" spcFirstLastPara="0" vertOverflow="overflow" horzOverflow="overflow" vert="horz" wrap="square" lIns="91440" tIns="45720" rIns="91440" bIns="45720" numCol="1" spcCol="0" rtlCol="0" fromWordArt="0" anchor="ctr" anchorCtr="0" forceAA="0" compatLnSpc="1">
+            <a:prstTxWarp prst="textNoShape">
+              <a:avLst/>
+            </a:prstTxWarp>
+            <a:noAutofit/>
+          </a:bodyPr>
+          <a:lstStyle/>
+          <a:p>
+            <a:pPr algn="ctr"/>
+            <a:r>
+              <a:rPr lang="en-US" altLang="zh-CN" sz="4400" dirty="0">
+                <a:solidFill>
+                  <a:schemeClr val="tx1">
+                    <a:lumMod val="95000"/>
+                    <a:lumOff val="5000"/>
+                  </a:schemeClr>
+                </a:solidFill>
+              </a:rPr>
+              <a:t>Array(</a:t>
+            </a:r>
+            <a:r>
+              <a:rPr lang="zh-CN" altLang="en-US" sz="4400" dirty="0">
+                <a:solidFill>
+                  <a:schemeClr val="tx1">
+                    <a:lumMod val="95000"/>
+                    <a:lumOff val="5000"/>
+                  </a:schemeClr>
+                </a:solidFill>
+              </a:rPr>
+              <a:t>内置类</a:t>
+            </a:r>
+            <a:r>
+              <a:rPr lang="en-US" altLang="zh-CN" sz="4400" dirty="0">
+                <a:solidFill>
+                  <a:schemeClr val="tx1">
+                    <a:lumMod val="95000"/>
+                    <a:lumOff val="5000"/>
+                  </a:schemeClr>
+                </a:solidFill>
+              </a:rPr>
+              <a:t>)</a:t>
+            </a:r>
+            <a:endParaRPr lang="zh-CN" altLang="en-US" sz="4400" dirty="0">
+              <a:solidFill>
+                <a:schemeClr val="tx1">
+                  <a:lumMod val="95000"/>
+                  <a:lumOff val="5000"/>
+                </a:schemeClr>
+              </a:solidFill>
+            </a:endParaRPr>
+          </a:p>
+        </p:txBody>
+      </p:sp>
+      <p:sp>
+        <p:nvSpPr>
+          <p:cNvPr id="3" name="矩形 2">
+            <a:extLst>
+              <a:ext uri="{FF2B5EF4-FFF2-40B4-BE49-F238E27FC236}">
+                <a16:creationId xmlns:a16="http://schemas.microsoft.com/office/drawing/2014/main" id="{D7CF4842-6E0A-49F3-8E27-CE5737A3D93C}"/>
+              </a:ext>
+            </a:extLst>
+          </p:cNvPr>
+          <p:cNvSpPr/>
+          <p:nvPr/>
+        </p:nvSpPr>
+        <p:spPr>
+          <a:xfrm>
+            <a:off x="3048000" y="7193280"/>
+            <a:ext cx="2743200" cy="2631123"/>
+          </a:xfrm>
+          <a:prstGeom prst="rect">
+            <a:avLst/>
+          </a:prstGeom>
+          <a:noFill/>
+        </p:spPr>
+        <p:style>
+          <a:lnRef idx="2">
+            <a:schemeClr val="accent1">
+              <a:shade val="50000"/>
+            </a:schemeClr>
+          </a:lnRef>
+          <a:fillRef idx="1">
+            <a:schemeClr val="accent1"/>
+          </a:fillRef>
+          <a:effectRef idx="0">
+            <a:schemeClr val="accent1"/>
+          </a:effectRef>
+          <a:fontRef idx="minor">
+            <a:schemeClr val="lt1"/>
+          </a:fontRef>
+        </p:style>
+        <p:txBody>
+          <a:bodyPr rot="0" spcFirstLastPara="0" vertOverflow="overflow" horzOverflow="overflow" vert="horz" wrap="square" lIns="91440" tIns="45720" rIns="91440" bIns="45720" numCol="1" spcCol="0" rtlCol="0" fromWordArt="0" anchor="ctr" anchorCtr="0" forceAA="0" compatLnSpc="1">
+            <a:prstTxWarp prst="textNoShape">
+              <a:avLst/>
+            </a:prstTxWarp>
+            <a:noAutofit/>
+          </a:bodyPr>
+          <a:lstStyle/>
+          <a:p>
+            <a:pPr algn="ctr"/>
+            <a:endParaRPr lang="zh-CN" altLang="en-US" sz="4400" dirty="0">
+              <a:solidFill>
+                <a:schemeClr val="tx1">
+                  <a:lumMod val="95000"/>
+                  <a:lumOff val="5000"/>
+                </a:schemeClr>
+              </a:solidFill>
+            </a:endParaRPr>
+          </a:p>
+        </p:txBody>
+      </p:sp>
+      <p:sp>
+        <p:nvSpPr>
+          <p:cNvPr id="4" name="文本框 3">
+            <a:extLst>
+              <a:ext uri="{FF2B5EF4-FFF2-40B4-BE49-F238E27FC236}">
+                <a16:creationId xmlns:a16="http://schemas.microsoft.com/office/drawing/2014/main" id="{5FEE7D18-1979-4A8B-9BA0-631089E1CD93}"/>
+              </a:ext>
+            </a:extLst>
+          </p:cNvPr>
+          <p:cNvSpPr txBox="1"/>
+          <p:nvPr/>
+        </p:nvSpPr>
+        <p:spPr>
+          <a:xfrm>
+            <a:off x="3230880" y="7391400"/>
+            <a:ext cx="2240280" cy="1569660"/>
+          </a:xfrm>
+          <a:prstGeom prst="rect">
+            <a:avLst/>
+          </a:prstGeom>
+          <a:noFill/>
+        </p:spPr>
+        <p:txBody>
+          <a:bodyPr wrap="square" rtlCol="0">
+            <a:spAutoFit/>
+          </a:bodyPr>
+          <a:lstStyle/>
+          <a:p>
+            <a:pPr algn="l"/>
+            <a:r>
+              <a:rPr lang="en-US" altLang="zh-CN" sz="3200" dirty="0"/>
+              <a:t>0</a:t>
+            </a:r>
+            <a:r>
+              <a:rPr lang="zh-CN" altLang="en-US" sz="3200" dirty="0"/>
+              <a:t>：</a:t>
+            </a:r>
+            <a:r>
+              <a:rPr lang="en-US" altLang="zh-CN" sz="3200" dirty="0"/>
+              <a:t>1</a:t>
+            </a:r>
+          </a:p>
+          <a:p>
+            <a:pPr algn="l"/>
+            <a:r>
+              <a:rPr lang="en-US" altLang="zh-CN" sz="3200" dirty="0"/>
+              <a:t>1</a:t>
+            </a:r>
+            <a:r>
+              <a:rPr lang="zh-CN" altLang="en-US" sz="3200" dirty="0"/>
+              <a:t>：</a:t>
+            </a:r>
+            <a:r>
+              <a:rPr lang="en-US" altLang="zh-CN" sz="3200" dirty="0"/>
+              <a:t>2</a:t>
+            </a:r>
+          </a:p>
+          <a:p>
+            <a:pPr algn="l"/>
+            <a:r>
+              <a:rPr lang="en-US" altLang="zh-CN" sz="3200" dirty="0"/>
+              <a:t>length:2</a:t>
+            </a:r>
+            <a:endParaRPr lang="zh-CN" altLang="en-US" sz="3200" dirty="0"/>
+          </a:p>
+        </p:txBody>
+      </p:sp>
+      <p:sp>
+        <p:nvSpPr>
+          <p:cNvPr id="5" name="文本框 4">
+            <a:extLst>
+              <a:ext uri="{FF2B5EF4-FFF2-40B4-BE49-F238E27FC236}">
+                <a16:creationId xmlns:a16="http://schemas.microsoft.com/office/drawing/2014/main" id="{4B4AD66F-F5BB-4958-9C48-0BDDD15F624E}"/>
+              </a:ext>
+            </a:extLst>
+          </p:cNvPr>
+          <p:cNvSpPr txBox="1"/>
+          <p:nvPr/>
+        </p:nvSpPr>
+        <p:spPr>
+          <a:xfrm>
+            <a:off x="3205162" y="9098280"/>
+            <a:ext cx="2428875" cy="584775"/>
+          </a:xfrm>
+          <a:prstGeom prst="rect">
+            <a:avLst/>
+          </a:prstGeom>
+          <a:noFill/>
+        </p:spPr>
+        <p:txBody>
+          <a:bodyPr wrap="square" rtlCol="0">
+            <a:spAutoFit/>
+          </a:bodyPr>
+          <a:lstStyle/>
+          <a:p>
+            <a:pPr algn="l"/>
+            <a:r>
+              <a:rPr lang="en-US" altLang="zh-CN" sz="3200" dirty="0">
+                <a:solidFill>
+                  <a:srgbClr val="00B050"/>
+                </a:solidFill>
+              </a:rPr>
+              <a:t>_ _proto_ _</a:t>
+            </a:r>
+            <a:endParaRPr lang="zh-CN" altLang="en-US" sz="3200" dirty="0">
+              <a:solidFill>
+                <a:srgbClr val="00B050"/>
+              </a:solidFill>
+            </a:endParaRPr>
+          </a:p>
+        </p:txBody>
+      </p:sp>
+      <p:sp>
+        <p:nvSpPr>
+          <p:cNvPr id="6" name="文本框 5">
+            <a:extLst>
+              <a:ext uri="{FF2B5EF4-FFF2-40B4-BE49-F238E27FC236}">
+                <a16:creationId xmlns:a16="http://schemas.microsoft.com/office/drawing/2014/main" id="{05BF8F72-F820-4964-BA5E-D72CA5D87CBA}"/>
+              </a:ext>
+            </a:extLst>
+          </p:cNvPr>
+          <p:cNvSpPr txBox="1"/>
+          <p:nvPr/>
+        </p:nvSpPr>
+        <p:spPr>
+          <a:xfrm>
+            <a:off x="2125503" y="4799470"/>
+            <a:ext cx="2972753" cy="769441"/>
+          </a:xfrm>
+          <a:prstGeom prst="rect">
+            <a:avLst/>
+          </a:prstGeom>
+          <a:noFill/>
+        </p:spPr>
+        <p:txBody>
+          <a:bodyPr wrap="square" rtlCol="0">
+            <a:spAutoFit/>
+          </a:bodyPr>
+          <a:lstStyle/>
+          <a:p>
+            <a:pPr algn="l"/>
+            <a:r>
+              <a:rPr lang="en-US" altLang="zh-CN" sz="4400" dirty="0">
+                <a:solidFill>
+                  <a:schemeClr val="accent2"/>
+                </a:solidFill>
+              </a:rPr>
+              <a:t>prototype</a:t>
+            </a:r>
+            <a:endParaRPr lang="zh-CN" altLang="en-US" sz="4400" dirty="0">
+              <a:solidFill>
+                <a:schemeClr val="accent2"/>
+              </a:solidFill>
+            </a:endParaRPr>
+          </a:p>
+        </p:txBody>
+      </p:sp>
+      <p:sp>
+        <p:nvSpPr>
+          <p:cNvPr id="7" name="矩形 6">
+            <a:extLst>
+              <a:ext uri="{FF2B5EF4-FFF2-40B4-BE49-F238E27FC236}">
+                <a16:creationId xmlns:a16="http://schemas.microsoft.com/office/drawing/2014/main" id="{A2C31D65-4EFA-49A3-89A7-C2AF45612625}"/>
+              </a:ext>
+            </a:extLst>
+          </p:cNvPr>
+          <p:cNvSpPr/>
+          <p:nvPr/>
+        </p:nvSpPr>
+        <p:spPr>
+          <a:xfrm>
+            <a:off x="6385560" y="1173480"/>
+            <a:ext cx="4739640" cy="4465320"/>
+          </a:xfrm>
+          <a:prstGeom prst="rect">
+            <a:avLst/>
+          </a:prstGeom>
+          <a:noFill/>
+        </p:spPr>
+        <p:style>
+          <a:lnRef idx="2">
+            <a:schemeClr val="accent1">
+              <a:shade val="50000"/>
+            </a:schemeClr>
+          </a:lnRef>
+          <a:fillRef idx="1">
+            <a:schemeClr val="accent1"/>
+          </a:fillRef>
+          <a:effectRef idx="0">
+            <a:schemeClr val="accent1"/>
+          </a:effectRef>
+          <a:fontRef idx="minor">
+            <a:schemeClr val="lt1"/>
+          </a:fontRef>
+        </p:style>
+        <p:txBody>
+          <a:bodyPr rot="0" spcFirstLastPara="0" vertOverflow="overflow" horzOverflow="overflow" vert="horz" wrap="square" lIns="91440" tIns="45720" rIns="91440" bIns="45720" numCol="1" spcCol="0" rtlCol="0" fromWordArt="0" anchor="ctr" anchorCtr="0" forceAA="0" compatLnSpc="1">
+            <a:prstTxWarp prst="textNoShape">
+              <a:avLst/>
+            </a:prstTxWarp>
+            <a:noAutofit/>
+          </a:bodyPr>
+          <a:lstStyle/>
+          <a:p>
+            <a:pPr algn="ctr"/>
+            <a:r>
+              <a:rPr lang="en-US" altLang="zh-CN" sz="4400" dirty="0">
+                <a:solidFill>
+                  <a:srgbClr val="FF0000"/>
+                </a:solidFill>
+              </a:rPr>
+              <a:t>prototype(</a:t>
+            </a:r>
+            <a:r>
+              <a:rPr lang="zh-CN" altLang="en-US" sz="4400" dirty="0">
+                <a:solidFill>
+                  <a:srgbClr val="FF0000"/>
+                </a:solidFill>
+              </a:rPr>
+              <a:t>原型</a:t>
+            </a:r>
+            <a:r>
+              <a:rPr lang="en-US" altLang="zh-CN" sz="4400" dirty="0">
+                <a:solidFill>
+                  <a:srgbClr val="FF0000"/>
+                </a:solidFill>
+              </a:rPr>
+              <a:t>)</a:t>
+            </a:r>
+            <a:endParaRPr lang="zh-CN" altLang="en-US" sz="4400" dirty="0">
+              <a:solidFill>
+                <a:srgbClr val="FF0000"/>
+              </a:solidFill>
+            </a:endParaRPr>
+          </a:p>
+        </p:txBody>
+      </p:sp>
+      <p:sp>
+        <p:nvSpPr>
+          <p:cNvPr id="8" name="文本框 7">
+            <a:extLst>
+              <a:ext uri="{FF2B5EF4-FFF2-40B4-BE49-F238E27FC236}">
+                <a16:creationId xmlns:a16="http://schemas.microsoft.com/office/drawing/2014/main" id="{9CD13845-786C-45E6-A155-EA5091990C24}"/>
+              </a:ext>
+            </a:extLst>
+          </p:cNvPr>
+          <p:cNvSpPr txBox="1"/>
+          <p:nvPr/>
+        </p:nvSpPr>
+        <p:spPr>
+          <a:xfrm>
+            <a:off x="6507480" y="1264920"/>
+            <a:ext cx="4617720" cy="769441"/>
+          </a:xfrm>
+          <a:prstGeom prst="rect">
+            <a:avLst/>
+          </a:prstGeom>
+          <a:noFill/>
+        </p:spPr>
+        <p:txBody>
+          <a:bodyPr wrap="square" rtlCol="0">
+            <a:spAutoFit/>
+          </a:bodyPr>
+          <a:lstStyle/>
+          <a:p>
+            <a:pPr algn="l"/>
+            <a:r>
+              <a:rPr lang="en-US" altLang="zh-CN" sz="4400" dirty="0">
+                <a:solidFill>
+                  <a:schemeClr val="accent2"/>
+                </a:solidFill>
+              </a:rPr>
+              <a:t>constructor: Array</a:t>
+            </a:r>
+            <a:endParaRPr lang="zh-CN" altLang="en-US" sz="4400" dirty="0">
+              <a:solidFill>
+                <a:schemeClr val="accent2"/>
+              </a:solidFill>
+            </a:endParaRPr>
+          </a:p>
+        </p:txBody>
+      </p:sp>
+      <p:sp>
+        <p:nvSpPr>
+          <p:cNvPr id="9" name="文本框 8">
+            <a:extLst>
+              <a:ext uri="{FF2B5EF4-FFF2-40B4-BE49-F238E27FC236}">
+                <a16:creationId xmlns:a16="http://schemas.microsoft.com/office/drawing/2014/main" id="{F2129BA7-5FB4-4C9D-BE7D-616275C011DF}"/>
+              </a:ext>
+            </a:extLst>
+          </p:cNvPr>
+          <p:cNvSpPr txBox="1"/>
+          <p:nvPr/>
+        </p:nvSpPr>
+        <p:spPr>
+          <a:xfrm>
+            <a:off x="6827520" y="2034361"/>
+            <a:ext cx="4160520" cy="1077218"/>
+          </a:xfrm>
+          <a:prstGeom prst="rect">
+            <a:avLst/>
+          </a:prstGeom>
+          <a:noFill/>
+        </p:spPr>
+        <p:txBody>
+          <a:bodyPr wrap="square" rtlCol="0">
+            <a:spAutoFit/>
+          </a:bodyPr>
+          <a:lstStyle/>
+          <a:p>
+            <a:pPr algn="l"/>
+            <a:r>
+              <a:rPr lang="en-US" altLang="zh-CN" sz="3200" dirty="0"/>
+              <a:t>push</a:t>
+            </a:r>
+          </a:p>
+          <a:p>
+            <a:pPr algn="l"/>
+            <a:r>
+              <a:rPr lang="en-US" altLang="zh-CN" sz="3200" dirty="0"/>
+              <a:t>pop</a:t>
+            </a:r>
+            <a:endParaRPr lang="zh-CN" altLang="en-US" sz="3200" dirty="0"/>
+          </a:p>
+        </p:txBody>
+      </p:sp>
+      <p:sp>
+        <p:nvSpPr>
+          <p:cNvPr id="10" name="文本框 9">
+            <a:extLst>
+              <a:ext uri="{FF2B5EF4-FFF2-40B4-BE49-F238E27FC236}">
+                <a16:creationId xmlns:a16="http://schemas.microsoft.com/office/drawing/2014/main" id="{3412CB10-2655-4090-A7F8-48D8C149C3CB}"/>
+              </a:ext>
+            </a:extLst>
+          </p:cNvPr>
+          <p:cNvSpPr txBox="1"/>
+          <p:nvPr/>
+        </p:nvSpPr>
+        <p:spPr>
+          <a:xfrm>
+            <a:off x="6827520" y="3740111"/>
+            <a:ext cx="4160520" cy="1077218"/>
+          </a:xfrm>
+          <a:prstGeom prst="rect">
+            <a:avLst/>
+          </a:prstGeom>
+          <a:noFill/>
+        </p:spPr>
+        <p:txBody>
+          <a:bodyPr wrap="square" rtlCol="0">
+            <a:spAutoFit/>
+          </a:bodyPr>
+          <a:lstStyle/>
+          <a:p>
+            <a:pPr algn="l"/>
+            <a:r>
+              <a:rPr lang="en-US" altLang="zh-CN" sz="3200" dirty="0"/>
+              <a:t>slice</a:t>
+            </a:r>
+          </a:p>
+          <a:p>
+            <a:pPr algn="l"/>
+            <a:r>
+              <a:rPr lang="en-US" altLang="zh-CN" sz="3200" dirty="0"/>
+              <a:t>splice</a:t>
+            </a:r>
+            <a:endParaRPr lang="zh-CN" altLang="en-US" sz="3200" dirty="0"/>
+          </a:p>
+        </p:txBody>
+      </p:sp>
+      <p:cxnSp>
+        <p:nvCxnSpPr>
+          <p:cNvPr id="12" name="直接箭头连接符 11">
+            <a:extLst>
+              <a:ext uri="{FF2B5EF4-FFF2-40B4-BE49-F238E27FC236}">
+                <a16:creationId xmlns:a16="http://schemas.microsoft.com/office/drawing/2014/main" id="{EBAE0D57-7D9A-400E-9837-C84FF5D8E020}"/>
+              </a:ext>
+            </a:extLst>
+          </p:cNvPr>
+          <p:cNvCxnSpPr>
+            <a:cxnSpLocks/>
+            <a:stCxn id="6" idx="3"/>
+            <a:endCxn id="7" idx="1"/>
+          </p:cNvCxnSpPr>
+          <p:nvPr/>
+        </p:nvCxnSpPr>
+        <p:spPr>
+          <a:xfrm flipV="1">
+            <a:off x="5098256" y="3406140"/>
+            <a:ext cx="1287304" cy="1778051"/>
+          </a:xfrm>
+          <a:prstGeom prst="straightConnector1">
+            <a:avLst/>
+          </a:prstGeom>
+          <a:ln w="57150">
+            <a:solidFill>
+              <a:schemeClr val="accent2"/>
+            </a:solidFill>
+            <a:tailEnd type="triangle"/>
+          </a:ln>
+        </p:spPr>
+        <p:style>
+          <a:lnRef idx="1">
+            <a:schemeClr val="accent1"/>
+          </a:lnRef>
+          <a:fillRef idx="0">
+            <a:schemeClr val="accent1"/>
+          </a:fillRef>
+          <a:effectRef idx="0">
+            <a:schemeClr val="accent1"/>
+          </a:effectRef>
+          <a:fontRef idx="minor">
+            <a:schemeClr val="tx1"/>
+          </a:fontRef>
+        </p:style>
+      </p:cxnSp>
+      <p:sp>
+        <p:nvSpPr>
+          <p:cNvPr id="13" name="文本框 12">
+            <a:extLst>
+              <a:ext uri="{FF2B5EF4-FFF2-40B4-BE49-F238E27FC236}">
+                <a16:creationId xmlns:a16="http://schemas.microsoft.com/office/drawing/2014/main" id="{7A5C798A-AEE1-4EAB-82E1-43ED2D51DF66}"/>
+              </a:ext>
+            </a:extLst>
+          </p:cNvPr>
+          <p:cNvSpPr txBox="1"/>
+          <p:nvPr/>
+        </p:nvSpPr>
+        <p:spPr>
+          <a:xfrm>
+            <a:off x="3230880" y="6606361"/>
+            <a:ext cx="2428875" cy="584775"/>
+          </a:xfrm>
+          <a:prstGeom prst="rect">
+            <a:avLst/>
+          </a:prstGeom>
+          <a:noFill/>
+        </p:spPr>
+        <p:txBody>
+          <a:bodyPr wrap="square" rtlCol="0">
+            <a:spAutoFit/>
+          </a:bodyPr>
+          <a:lstStyle/>
+          <a:p>
+            <a:pPr algn="l"/>
+            <a:r>
+              <a:rPr lang="en-US" altLang="zh-CN" sz="3200" dirty="0" err="1"/>
+              <a:t>Ary</a:t>
+            </a:r>
+            <a:endParaRPr lang="zh-CN" altLang="en-US" sz="3200" dirty="0"/>
+          </a:p>
+        </p:txBody>
+      </p:sp>
+      <p:cxnSp>
+        <p:nvCxnSpPr>
+          <p:cNvPr id="18" name="连接符: 肘形 17">
+            <a:extLst>
+              <a:ext uri="{FF2B5EF4-FFF2-40B4-BE49-F238E27FC236}">
+                <a16:creationId xmlns:a16="http://schemas.microsoft.com/office/drawing/2014/main" id="{8F9D3F2A-F2C1-47F9-AC85-6E71B192D3D6}"/>
+              </a:ext>
+            </a:extLst>
+          </p:cNvPr>
+          <p:cNvCxnSpPr>
+            <a:cxnSpLocks/>
+            <a:stCxn id="3" idx="3"/>
+            <a:endCxn id="7" idx="2"/>
+          </p:cNvCxnSpPr>
+          <p:nvPr/>
+        </p:nvCxnSpPr>
+        <p:spPr>
+          <a:xfrm flipV="1">
+            <a:off x="5791200" y="5638800"/>
+            <a:ext cx="2964180" cy="2870042"/>
+          </a:xfrm>
+          <a:prstGeom prst="bentConnector2">
+            <a:avLst/>
+          </a:prstGeom>
+          <a:ln w="57150">
+            <a:solidFill>
+              <a:schemeClr val="accent2"/>
+            </a:solidFill>
+            <a:tailEnd type="triangle"/>
+          </a:ln>
+        </p:spPr>
+        <p:style>
+          <a:lnRef idx="1">
+            <a:schemeClr val="accent1"/>
+          </a:lnRef>
+          <a:fillRef idx="0">
+            <a:schemeClr val="accent1"/>
+          </a:fillRef>
+          <a:effectRef idx="0">
+            <a:schemeClr val="accent1"/>
+          </a:effectRef>
+          <a:fontRef idx="minor">
+            <a:schemeClr val="tx1"/>
+          </a:fontRef>
+        </p:style>
+      </p:cxnSp>
+      <p:sp>
+        <p:nvSpPr>
+          <p:cNvPr id="23" name="文本框 22">
+            <a:extLst>
+              <a:ext uri="{FF2B5EF4-FFF2-40B4-BE49-F238E27FC236}">
+                <a16:creationId xmlns:a16="http://schemas.microsoft.com/office/drawing/2014/main" id="{D45F7659-615B-4003-967E-7A5F02F23857}"/>
+              </a:ext>
+            </a:extLst>
+          </p:cNvPr>
+          <p:cNvSpPr txBox="1"/>
+          <p:nvPr/>
+        </p:nvSpPr>
+        <p:spPr>
+          <a:xfrm>
+            <a:off x="7445216" y="4814650"/>
+            <a:ext cx="3405664" cy="707886"/>
+          </a:xfrm>
+          <a:prstGeom prst="rect">
+            <a:avLst/>
+          </a:prstGeom>
+          <a:noFill/>
+        </p:spPr>
+        <p:txBody>
+          <a:bodyPr wrap="square" rtlCol="0">
+            <a:spAutoFit/>
+          </a:bodyPr>
+          <a:lstStyle/>
+          <a:p>
+            <a:pPr algn="l"/>
+            <a:r>
+              <a:rPr lang="en-US" altLang="zh-CN" sz="4000" dirty="0">
+                <a:solidFill>
+                  <a:srgbClr val="00B050"/>
+                </a:solidFill>
+              </a:rPr>
+              <a:t>_ _proto_ _</a:t>
+            </a:r>
+            <a:endParaRPr lang="zh-CN" altLang="en-US" sz="4000" dirty="0">
+              <a:solidFill>
+                <a:srgbClr val="00B050"/>
+              </a:solidFill>
+            </a:endParaRPr>
+          </a:p>
+        </p:txBody>
+      </p:sp>
+      <p:sp>
+        <p:nvSpPr>
+          <p:cNvPr id="26" name="矩形 25">
+            <a:extLst>
+              <a:ext uri="{FF2B5EF4-FFF2-40B4-BE49-F238E27FC236}">
+                <a16:creationId xmlns:a16="http://schemas.microsoft.com/office/drawing/2014/main" id="{B67BA672-8C04-4841-8176-6AE74E81F6E4}"/>
+              </a:ext>
+            </a:extLst>
+          </p:cNvPr>
+          <p:cNvSpPr/>
+          <p:nvPr/>
+        </p:nvSpPr>
+        <p:spPr>
+          <a:xfrm>
+            <a:off x="18790920" y="1103591"/>
+            <a:ext cx="3977640" cy="4465320"/>
+          </a:xfrm>
+          <a:prstGeom prst="rect">
+            <a:avLst/>
+          </a:prstGeom>
+          <a:noFill/>
+        </p:spPr>
+        <p:style>
+          <a:lnRef idx="2">
+            <a:schemeClr val="accent1">
+              <a:shade val="50000"/>
+            </a:schemeClr>
+          </a:lnRef>
+          <a:fillRef idx="1">
+            <a:schemeClr val="accent1"/>
+          </a:fillRef>
+          <a:effectRef idx="0">
+            <a:schemeClr val="accent1"/>
+          </a:effectRef>
+          <a:fontRef idx="minor">
+            <a:schemeClr val="lt1"/>
+          </a:fontRef>
+        </p:style>
+        <p:txBody>
+          <a:bodyPr rot="0" spcFirstLastPara="0" vertOverflow="overflow" horzOverflow="overflow" vert="horz" wrap="square" lIns="91440" tIns="45720" rIns="91440" bIns="45720" numCol="1" spcCol="0" rtlCol="0" fromWordArt="0" anchor="ctr" anchorCtr="0" forceAA="0" compatLnSpc="1">
+            <a:prstTxWarp prst="textNoShape">
+              <a:avLst/>
+            </a:prstTxWarp>
+            <a:noAutofit/>
+          </a:bodyPr>
+          <a:lstStyle/>
+          <a:p>
+            <a:pPr algn="ctr"/>
+            <a:r>
+              <a:rPr lang="en-US" altLang="zh-CN" sz="4400" dirty="0">
+                <a:solidFill>
+                  <a:schemeClr val="tx1">
+                    <a:lumMod val="95000"/>
+                    <a:lumOff val="5000"/>
+                  </a:schemeClr>
+                </a:solidFill>
+              </a:rPr>
+              <a:t>Object(</a:t>
+            </a:r>
+            <a:r>
+              <a:rPr lang="zh-CN" altLang="en-US" sz="4400" dirty="0">
+                <a:solidFill>
+                  <a:schemeClr val="tx1">
+                    <a:lumMod val="95000"/>
+                    <a:lumOff val="5000"/>
+                  </a:schemeClr>
+                </a:solidFill>
+              </a:rPr>
+              <a:t>内置类</a:t>
+            </a:r>
+            <a:r>
+              <a:rPr lang="en-US" altLang="zh-CN" sz="4400" dirty="0">
+                <a:solidFill>
+                  <a:schemeClr val="tx1">
+                    <a:lumMod val="95000"/>
+                    <a:lumOff val="5000"/>
+                  </a:schemeClr>
+                </a:solidFill>
+              </a:rPr>
+              <a:t>)</a:t>
+            </a:r>
+            <a:endParaRPr lang="zh-CN" altLang="en-US" sz="4400" dirty="0">
+              <a:solidFill>
+                <a:schemeClr val="tx1">
+                  <a:lumMod val="95000"/>
+                  <a:lumOff val="5000"/>
+                </a:schemeClr>
+              </a:solidFill>
+            </a:endParaRPr>
+          </a:p>
+        </p:txBody>
+      </p:sp>
+      <p:sp>
+        <p:nvSpPr>
+          <p:cNvPr id="33" name="矩形 32">
+            <a:extLst>
+              <a:ext uri="{FF2B5EF4-FFF2-40B4-BE49-F238E27FC236}">
+                <a16:creationId xmlns:a16="http://schemas.microsoft.com/office/drawing/2014/main" id="{0CD1868B-C121-4FE0-8361-19A5FD871026}"/>
+              </a:ext>
+            </a:extLst>
+          </p:cNvPr>
+          <p:cNvSpPr/>
+          <p:nvPr/>
+        </p:nvSpPr>
+        <p:spPr>
+          <a:xfrm>
+            <a:off x="13304520" y="1103591"/>
+            <a:ext cx="4739640" cy="4465320"/>
+          </a:xfrm>
+          <a:prstGeom prst="rect">
+            <a:avLst/>
+          </a:prstGeom>
+          <a:noFill/>
+        </p:spPr>
+        <p:style>
+          <a:lnRef idx="2">
+            <a:schemeClr val="accent1">
+              <a:shade val="50000"/>
+            </a:schemeClr>
+          </a:lnRef>
+          <a:fillRef idx="1">
+            <a:schemeClr val="accent1"/>
+          </a:fillRef>
+          <a:effectRef idx="0">
+            <a:schemeClr val="accent1"/>
+          </a:effectRef>
+          <a:fontRef idx="minor">
+            <a:schemeClr val="lt1"/>
+          </a:fontRef>
+        </p:style>
+        <p:txBody>
+          <a:bodyPr rot="0" spcFirstLastPara="0" vertOverflow="overflow" horzOverflow="overflow" vert="horz" wrap="square" lIns="91440" tIns="45720" rIns="91440" bIns="45720" numCol="1" spcCol="0" rtlCol="0" fromWordArt="0" anchor="ctr" anchorCtr="0" forceAA="0" compatLnSpc="1">
+            <a:prstTxWarp prst="textNoShape">
+              <a:avLst/>
+            </a:prstTxWarp>
+            <a:noAutofit/>
+          </a:bodyPr>
+          <a:lstStyle/>
+          <a:p>
+            <a:pPr algn="ctr"/>
+            <a:r>
+              <a:rPr lang="en-US" altLang="zh-CN" sz="4400" dirty="0">
+                <a:solidFill>
+                  <a:srgbClr val="FF0000"/>
+                </a:solidFill>
+              </a:rPr>
+              <a:t>prototype(</a:t>
+            </a:r>
+            <a:r>
+              <a:rPr lang="zh-CN" altLang="en-US" sz="4400" dirty="0">
+                <a:solidFill>
+                  <a:srgbClr val="FF0000"/>
+                </a:solidFill>
+              </a:rPr>
+              <a:t>原型</a:t>
+            </a:r>
+            <a:r>
+              <a:rPr lang="en-US" altLang="zh-CN" sz="4400" dirty="0">
+                <a:solidFill>
+                  <a:srgbClr val="FF0000"/>
+                </a:solidFill>
+              </a:rPr>
+              <a:t>)</a:t>
+            </a:r>
+            <a:endParaRPr lang="zh-CN" altLang="en-US" sz="4400" dirty="0">
+              <a:solidFill>
+                <a:srgbClr val="FF0000"/>
+              </a:solidFill>
+            </a:endParaRPr>
+          </a:p>
+        </p:txBody>
+      </p:sp>
+      <p:sp>
+        <p:nvSpPr>
+          <p:cNvPr id="34" name="文本框 33">
+            <a:extLst>
+              <a:ext uri="{FF2B5EF4-FFF2-40B4-BE49-F238E27FC236}">
+                <a16:creationId xmlns:a16="http://schemas.microsoft.com/office/drawing/2014/main" id="{6D113D00-EDA2-4858-877B-521625F2EC3C}"/>
+              </a:ext>
+            </a:extLst>
+          </p:cNvPr>
+          <p:cNvSpPr txBox="1"/>
+          <p:nvPr/>
+        </p:nvSpPr>
+        <p:spPr>
+          <a:xfrm>
+            <a:off x="13426440" y="1195031"/>
+            <a:ext cx="4617720" cy="769441"/>
+          </a:xfrm>
+          <a:prstGeom prst="rect">
+            <a:avLst/>
+          </a:prstGeom>
+          <a:noFill/>
+        </p:spPr>
+        <p:txBody>
+          <a:bodyPr wrap="square" rtlCol="0">
+            <a:spAutoFit/>
+          </a:bodyPr>
+          <a:lstStyle/>
+          <a:p>
+            <a:pPr algn="l"/>
+            <a:r>
+              <a:rPr lang="en-US" altLang="zh-CN" sz="4400" dirty="0">
+                <a:solidFill>
+                  <a:schemeClr val="accent2"/>
+                </a:solidFill>
+              </a:rPr>
+              <a:t>constructor: Object</a:t>
+            </a:r>
+            <a:endParaRPr lang="zh-CN" altLang="en-US" sz="4400" dirty="0">
+              <a:solidFill>
+                <a:schemeClr val="accent2"/>
+              </a:solidFill>
+            </a:endParaRPr>
+          </a:p>
+        </p:txBody>
+      </p:sp>
+      <p:sp>
+        <p:nvSpPr>
+          <p:cNvPr id="37" name="文本框 36">
+            <a:extLst>
+              <a:ext uri="{FF2B5EF4-FFF2-40B4-BE49-F238E27FC236}">
+                <a16:creationId xmlns:a16="http://schemas.microsoft.com/office/drawing/2014/main" id="{23A60CA6-F9C6-4AC7-8885-03CC63FC7763}"/>
+              </a:ext>
+            </a:extLst>
+          </p:cNvPr>
+          <p:cNvSpPr txBox="1"/>
+          <p:nvPr/>
+        </p:nvSpPr>
+        <p:spPr>
+          <a:xfrm>
+            <a:off x="14364176" y="4744761"/>
+            <a:ext cx="3405664" cy="707886"/>
+          </a:xfrm>
+          <a:prstGeom prst="rect">
+            <a:avLst/>
+          </a:prstGeom>
+          <a:noFill/>
+        </p:spPr>
+        <p:txBody>
+          <a:bodyPr wrap="square" rtlCol="0">
+            <a:spAutoFit/>
+          </a:bodyPr>
+          <a:lstStyle/>
+          <a:p>
+            <a:pPr algn="l"/>
+            <a:r>
+              <a:rPr lang="en-US" altLang="zh-CN" sz="4000" dirty="0">
+                <a:solidFill>
+                  <a:srgbClr val="00B050"/>
+                </a:solidFill>
+              </a:rPr>
+              <a:t>_ _proto_ _</a:t>
+            </a:r>
+            <a:endParaRPr lang="zh-CN" altLang="en-US" sz="4000" dirty="0">
+              <a:solidFill>
+                <a:srgbClr val="00B050"/>
+              </a:solidFill>
+            </a:endParaRPr>
+          </a:p>
+        </p:txBody>
+      </p:sp>
+      <p:sp>
+        <p:nvSpPr>
+          <p:cNvPr id="38" name="文本框 37">
+            <a:extLst>
+              <a:ext uri="{FF2B5EF4-FFF2-40B4-BE49-F238E27FC236}">
+                <a16:creationId xmlns:a16="http://schemas.microsoft.com/office/drawing/2014/main" id="{672E9CD8-4290-4F53-929F-2C57FA6781A8}"/>
+              </a:ext>
+            </a:extLst>
+          </p:cNvPr>
+          <p:cNvSpPr txBox="1"/>
+          <p:nvPr/>
+        </p:nvSpPr>
+        <p:spPr>
+          <a:xfrm>
+            <a:off x="13655040" y="1999774"/>
+            <a:ext cx="4160520" cy="1077218"/>
+          </a:xfrm>
+          <a:prstGeom prst="rect">
+            <a:avLst/>
+          </a:prstGeom>
+          <a:noFill/>
+        </p:spPr>
+        <p:txBody>
+          <a:bodyPr wrap="square" rtlCol="0">
+            <a:spAutoFit/>
+          </a:bodyPr>
+          <a:lstStyle/>
+          <a:p>
+            <a:pPr algn="l"/>
+            <a:r>
+              <a:rPr lang="en-US" altLang="zh-CN" sz="3200" dirty="0" err="1"/>
+              <a:t>toString</a:t>
+            </a:r>
+            <a:endParaRPr lang="en-US" altLang="zh-CN" sz="3200" dirty="0"/>
+          </a:p>
+          <a:p>
+            <a:pPr algn="l"/>
+            <a:r>
+              <a:rPr lang="en-US" altLang="zh-CN" sz="3200" dirty="0" err="1"/>
+              <a:t>hasOwnPorperty</a:t>
+            </a:r>
+            <a:endParaRPr lang="zh-CN" altLang="en-US" sz="3200" dirty="0"/>
+          </a:p>
+        </p:txBody>
+      </p:sp>
+      <p:cxnSp>
+        <p:nvCxnSpPr>
+          <p:cNvPr id="40" name="连接符: 肘形 39">
+            <a:extLst>
+              <a:ext uri="{FF2B5EF4-FFF2-40B4-BE49-F238E27FC236}">
+                <a16:creationId xmlns:a16="http://schemas.microsoft.com/office/drawing/2014/main" id="{AC76944A-3019-4FE5-9CA6-3DC51531281F}"/>
+              </a:ext>
+            </a:extLst>
+          </p:cNvPr>
+          <p:cNvCxnSpPr>
+            <a:cxnSpLocks/>
+          </p:cNvCxnSpPr>
+          <p:nvPr/>
+        </p:nvCxnSpPr>
+        <p:spPr>
+          <a:xfrm>
+            <a:off x="15735301" y="5452646"/>
+            <a:ext cx="1501142" cy="738218"/>
+          </a:xfrm>
+          <a:prstGeom prst="bentConnector3">
+            <a:avLst/>
+          </a:prstGeom>
+          <a:ln w="57150">
+            <a:solidFill>
+              <a:schemeClr val="accent2"/>
+            </a:solidFill>
+            <a:tailEnd type="triangle"/>
+          </a:ln>
+        </p:spPr>
+        <p:style>
+          <a:lnRef idx="1">
+            <a:schemeClr val="accent1"/>
+          </a:lnRef>
+          <a:fillRef idx="0">
+            <a:schemeClr val="accent1"/>
+          </a:fillRef>
+          <a:effectRef idx="0">
+            <a:schemeClr val="accent1"/>
+          </a:effectRef>
+          <a:fontRef idx="minor">
+            <a:schemeClr val="tx1"/>
+          </a:fontRef>
+        </p:style>
+      </p:cxnSp>
+      <p:sp>
+        <p:nvSpPr>
+          <p:cNvPr id="41" name="文本框 40">
+            <a:extLst>
+              <a:ext uri="{FF2B5EF4-FFF2-40B4-BE49-F238E27FC236}">
+                <a16:creationId xmlns:a16="http://schemas.microsoft.com/office/drawing/2014/main" id="{E00E11C3-30F3-49B2-9C7E-B513FC8CE99E}"/>
+              </a:ext>
+            </a:extLst>
+          </p:cNvPr>
+          <p:cNvSpPr txBox="1"/>
+          <p:nvPr/>
+        </p:nvSpPr>
+        <p:spPr>
+          <a:xfrm>
+            <a:off x="17560294" y="5898476"/>
+            <a:ext cx="876301" cy="584775"/>
+          </a:xfrm>
+          <a:prstGeom prst="rect">
+            <a:avLst/>
+          </a:prstGeom>
+          <a:noFill/>
+        </p:spPr>
+        <p:txBody>
+          <a:bodyPr wrap="square" rtlCol="0">
+            <a:spAutoFit/>
+          </a:bodyPr>
+          <a:lstStyle/>
+          <a:p>
+            <a:pPr algn="l"/>
+            <a:r>
+              <a:rPr lang="en-US" altLang="zh-CN" sz="3200" dirty="0"/>
+              <a:t>null</a:t>
+            </a:r>
+            <a:endParaRPr lang="zh-CN" altLang="en-US" sz="3200" dirty="0"/>
+          </a:p>
+        </p:txBody>
+      </p:sp>
+      <p:sp>
+        <p:nvSpPr>
+          <p:cNvPr id="42" name="文本框 41">
+            <a:extLst>
+              <a:ext uri="{FF2B5EF4-FFF2-40B4-BE49-F238E27FC236}">
+                <a16:creationId xmlns:a16="http://schemas.microsoft.com/office/drawing/2014/main" id="{FD4B5F2F-1113-49B3-9194-68BB42D0271C}"/>
+              </a:ext>
+            </a:extLst>
+          </p:cNvPr>
+          <p:cNvSpPr txBox="1"/>
+          <p:nvPr/>
+        </p:nvSpPr>
+        <p:spPr>
+          <a:xfrm>
+            <a:off x="10850880" y="7010996"/>
+            <a:ext cx="11094720" cy="3046988"/>
+          </a:xfrm>
+          <a:prstGeom prst="rect">
+            <a:avLst/>
+          </a:prstGeom>
+          <a:noFill/>
+        </p:spPr>
+        <p:txBody>
+          <a:bodyPr wrap="square" rtlCol="0">
+            <a:spAutoFit/>
+          </a:bodyPr>
+          <a:lstStyle/>
+          <a:p>
+            <a:pPr marL="514350" indent="-514350" algn="l">
+              <a:buAutoNum type="arabicPeriod"/>
+            </a:pPr>
+            <a:r>
+              <a:rPr lang="zh-CN" altLang="en-US" sz="3200" dirty="0"/>
+              <a:t>所有的类天生自带属性叫做</a:t>
+            </a:r>
+            <a:r>
+              <a:rPr lang="en-US" altLang="zh-CN" sz="3200" dirty="0"/>
+              <a:t>prototype(</a:t>
+            </a:r>
+            <a:r>
+              <a:rPr lang="zh-CN" altLang="en-US" sz="3200" dirty="0"/>
+              <a:t>原型</a:t>
+            </a:r>
+            <a:r>
+              <a:rPr lang="en-US" altLang="zh-CN" sz="3200" dirty="0"/>
+              <a:t>),</a:t>
+            </a:r>
+            <a:r>
+              <a:rPr lang="zh-CN" altLang="en-US" sz="3200" dirty="0"/>
+              <a:t>它是一个对象，它里面放的都是所有的公有方法和属性</a:t>
+            </a:r>
+            <a:endParaRPr lang="en-US" altLang="zh-CN" sz="3200" dirty="0"/>
+          </a:p>
+          <a:p>
+            <a:pPr marL="514350" indent="-514350" algn="l">
+              <a:buAutoNum type="arabicPeriod"/>
+            </a:pPr>
+            <a:r>
+              <a:rPr lang="zh-CN" altLang="en-US" sz="3200" dirty="0"/>
+              <a:t>所有类的原型上天生自带一个属性叫做</a:t>
+            </a:r>
+            <a:r>
+              <a:rPr lang="en-US" altLang="zh-CN" sz="3200" dirty="0"/>
+              <a:t>constructor</a:t>
+            </a:r>
+            <a:r>
+              <a:rPr lang="zh-CN" altLang="en-US" sz="3200" dirty="0"/>
+              <a:t>，它指向当前的类本身</a:t>
+            </a:r>
+            <a:endParaRPr lang="en-US" altLang="zh-CN" sz="3200" dirty="0"/>
+          </a:p>
+          <a:p>
+            <a:pPr marL="514350" indent="-514350" algn="l">
+              <a:buAutoNum type="arabicPeriod"/>
+            </a:pPr>
+            <a:r>
+              <a:rPr lang="zh-CN" altLang="en-US" sz="3200" dirty="0"/>
+              <a:t>所有的对象天生自带一个属性</a:t>
+            </a:r>
+            <a:r>
+              <a:rPr lang="en-US" altLang="zh-CN" sz="3200" dirty="0"/>
+              <a:t>_ _proto_ _(</a:t>
+            </a:r>
+            <a:r>
+              <a:rPr lang="zh-CN" altLang="en-US" sz="3200" dirty="0"/>
+              <a:t>原型链</a:t>
+            </a:r>
+            <a:r>
+              <a:rPr lang="en-US" altLang="zh-CN" sz="3200" dirty="0"/>
+              <a:t>),</a:t>
+            </a:r>
+            <a:r>
+              <a:rPr lang="zh-CN" altLang="en-US" sz="3200" dirty="0"/>
+              <a:t>它指向当前实例所属类的原型</a:t>
+            </a:r>
+          </a:p>
+        </p:txBody>
+      </p:sp>
+      <p:cxnSp>
+        <p:nvCxnSpPr>
+          <p:cNvPr id="45" name="连接符: 肘形 44">
+            <a:extLst>
+              <a:ext uri="{FF2B5EF4-FFF2-40B4-BE49-F238E27FC236}">
+                <a16:creationId xmlns:a16="http://schemas.microsoft.com/office/drawing/2014/main" id="{895F559E-AB53-4CF5-A35A-7650A01F04CD}"/>
+              </a:ext>
+            </a:extLst>
+          </p:cNvPr>
+          <p:cNvCxnSpPr>
+            <a:stCxn id="23" idx="3"/>
+          </p:cNvCxnSpPr>
+          <p:nvPr/>
+        </p:nvCxnSpPr>
+        <p:spPr>
+          <a:xfrm flipV="1">
+            <a:off x="10850880" y="3276600"/>
+            <a:ext cx="2316480" cy="1891993"/>
+          </a:xfrm>
+          <a:prstGeom prst="bentConnector3">
+            <a:avLst/>
+          </a:prstGeom>
+          <a:ln w="57150">
+            <a:solidFill>
+              <a:schemeClr val="accent2"/>
+            </a:solidFill>
+            <a:tailEnd type="triangle"/>
+          </a:ln>
+        </p:spPr>
+        <p:style>
+          <a:lnRef idx="1">
+            <a:schemeClr val="accent1"/>
+          </a:lnRef>
+          <a:fillRef idx="0">
+            <a:schemeClr val="accent1"/>
+          </a:fillRef>
+          <a:effectRef idx="0">
+            <a:schemeClr val="accent1"/>
+          </a:effectRef>
+          <a:fontRef idx="minor">
+            <a:schemeClr val="tx1"/>
+          </a:fontRef>
+        </p:style>
+      </p:cxnSp>
+    </p:spTree>
+    <p:extLst>
+      <p:ext uri="{BB962C8B-B14F-4D97-AF65-F5344CB8AC3E}">
+        <p14:creationId xmlns:p14="http://schemas.microsoft.com/office/powerpoint/2010/main" val="31060440"/>
+      </p:ext>
+    </p:extLst>
+  </p:cSld>
+  <p:clrMapOvr>
+    <a:masterClrMapping/>
+  </p:clrMapOvr>
+</p:sld>
+</file>
+
+<file path=ppt/slides/slide11.xml><?xml version="1.0" encoding="utf-8"?>
+<p:sld xmlns:a="http://schemas.openxmlformats.org/drawingml/2006/main" xmlns:r="http://schemas.openxmlformats.org/officeDocument/2006/relationships" xmlns:p="http://schemas.openxmlformats.org/presentationml/2006/main">
+  <p:cSld>
+    <p:spTree>
+      <p:nvGrpSpPr>
+        <p:cNvPr id="1" name=""/>
+        <p:cNvGrpSpPr/>
+        <p:nvPr/>
+      </p:nvGrpSpPr>
+      <p:grpSpPr>
+        <a:xfrm>
+          <a:off x="0" y="0"/>
+          <a:ext cx="0" cy="0"/>
+          <a:chOff x="0" y="0"/>
+          <a:chExt cx="0" cy="0"/>
+        </a:xfrm>
+      </p:grpSpPr>
+      <p:sp>
+        <p:nvSpPr>
+          <p:cNvPr id="3" name="矩形 2">
+            <a:extLst>
+              <a:ext uri="{FF2B5EF4-FFF2-40B4-BE49-F238E27FC236}">
+                <a16:creationId xmlns:a16="http://schemas.microsoft.com/office/drawing/2014/main" id="{3963EEA4-65F5-4114-9DA2-C438D11C9757}"/>
+              </a:ext>
+            </a:extLst>
+          </p:cNvPr>
+          <p:cNvSpPr/>
+          <p:nvPr/>
+        </p:nvSpPr>
+        <p:spPr>
+          <a:xfrm>
+            <a:off x="4587240" y="1600200"/>
+            <a:ext cx="4191000" cy="3799681"/>
+          </a:xfrm>
+          <a:prstGeom prst="rect">
+            <a:avLst/>
+          </a:prstGeom>
+          <a:noFill/>
+        </p:spPr>
+        <p:style>
+          <a:lnRef idx="2">
+            <a:schemeClr val="accent1">
+              <a:shade val="50000"/>
+            </a:schemeClr>
+          </a:lnRef>
+          <a:fillRef idx="1">
+            <a:schemeClr val="accent1"/>
+          </a:fillRef>
+          <a:effectRef idx="0">
+            <a:schemeClr val="accent1"/>
+          </a:effectRef>
+          <a:fontRef idx="minor">
+            <a:schemeClr val="lt1"/>
+          </a:fontRef>
+        </p:style>
+        <p:txBody>
+          <a:bodyPr rot="0" spcFirstLastPara="0" vertOverflow="overflow" horzOverflow="overflow" vert="horz" wrap="square" lIns="91440" tIns="45720" rIns="91440" bIns="45720" numCol="1" spcCol="0" rtlCol="0" fromWordArt="0" anchor="ctr" anchorCtr="0" forceAA="0" compatLnSpc="1">
+            <a:prstTxWarp prst="textNoShape">
+              <a:avLst/>
+            </a:prstTxWarp>
+            <a:noAutofit/>
+          </a:bodyPr>
+          <a:lstStyle/>
+          <a:p>
+            <a:pPr algn="ctr"/>
+            <a:r>
+              <a:rPr lang="en-US" altLang="zh-CN" sz="4400" dirty="0">
+                <a:solidFill>
+                  <a:schemeClr val="tx1">
+                    <a:lumMod val="95000"/>
+                    <a:lumOff val="5000"/>
+                  </a:schemeClr>
+                </a:solidFill>
+              </a:rPr>
+              <a:t>Function</a:t>
+            </a:r>
+            <a:r>
+              <a:rPr lang="zh-CN" altLang="en-US" sz="4400" dirty="0">
+                <a:solidFill>
+                  <a:schemeClr val="tx1">
+                    <a:lumMod val="95000"/>
+                    <a:lumOff val="5000"/>
+                  </a:schemeClr>
+                </a:solidFill>
+              </a:rPr>
+              <a:t>类</a:t>
+            </a:r>
+          </a:p>
+        </p:txBody>
+      </p:sp>
+      <p:sp>
+        <p:nvSpPr>
+          <p:cNvPr id="4" name="矩形 3">
+            <a:extLst>
+              <a:ext uri="{FF2B5EF4-FFF2-40B4-BE49-F238E27FC236}">
+                <a16:creationId xmlns:a16="http://schemas.microsoft.com/office/drawing/2014/main" id="{865AA050-F9EF-4D2D-927D-BC052804EA6E}"/>
+              </a:ext>
+            </a:extLst>
+          </p:cNvPr>
+          <p:cNvSpPr/>
+          <p:nvPr/>
+        </p:nvSpPr>
+        <p:spPr>
+          <a:xfrm>
+            <a:off x="11694795" y="1600200"/>
+            <a:ext cx="4191000" cy="3799681"/>
+          </a:xfrm>
+          <a:prstGeom prst="rect">
+            <a:avLst/>
+          </a:prstGeom>
+          <a:noFill/>
+        </p:spPr>
+        <p:style>
+          <a:lnRef idx="2">
+            <a:schemeClr val="accent1">
+              <a:shade val="50000"/>
+            </a:schemeClr>
+          </a:lnRef>
+          <a:fillRef idx="1">
+            <a:schemeClr val="accent1"/>
+          </a:fillRef>
+          <a:effectRef idx="0">
+            <a:schemeClr val="accent1"/>
+          </a:effectRef>
+          <a:fontRef idx="minor">
+            <a:schemeClr val="lt1"/>
+          </a:fontRef>
+        </p:style>
+        <p:txBody>
+          <a:bodyPr rot="0" spcFirstLastPara="0" vertOverflow="overflow" horzOverflow="overflow" vert="horz" wrap="square" lIns="91440" tIns="45720" rIns="91440" bIns="45720" numCol="1" spcCol="0" rtlCol="0" fromWordArt="0" anchor="ctr" anchorCtr="0" forceAA="0" compatLnSpc="1">
+            <a:prstTxWarp prst="textNoShape">
+              <a:avLst/>
+            </a:prstTxWarp>
+            <a:noAutofit/>
+          </a:bodyPr>
+          <a:lstStyle/>
+          <a:p>
+            <a:pPr algn="ctr"/>
+            <a:r>
+              <a:rPr lang="en-US" altLang="zh-CN" sz="4400" dirty="0">
+                <a:solidFill>
+                  <a:schemeClr val="tx1">
+                    <a:lumMod val="95000"/>
+                    <a:lumOff val="5000"/>
+                  </a:schemeClr>
+                </a:solidFill>
+              </a:rPr>
+              <a:t>Object</a:t>
+            </a:r>
+            <a:r>
+              <a:rPr lang="zh-CN" altLang="en-US" sz="4400" dirty="0">
+                <a:solidFill>
+                  <a:schemeClr val="tx1">
+                    <a:lumMod val="95000"/>
+                    <a:lumOff val="5000"/>
+                  </a:schemeClr>
+                </a:solidFill>
+              </a:rPr>
+              <a:t>类</a:t>
+            </a:r>
+          </a:p>
+        </p:txBody>
+      </p:sp>
+      <p:sp>
+        <p:nvSpPr>
+          <p:cNvPr id="5" name="文本框 4">
+            <a:extLst>
+              <a:ext uri="{FF2B5EF4-FFF2-40B4-BE49-F238E27FC236}">
+                <a16:creationId xmlns:a16="http://schemas.microsoft.com/office/drawing/2014/main" id="{5FF93AEB-B494-4970-9F52-65981D1CD504}"/>
+              </a:ext>
+            </a:extLst>
+          </p:cNvPr>
+          <p:cNvSpPr txBox="1"/>
+          <p:nvPr/>
+        </p:nvSpPr>
+        <p:spPr>
+          <a:xfrm>
+            <a:off x="5821680" y="4617720"/>
+            <a:ext cx="1996440" cy="584775"/>
+          </a:xfrm>
+          <a:prstGeom prst="rect">
+            <a:avLst/>
+          </a:prstGeom>
+          <a:noFill/>
+          <a:ln>
+            <a:solidFill>
+              <a:schemeClr val="tx2">
+                <a:lumMod val="60000"/>
+                <a:lumOff val="40000"/>
+              </a:schemeClr>
+            </a:solidFill>
+          </a:ln>
+        </p:spPr>
+        <p:txBody>
+          <a:bodyPr wrap="square" rtlCol="0">
+            <a:spAutoFit/>
+          </a:bodyPr>
+          <a:lstStyle/>
+          <a:p>
+            <a:pPr algn="l"/>
+            <a:r>
+              <a:rPr lang="en-US" altLang="zh-CN" sz="3200" dirty="0"/>
+              <a:t>prototype</a:t>
+            </a:r>
+            <a:endParaRPr lang="zh-CN" altLang="en-US" sz="3200" dirty="0"/>
+          </a:p>
+        </p:txBody>
+      </p:sp>
+      <p:sp>
+        <p:nvSpPr>
+          <p:cNvPr id="6" name="文本框 5">
+            <a:extLst>
+              <a:ext uri="{FF2B5EF4-FFF2-40B4-BE49-F238E27FC236}">
+                <a16:creationId xmlns:a16="http://schemas.microsoft.com/office/drawing/2014/main" id="{0108B69B-0D02-4B79-AF7B-19D295452714}"/>
+              </a:ext>
+            </a:extLst>
+          </p:cNvPr>
+          <p:cNvSpPr txBox="1"/>
+          <p:nvPr/>
+        </p:nvSpPr>
+        <p:spPr>
+          <a:xfrm>
+            <a:off x="12792075" y="4617719"/>
+            <a:ext cx="1996440" cy="584775"/>
+          </a:xfrm>
+          <a:prstGeom prst="rect">
+            <a:avLst/>
+          </a:prstGeom>
+          <a:noFill/>
+          <a:ln>
+            <a:solidFill>
+              <a:schemeClr val="tx2">
+                <a:lumMod val="60000"/>
+                <a:lumOff val="40000"/>
+              </a:schemeClr>
+            </a:solidFill>
+          </a:ln>
+        </p:spPr>
+        <p:txBody>
+          <a:bodyPr wrap="square" rtlCol="0">
+            <a:spAutoFit/>
+          </a:bodyPr>
+          <a:lstStyle/>
+          <a:p>
+            <a:pPr algn="l"/>
+            <a:r>
+              <a:rPr lang="en-US" altLang="zh-CN" sz="3200" dirty="0"/>
+              <a:t>prototype</a:t>
+            </a:r>
+            <a:endParaRPr lang="zh-CN" altLang="en-US" sz="3200" dirty="0"/>
+          </a:p>
+        </p:txBody>
+      </p:sp>
+      <p:sp>
+        <p:nvSpPr>
+          <p:cNvPr id="7" name="矩形 6">
+            <a:extLst>
+              <a:ext uri="{FF2B5EF4-FFF2-40B4-BE49-F238E27FC236}">
+                <a16:creationId xmlns:a16="http://schemas.microsoft.com/office/drawing/2014/main" id="{5069FCAC-0BDE-4FCF-9D39-45CCC70AB00F}"/>
+              </a:ext>
+            </a:extLst>
+          </p:cNvPr>
+          <p:cNvSpPr/>
+          <p:nvPr/>
+        </p:nvSpPr>
+        <p:spPr>
+          <a:xfrm>
+            <a:off x="4572000" y="7467600"/>
+            <a:ext cx="4191000" cy="2652255"/>
+          </a:xfrm>
+          <a:prstGeom prst="rect">
+            <a:avLst/>
+          </a:prstGeom>
+          <a:noFill/>
+        </p:spPr>
+        <p:style>
+          <a:lnRef idx="2">
+            <a:schemeClr val="accent1">
+              <a:shade val="50000"/>
+            </a:schemeClr>
+          </a:lnRef>
+          <a:fillRef idx="1">
+            <a:schemeClr val="accent1"/>
+          </a:fillRef>
+          <a:effectRef idx="0">
+            <a:schemeClr val="accent1"/>
+          </a:effectRef>
+          <a:fontRef idx="minor">
+            <a:schemeClr val="lt1"/>
+          </a:fontRef>
+        </p:style>
+        <p:txBody>
+          <a:bodyPr rot="0" spcFirstLastPara="0" vertOverflow="overflow" horzOverflow="overflow" vert="horz" wrap="square" lIns="91440" tIns="45720" rIns="91440" bIns="45720" numCol="1" spcCol="0" rtlCol="0" fromWordArt="0" anchor="ctr" anchorCtr="0" forceAA="0" compatLnSpc="1">
+            <a:prstTxWarp prst="textNoShape">
+              <a:avLst/>
+            </a:prstTxWarp>
+            <a:noAutofit/>
+          </a:bodyPr>
+          <a:lstStyle/>
+          <a:p>
+            <a:pPr algn="ctr"/>
+            <a:r>
+              <a:rPr lang="en-US" altLang="zh-CN" sz="4400" dirty="0">
+                <a:solidFill>
+                  <a:schemeClr val="tx1">
+                    <a:lumMod val="95000"/>
+                    <a:lumOff val="5000"/>
+                  </a:schemeClr>
+                </a:solidFill>
+              </a:rPr>
+              <a:t>prototype</a:t>
+            </a:r>
+            <a:endParaRPr lang="zh-CN" altLang="en-US" sz="4400" dirty="0">
+              <a:solidFill>
+                <a:schemeClr val="tx1">
+                  <a:lumMod val="95000"/>
+                  <a:lumOff val="5000"/>
+                </a:schemeClr>
+              </a:solidFill>
+            </a:endParaRPr>
+          </a:p>
+        </p:txBody>
+      </p:sp>
+      <p:sp>
+        <p:nvSpPr>
+          <p:cNvPr id="8" name="矩形 7">
+            <a:extLst>
+              <a:ext uri="{FF2B5EF4-FFF2-40B4-BE49-F238E27FC236}">
+                <a16:creationId xmlns:a16="http://schemas.microsoft.com/office/drawing/2014/main" id="{2FC0B64D-37BC-4186-8D23-E289A185AE88}"/>
+              </a:ext>
+            </a:extLst>
+          </p:cNvPr>
+          <p:cNvSpPr/>
+          <p:nvPr/>
+        </p:nvSpPr>
+        <p:spPr>
+          <a:xfrm>
+            <a:off x="11694795" y="7467600"/>
+            <a:ext cx="4191000" cy="2652255"/>
+          </a:xfrm>
+          <a:prstGeom prst="rect">
+            <a:avLst/>
+          </a:prstGeom>
+          <a:noFill/>
+        </p:spPr>
+        <p:style>
+          <a:lnRef idx="2">
+            <a:schemeClr val="accent1">
+              <a:shade val="50000"/>
+            </a:schemeClr>
+          </a:lnRef>
+          <a:fillRef idx="1">
+            <a:schemeClr val="accent1"/>
+          </a:fillRef>
+          <a:effectRef idx="0">
+            <a:schemeClr val="accent1"/>
+          </a:effectRef>
+          <a:fontRef idx="minor">
+            <a:schemeClr val="lt1"/>
+          </a:fontRef>
+        </p:style>
+        <p:txBody>
+          <a:bodyPr rot="0" spcFirstLastPara="0" vertOverflow="overflow" horzOverflow="overflow" vert="horz" wrap="square" lIns="91440" tIns="45720" rIns="91440" bIns="45720" numCol="1" spcCol="0" rtlCol="0" fromWordArt="0" anchor="ctr" anchorCtr="0" forceAA="0" compatLnSpc="1">
+            <a:prstTxWarp prst="textNoShape">
+              <a:avLst/>
+            </a:prstTxWarp>
+            <a:noAutofit/>
+          </a:bodyPr>
+          <a:lstStyle/>
+          <a:p>
+            <a:pPr algn="ctr"/>
+            <a:r>
+              <a:rPr lang="en-US" altLang="zh-CN" sz="4400" dirty="0">
+                <a:solidFill>
+                  <a:schemeClr val="tx1">
+                    <a:lumMod val="95000"/>
+                    <a:lumOff val="5000"/>
+                  </a:schemeClr>
+                </a:solidFill>
+              </a:rPr>
+              <a:t>prototype</a:t>
+            </a:r>
+            <a:endParaRPr lang="zh-CN" altLang="en-US" sz="4400" dirty="0">
+              <a:solidFill>
+                <a:schemeClr val="tx1">
+                  <a:lumMod val="95000"/>
+                  <a:lumOff val="5000"/>
+                </a:schemeClr>
+              </a:solidFill>
+            </a:endParaRPr>
+          </a:p>
+        </p:txBody>
+      </p:sp>
+      <p:cxnSp>
+        <p:nvCxnSpPr>
+          <p:cNvPr id="10" name="直接箭头连接符 9">
+            <a:extLst>
+              <a:ext uri="{FF2B5EF4-FFF2-40B4-BE49-F238E27FC236}">
+                <a16:creationId xmlns:a16="http://schemas.microsoft.com/office/drawing/2014/main" id="{799EFA28-9830-4A38-A8AB-AF0D721E533B}"/>
+              </a:ext>
+            </a:extLst>
+          </p:cNvPr>
+          <p:cNvCxnSpPr>
+            <a:endCxn id="8" idx="0"/>
+          </p:cNvCxnSpPr>
+          <p:nvPr/>
+        </p:nvCxnSpPr>
+        <p:spPr>
+          <a:xfrm>
+            <a:off x="13790295" y="5399881"/>
+            <a:ext cx="0" cy="2067719"/>
+          </a:xfrm>
+          <a:prstGeom prst="straightConnector1">
+            <a:avLst/>
+          </a:prstGeom>
+          <a:ln w="57150">
+            <a:solidFill>
+              <a:schemeClr val="accent2"/>
+            </a:solidFill>
+            <a:tailEnd type="triangle"/>
+          </a:ln>
+        </p:spPr>
+        <p:style>
+          <a:lnRef idx="1">
+            <a:schemeClr val="accent1"/>
+          </a:lnRef>
+          <a:fillRef idx="0">
+            <a:schemeClr val="accent1"/>
+          </a:fillRef>
+          <a:effectRef idx="0">
+            <a:schemeClr val="accent1"/>
+          </a:effectRef>
+          <a:fontRef idx="minor">
+            <a:schemeClr val="tx1"/>
+          </a:fontRef>
+        </p:style>
+      </p:cxnSp>
+      <p:cxnSp>
+        <p:nvCxnSpPr>
+          <p:cNvPr id="12" name="直接箭头连接符 11">
+            <a:extLst>
+              <a:ext uri="{FF2B5EF4-FFF2-40B4-BE49-F238E27FC236}">
+                <a16:creationId xmlns:a16="http://schemas.microsoft.com/office/drawing/2014/main" id="{B73F3040-B303-4DD1-B9CF-A7FFCFE4BDA1}"/>
+              </a:ext>
+            </a:extLst>
+          </p:cNvPr>
+          <p:cNvCxnSpPr>
+            <a:stCxn id="5" idx="2"/>
+            <a:endCxn id="7" idx="0"/>
+          </p:cNvCxnSpPr>
+          <p:nvPr/>
+        </p:nvCxnSpPr>
+        <p:spPr>
+          <a:xfrm flipH="1">
+            <a:off x="6667500" y="5202495"/>
+            <a:ext cx="152400" cy="2265105"/>
+          </a:xfrm>
+          <a:prstGeom prst="straightConnector1">
+            <a:avLst/>
+          </a:prstGeom>
+          <a:ln w="57150">
+            <a:solidFill>
+              <a:srgbClr val="00B050"/>
+            </a:solidFill>
+            <a:tailEnd type="triangle"/>
+          </a:ln>
+        </p:spPr>
+        <p:style>
+          <a:lnRef idx="1">
+            <a:schemeClr val="accent1"/>
+          </a:lnRef>
+          <a:fillRef idx="0">
+            <a:schemeClr val="accent1"/>
+          </a:fillRef>
+          <a:effectRef idx="0">
+            <a:schemeClr val="accent1"/>
+          </a:effectRef>
+          <a:fontRef idx="minor">
+            <a:schemeClr val="tx1"/>
+          </a:fontRef>
+        </p:style>
+      </p:cxnSp>
+      <p:sp>
+        <p:nvSpPr>
+          <p:cNvPr id="14" name="文本框 13">
+            <a:extLst>
+              <a:ext uri="{FF2B5EF4-FFF2-40B4-BE49-F238E27FC236}">
+                <a16:creationId xmlns:a16="http://schemas.microsoft.com/office/drawing/2014/main" id="{054A93BE-9C98-4F7D-923A-181CFA85E5CF}"/>
+              </a:ext>
+            </a:extLst>
+          </p:cNvPr>
+          <p:cNvSpPr txBox="1"/>
+          <p:nvPr/>
+        </p:nvSpPr>
+        <p:spPr>
+          <a:xfrm>
+            <a:off x="5463540" y="1798320"/>
+            <a:ext cx="2560320" cy="584775"/>
+          </a:xfrm>
+          <a:prstGeom prst="rect">
+            <a:avLst/>
+          </a:prstGeom>
+          <a:noFill/>
+          <a:ln>
+            <a:solidFill>
+              <a:schemeClr val="tx2">
+                <a:lumMod val="60000"/>
+                <a:lumOff val="40000"/>
+              </a:schemeClr>
+            </a:solidFill>
+          </a:ln>
+        </p:spPr>
+        <p:txBody>
+          <a:bodyPr wrap="square" rtlCol="0">
+            <a:spAutoFit/>
+          </a:bodyPr>
+          <a:lstStyle/>
+          <a:p>
+            <a:pPr algn="l"/>
+            <a:r>
+              <a:rPr lang="en-US" altLang="zh-CN" sz="3200" dirty="0"/>
+              <a:t>_ _proto_ _</a:t>
+            </a:r>
+            <a:endParaRPr lang="zh-CN" altLang="en-US" sz="3200" dirty="0"/>
+          </a:p>
+        </p:txBody>
+      </p:sp>
+      <p:cxnSp>
+        <p:nvCxnSpPr>
+          <p:cNvPr id="16" name="连接符: 肘形 15">
+            <a:extLst>
+              <a:ext uri="{FF2B5EF4-FFF2-40B4-BE49-F238E27FC236}">
+                <a16:creationId xmlns:a16="http://schemas.microsoft.com/office/drawing/2014/main" id="{6E0E5658-0B5A-42F2-A107-D94A83B448E4}"/>
+              </a:ext>
+            </a:extLst>
+          </p:cNvPr>
+          <p:cNvCxnSpPr>
+            <a:stCxn id="14" idx="1"/>
+            <a:endCxn id="7" idx="1"/>
+          </p:cNvCxnSpPr>
+          <p:nvPr/>
+        </p:nvCxnSpPr>
+        <p:spPr>
+          <a:xfrm rot="10800000" flipV="1">
+            <a:off x="4572000" y="2090708"/>
+            <a:ext cx="891540" cy="6703020"/>
+          </a:xfrm>
+          <a:prstGeom prst="bentConnector3">
+            <a:avLst>
+              <a:gd name="adj1" fmla="val 267521"/>
+            </a:avLst>
+          </a:prstGeom>
+          <a:ln w="57150">
+            <a:solidFill>
+              <a:srgbClr val="00B050"/>
+            </a:solidFill>
+            <a:tailEnd type="triangle"/>
+          </a:ln>
+        </p:spPr>
+        <p:style>
+          <a:lnRef idx="1">
+            <a:schemeClr val="accent1"/>
+          </a:lnRef>
+          <a:fillRef idx="0">
+            <a:schemeClr val="accent1"/>
+          </a:fillRef>
+          <a:effectRef idx="0">
+            <a:schemeClr val="accent1"/>
+          </a:effectRef>
+          <a:fontRef idx="minor">
+            <a:schemeClr val="tx1"/>
+          </a:fontRef>
+        </p:style>
+      </p:cxnSp>
+      <p:sp>
+        <p:nvSpPr>
+          <p:cNvPr id="21" name="文本框 20">
+            <a:extLst>
+              <a:ext uri="{FF2B5EF4-FFF2-40B4-BE49-F238E27FC236}">
+                <a16:creationId xmlns:a16="http://schemas.microsoft.com/office/drawing/2014/main" id="{25513530-2374-4720-862A-17FEE1D265FD}"/>
+              </a:ext>
+            </a:extLst>
+          </p:cNvPr>
+          <p:cNvSpPr txBox="1"/>
+          <p:nvPr/>
+        </p:nvSpPr>
+        <p:spPr>
+          <a:xfrm>
+            <a:off x="12698730" y="1798320"/>
+            <a:ext cx="2560320" cy="584775"/>
+          </a:xfrm>
+          <a:prstGeom prst="rect">
+            <a:avLst/>
+          </a:prstGeom>
+          <a:noFill/>
+          <a:ln>
+            <a:solidFill>
+              <a:schemeClr val="tx2">
+                <a:lumMod val="60000"/>
+                <a:lumOff val="40000"/>
+              </a:schemeClr>
+            </a:solidFill>
+          </a:ln>
+        </p:spPr>
+        <p:txBody>
+          <a:bodyPr wrap="square" rtlCol="0">
+            <a:spAutoFit/>
+          </a:bodyPr>
+          <a:lstStyle/>
+          <a:p>
+            <a:pPr algn="l"/>
+            <a:r>
+              <a:rPr lang="en-US" altLang="zh-CN" sz="3200" dirty="0"/>
+              <a:t>_ _proto_ _</a:t>
+            </a:r>
+            <a:endParaRPr lang="zh-CN" altLang="en-US" sz="3200" dirty="0"/>
+          </a:p>
+        </p:txBody>
+      </p:sp>
+      <p:cxnSp>
+        <p:nvCxnSpPr>
+          <p:cNvPr id="23" name="连接符: 肘形 22">
+            <a:extLst>
+              <a:ext uri="{FF2B5EF4-FFF2-40B4-BE49-F238E27FC236}">
+                <a16:creationId xmlns:a16="http://schemas.microsoft.com/office/drawing/2014/main" id="{DD1D6589-9795-447D-A861-921C1C1B8F98}"/>
+              </a:ext>
+            </a:extLst>
+          </p:cNvPr>
+          <p:cNvCxnSpPr>
+            <a:stCxn id="21" idx="1"/>
+            <a:endCxn id="7" idx="3"/>
+          </p:cNvCxnSpPr>
+          <p:nvPr/>
+        </p:nvCxnSpPr>
+        <p:spPr>
+          <a:xfrm rot="10800000" flipV="1">
+            <a:off x="8763000" y="2090708"/>
+            <a:ext cx="3935730" cy="6703020"/>
+          </a:xfrm>
+          <a:prstGeom prst="bentConnector3">
+            <a:avLst>
+              <a:gd name="adj1" fmla="val 60842"/>
+            </a:avLst>
+          </a:prstGeom>
+          <a:ln w="57150">
+            <a:solidFill>
+              <a:schemeClr val="accent2"/>
+            </a:solidFill>
+            <a:tailEnd type="triangle"/>
+          </a:ln>
+        </p:spPr>
+        <p:style>
+          <a:lnRef idx="1">
+            <a:schemeClr val="accent1"/>
+          </a:lnRef>
+          <a:fillRef idx="0">
+            <a:schemeClr val="accent1"/>
+          </a:fillRef>
+          <a:effectRef idx="0">
+            <a:schemeClr val="accent1"/>
+          </a:effectRef>
+          <a:fontRef idx="minor">
+            <a:schemeClr val="tx1"/>
+          </a:fontRef>
+        </p:style>
+      </p:cxnSp>
+      <p:sp>
+        <p:nvSpPr>
+          <p:cNvPr id="26" name="文本框 25">
+            <a:extLst>
+              <a:ext uri="{FF2B5EF4-FFF2-40B4-BE49-F238E27FC236}">
+                <a16:creationId xmlns:a16="http://schemas.microsoft.com/office/drawing/2014/main" id="{9DB47E38-78FC-4477-975C-29DD5E592713}"/>
+              </a:ext>
+            </a:extLst>
+          </p:cNvPr>
+          <p:cNvSpPr txBox="1"/>
+          <p:nvPr/>
+        </p:nvSpPr>
+        <p:spPr>
+          <a:xfrm>
+            <a:off x="5402580" y="9378503"/>
+            <a:ext cx="2560320" cy="584775"/>
+          </a:xfrm>
+          <a:prstGeom prst="rect">
+            <a:avLst/>
+          </a:prstGeom>
+          <a:noFill/>
+          <a:ln>
+            <a:solidFill>
+              <a:schemeClr val="tx2">
+                <a:lumMod val="60000"/>
+                <a:lumOff val="40000"/>
+              </a:schemeClr>
+            </a:solidFill>
+          </a:ln>
+        </p:spPr>
+        <p:txBody>
+          <a:bodyPr wrap="square" rtlCol="0">
+            <a:spAutoFit/>
+          </a:bodyPr>
+          <a:lstStyle/>
+          <a:p>
+            <a:pPr algn="l"/>
+            <a:r>
+              <a:rPr lang="en-US" altLang="zh-CN" sz="3200" dirty="0"/>
+              <a:t>_ _proto_ _</a:t>
+            </a:r>
+            <a:endParaRPr lang="zh-CN" altLang="en-US" sz="3200" dirty="0"/>
+          </a:p>
+        </p:txBody>
+      </p:sp>
+      <p:cxnSp>
+        <p:nvCxnSpPr>
+          <p:cNvPr id="28" name="连接符: 肘形 27">
+            <a:extLst>
+              <a:ext uri="{FF2B5EF4-FFF2-40B4-BE49-F238E27FC236}">
+                <a16:creationId xmlns:a16="http://schemas.microsoft.com/office/drawing/2014/main" id="{7BDB029C-3756-4C63-9FF5-F0B9AFDE9A8E}"/>
+              </a:ext>
+            </a:extLst>
+          </p:cNvPr>
+          <p:cNvCxnSpPr>
+            <a:cxnSpLocks/>
+            <a:stCxn id="26" idx="3"/>
+            <a:endCxn id="8" idx="1"/>
+          </p:cNvCxnSpPr>
+          <p:nvPr/>
+        </p:nvCxnSpPr>
+        <p:spPr>
+          <a:xfrm flipV="1">
+            <a:off x="7962900" y="8793728"/>
+            <a:ext cx="3731895" cy="877163"/>
+          </a:xfrm>
+          <a:prstGeom prst="bentConnector3">
+            <a:avLst>
+              <a:gd name="adj1" fmla="val 80220"/>
+            </a:avLst>
+          </a:prstGeom>
+          <a:ln w="57150">
+            <a:solidFill>
+              <a:srgbClr val="00B050"/>
+            </a:solidFill>
+            <a:tailEnd type="triangle"/>
+          </a:ln>
+        </p:spPr>
+        <p:style>
+          <a:lnRef idx="1">
+            <a:schemeClr val="accent1"/>
+          </a:lnRef>
+          <a:fillRef idx="0">
+            <a:schemeClr val="accent1"/>
+          </a:fillRef>
+          <a:effectRef idx="0">
+            <a:schemeClr val="accent1"/>
+          </a:effectRef>
+          <a:fontRef idx="minor">
+            <a:schemeClr val="tx1"/>
+          </a:fontRef>
+        </p:style>
+      </p:cxnSp>
+      <p:sp>
+        <p:nvSpPr>
+          <p:cNvPr id="39" name="文本框 38">
+            <a:extLst>
+              <a:ext uri="{FF2B5EF4-FFF2-40B4-BE49-F238E27FC236}">
+                <a16:creationId xmlns:a16="http://schemas.microsoft.com/office/drawing/2014/main" id="{C21180C1-B950-48CC-8283-D09462D2A21A}"/>
+              </a:ext>
+            </a:extLst>
+          </p:cNvPr>
+          <p:cNvSpPr txBox="1"/>
+          <p:nvPr/>
+        </p:nvSpPr>
+        <p:spPr>
+          <a:xfrm>
+            <a:off x="12698730" y="7665720"/>
+            <a:ext cx="2560320" cy="584775"/>
+          </a:xfrm>
+          <a:prstGeom prst="rect">
+            <a:avLst/>
+          </a:prstGeom>
+          <a:noFill/>
+          <a:ln>
+            <a:solidFill>
+              <a:schemeClr val="tx2">
+                <a:lumMod val="60000"/>
+                <a:lumOff val="40000"/>
+              </a:schemeClr>
+            </a:solidFill>
+          </a:ln>
+        </p:spPr>
+        <p:txBody>
+          <a:bodyPr wrap="square" rtlCol="0">
+            <a:spAutoFit/>
+          </a:bodyPr>
+          <a:lstStyle/>
+          <a:p>
+            <a:pPr algn="l"/>
+            <a:r>
+              <a:rPr lang="en-US" altLang="zh-CN" sz="3200" dirty="0"/>
+              <a:t>_ _proto_ _</a:t>
+            </a:r>
+            <a:endParaRPr lang="zh-CN" altLang="en-US" sz="3200" dirty="0"/>
+          </a:p>
+        </p:txBody>
+      </p:sp>
+      <p:cxnSp>
+        <p:nvCxnSpPr>
+          <p:cNvPr id="41" name="连接符: 肘形 40">
+            <a:extLst>
+              <a:ext uri="{FF2B5EF4-FFF2-40B4-BE49-F238E27FC236}">
+                <a16:creationId xmlns:a16="http://schemas.microsoft.com/office/drawing/2014/main" id="{2AFAA23F-3620-4332-B4A3-4120AF25FAA3}"/>
+              </a:ext>
+            </a:extLst>
+          </p:cNvPr>
+          <p:cNvCxnSpPr>
+            <a:stCxn id="39" idx="3"/>
+          </p:cNvCxnSpPr>
+          <p:nvPr/>
+        </p:nvCxnSpPr>
+        <p:spPr>
+          <a:xfrm flipV="1">
+            <a:off x="15259050" y="7029019"/>
+            <a:ext cx="1916430" cy="929089"/>
+          </a:xfrm>
+          <a:prstGeom prst="bentConnector3">
+            <a:avLst/>
+          </a:prstGeom>
+          <a:ln w="57150">
+            <a:solidFill>
+              <a:schemeClr val="accent2"/>
+            </a:solidFill>
+            <a:tailEnd type="triangle"/>
+          </a:ln>
+        </p:spPr>
+        <p:style>
+          <a:lnRef idx="1">
+            <a:schemeClr val="accent1"/>
+          </a:lnRef>
+          <a:fillRef idx="0">
+            <a:schemeClr val="accent1"/>
+          </a:fillRef>
+          <a:effectRef idx="0">
+            <a:schemeClr val="accent1"/>
+          </a:effectRef>
+          <a:fontRef idx="minor">
+            <a:schemeClr val="tx1"/>
+          </a:fontRef>
+        </p:style>
+      </p:cxnSp>
+      <p:sp>
+        <p:nvSpPr>
+          <p:cNvPr id="42" name="文本框 41">
+            <a:extLst>
+              <a:ext uri="{FF2B5EF4-FFF2-40B4-BE49-F238E27FC236}">
+                <a16:creationId xmlns:a16="http://schemas.microsoft.com/office/drawing/2014/main" id="{0CAE2BCF-3B28-4987-A562-D3A5BF11B8F9}"/>
+              </a:ext>
+            </a:extLst>
+          </p:cNvPr>
+          <p:cNvSpPr txBox="1"/>
+          <p:nvPr/>
+        </p:nvSpPr>
+        <p:spPr>
+          <a:xfrm>
+            <a:off x="17354550" y="6736633"/>
+            <a:ext cx="963930" cy="584775"/>
+          </a:xfrm>
+          <a:prstGeom prst="rect">
+            <a:avLst/>
+          </a:prstGeom>
+          <a:noFill/>
+        </p:spPr>
+        <p:txBody>
+          <a:bodyPr wrap="square" rtlCol="0">
+            <a:spAutoFit/>
+          </a:bodyPr>
+          <a:lstStyle/>
+          <a:p>
+            <a:pPr algn="l"/>
+            <a:r>
+              <a:rPr lang="en-US" altLang="zh-CN" sz="3200" dirty="0"/>
+              <a:t>null</a:t>
+            </a:r>
+            <a:endParaRPr lang="zh-CN" altLang="en-US" sz="3200" dirty="0"/>
+          </a:p>
+        </p:txBody>
+      </p:sp>
+      <p:sp>
+        <p:nvSpPr>
+          <p:cNvPr id="43" name="文本框 42">
+            <a:extLst>
+              <a:ext uri="{FF2B5EF4-FFF2-40B4-BE49-F238E27FC236}">
+                <a16:creationId xmlns:a16="http://schemas.microsoft.com/office/drawing/2014/main" id="{34EC6CBF-DDD4-42B8-87E5-79C69CD4DE85}"/>
+              </a:ext>
+            </a:extLst>
+          </p:cNvPr>
+          <p:cNvSpPr txBox="1"/>
+          <p:nvPr/>
+        </p:nvSpPr>
+        <p:spPr>
+          <a:xfrm>
+            <a:off x="1082040" y="335280"/>
+            <a:ext cx="19431000" cy="1077218"/>
+          </a:xfrm>
+          <a:prstGeom prst="rect">
+            <a:avLst/>
+          </a:prstGeom>
+          <a:noFill/>
+        </p:spPr>
+        <p:txBody>
+          <a:bodyPr wrap="square" rtlCol="0">
+            <a:spAutoFit/>
+          </a:bodyPr>
+          <a:lstStyle/>
+          <a:p>
+            <a:pPr algn="l"/>
+            <a:r>
+              <a:rPr lang="zh-CN" altLang="en-US" sz="3200" dirty="0">
+                <a:solidFill>
+                  <a:srgbClr val="FF0000"/>
+                </a:solidFill>
+              </a:rPr>
+              <a:t>函数类也是</a:t>
+            </a:r>
+            <a:r>
+              <a:rPr lang="en-US" altLang="zh-CN" sz="3200" dirty="0">
+                <a:solidFill>
+                  <a:srgbClr val="FF0000"/>
+                </a:solidFill>
+              </a:rPr>
+              <a:t>Object</a:t>
+            </a:r>
+            <a:r>
+              <a:rPr lang="zh-CN" altLang="en-US" sz="3200" dirty="0">
+                <a:solidFill>
+                  <a:srgbClr val="FF0000"/>
+                </a:solidFill>
+              </a:rPr>
+              <a:t>类的一个实例，所以它有</a:t>
+            </a:r>
+            <a:r>
+              <a:rPr lang="en-US" altLang="zh-CN" sz="3200" dirty="0">
+                <a:solidFill>
+                  <a:srgbClr val="FF0000"/>
+                </a:solidFill>
+              </a:rPr>
+              <a:t>__proto__</a:t>
+            </a:r>
+            <a:r>
+              <a:rPr lang="zh-CN" altLang="en-US" sz="3200" dirty="0">
+                <a:solidFill>
+                  <a:srgbClr val="FF0000"/>
+                </a:solidFill>
+              </a:rPr>
+              <a:t>这个属性，所以它指向当前所属类</a:t>
+            </a:r>
+            <a:r>
+              <a:rPr lang="en-US" altLang="zh-CN" sz="3200" dirty="0">
+                <a:solidFill>
+                  <a:srgbClr val="FF0000"/>
+                </a:solidFill>
+              </a:rPr>
+              <a:t>【</a:t>
+            </a:r>
+            <a:r>
+              <a:rPr lang="zh-CN" altLang="en-US" sz="3200" dirty="0">
+                <a:solidFill>
+                  <a:srgbClr val="FF0000"/>
+                </a:solidFill>
+              </a:rPr>
+              <a:t>它是函数定义而成，所以它所属的类是</a:t>
+            </a:r>
+            <a:r>
+              <a:rPr lang="en-US" altLang="zh-CN" sz="3200" dirty="0">
+                <a:solidFill>
+                  <a:srgbClr val="FF0000"/>
+                </a:solidFill>
+              </a:rPr>
+              <a:t>Function</a:t>
+            </a:r>
+            <a:r>
+              <a:rPr lang="zh-CN" altLang="en-US" sz="3200" dirty="0">
+                <a:solidFill>
+                  <a:srgbClr val="FF0000"/>
+                </a:solidFill>
+              </a:rPr>
+              <a:t>函数类</a:t>
+            </a:r>
+            <a:r>
+              <a:rPr lang="en-US" altLang="zh-CN" sz="3200" dirty="0">
+                <a:solidFill>
+                  <a:srgbClr val="FF0000"/>
+                </a:solidFill>
+              </a:rPr>
+              <a:t>】</a:t>
+            </a:r>
+            <a:r>
+              <a:rPr lang="zh-CN" altLang="en-US" sz="3200" dirty="0">
+                <a:solidFill>
+                  <a:srgbClr val="FF0000"/>
+                </a:solidFill>
+              </a:rPr>
+              <a:t>的原型</a:t>
+            </a:r>
+          </a:p>
+        </p:txBody>
+      </p:sp>
+      <p:sp>
+        <p:nvSpPr>
+          <p:cNvPr id="44" name="对话气泡: 椭圆形 43">
+            <a:extLst>
+              <a:ext uri="{FF2B5EF4-FFF2-40B4-BE49-F238E27FC236}">
+                <a16:creationId xmlns:a16="http://schemas.microsoft.com/office/drawing/2014/main" id="{D6945CA6-A67E-48D6-A3C5-341EB4EA61F5}"/>
+              </a:ext>
+            </a:extLst>
+          </p:cNvPr>
+          <p:cNvSpPr/>
+          <p:nvPr/>
+        </p:nvSpPr>
+        <p:spPr>
+          <a:xfrm>
+            <a:off x="320040" y="2383095"/>
+            <a:ext cx="4130040" cy="2819399"/>
+          </a:xfrm>
+          <a:prstGeom prst="wedgeEllipseCallout">
+            <a:avLst>
+              <a:gd name="adj1" fmla="val 57765"/>
+              <a:gd name="adj2" fmla="val 5413"/>
+            </a:avLst>
+          </a:prstGeom>
+          <a:noFill/>
+        </p:spPr>
+        <p:style>
+          <a:lnRef idx="2">
+            <a:schemeClr val="accent1">
+              <a:shade val="50000"/>
+            </a:schemeClr>
+          </a:lnRef>
+          <a:fillRef idx="1">
+            <a:schemeClr val="accent1"/>
+          </a:fillRef>
+          <a:effectRef idx="0">
+            <a:schemeClr val="accent1"/>
+          </a:effectRef>
+          <a:fontRef idx="minor">
+            <a:schemeClr val="lt1"/>
+          </a:fontRef>
+        </p:style>
+        <p:txBody>
+          <a:bodyPr rot="0" spcFirstLastPara="0" vertOverflow="overflow" horzOverflow="overflow" vert="horz" wrap="square" lIns="91440" tIns="45720" rIns="91440" bIns="45720" numCol="1" spcCol="0" rtlCol="0" fromWordArt="0" anchor="ctr" anchorCtr="0" forceAA="0" compatLnSpc="1">
+            <a:prstTxWarp prst="textNoShape">
+              <a:avLst/>
+            </a:prstTxWarp>
+            <a:noAutofit/>
+          </a:bodyPr>
+          <a:lstStyle/>
+          <a:p>
+            <a:pPr algn="ctr"/>
+            <a:r>
+              <a:rPr lang="en-US" altLang="zh-CN" sz="3200" dirty="0">
+                <a:solidFill>
+                  <a:schemeClr val="tx1">
+                    <a:lumMod val="95000"/>
+                    <a:lumOff val="5000"/>
+                  </a:schemeClr>
+                </a:solidFill>
+              </a:rPr>
+              <a:t>function </a:t>
+            </a:r>
+            <a:r>
+              <a:rPr lang="en-US" altLang="zh-CN" sz="3200" dirty="0" err="1">
+                <a:solidFill>
+                  <a:schemeClr val="tx1">
+                    <a:lumMod val="95000"/>
+                    <a:lumOff val="5000"/>
+                  </a:schemeClr>
+                </a:solidFill>
+              </a:rPr>
+              <a:t>Function</a:t>
+            </a:r>
+            <a:r>
+              <a:rPr lang="en-US" altLang="zh-CN" sz="3200" dirty="0">
+                <a:solidFill>
+                  <a:schemeClr val="tx1">
+                    <a:lumMod val="95000"/>
+                    <a:lumOff val="5000"/>
+                  </a:schemeClr>
+                </a:solidFill>
+              </a:rPr>
+              <a:t> (){}</a:t>
+            </a:r>
+            <a:endParaRPr lang="zh-CN" altLang="en-US" sz="3200" dirty="0">
+              <a:solidFill>
+                <a:schemeClr val="tx1">
+                  <a:lumMod val="95000"/>
+                  <a:lumOff val="5000"/>
+                </a:schemeClr>
+              </a:solidFill>
+            </a:endParaRPr>
+          </a:p>
+        </p:txBody>
+      </p:sp>
+      <p:sp>
+        <p:nvSpPr>
+          <p:cNvPr id="45" name="对话气泡: 椭圆形 44">
+            <a:extLst>
+              <a:ext uri="{FF2B5EF4-FFF2-40B4-BE49-F238E27FC236}">
+                <a16:creationId xmlns:a16="http://schemas.microsoft.com/office/drawing/2014/main" id="{6C16C9E0-4F5E-40E6-8B02-C9281B271B30}"/>
+              </a:ext>
+            </a:extLst>
+          </p:cNvPr>
+          <p:cNvSpPr/>
+          <p:nvPr/>
+        </p:nvSpPr>
+        <p:spPr>
+          <a:xfrm>
+            <a:off x="16247743" y="2549192"/>
+            <a:ext cx="3716657" cy="2653301"/>
+          </a:xfrm>
+          <a:prstGeom prst="wedgeEllipseCallout">
+            <a:avLst>
+              <a:gd name="adj1" fmla="val -81718"/>
+              <a:gd name="adj2" fmla="val 5413"/>
+            </a:avLst>
+          </a:prstGeom>
+          <a:noFill/>
+        </p:spPr>
+        <p:style>
+          <a:lnRef idx="2">
+            <a:schemeClr val="accent1">
+              <a:shade val="50000"/>
+            </a:schemeClr>
+          </a:lnRef>
+          <a:fillRef idx="1">
+            <a:schemeClr val="accent1"/>
+          </a:fillRef>
+          <a:effectRef idx="0">
+            <a:schemeClr val="accent1"/>
+          </a:effectRef>
+          <a:fontRef idx="minor">
+            <a:schemeClr val="lt1"/>
+          </a:fontRef>
+        </p:style>
+        <p:txBody>
+          <a:bodyPr rot="0" spcFirstLastPara="0" vertOverflow="overflow" horzOverflow="overflow" vert="horz" wrap="square" lIns="91440" tIns="45720" rIns="91440" bIns="45720" numCol="1" spcCol="0" rtlCol="0" fromWordArt="0" anchor="ctr" anchorCtr="0" forceAA="0" compatLnSpc="1">
+            <a:prstTxWarp prst="textNoShape">
+              <a:avLst/>
+            </a:prstTxWarp>
+            <a:noAutofit/>
+          </a:bodyPr>
+          <a:lstStyle/>
+          <a:p>
+            <a:pPr algn="ctr"/>
+            <a:r>
+              <a:rPr lang="en-US" altLang="zh-CN" sz="3200" dirty="0">
+                <a:solidFill>
+                  <a:schemeClr val="tx1">
+                    <a:lumMod val="95000"/>
+                    <a:lumOff val="5000"/>
+                  </a:schemeClr>
+                </a:solidFill>
+              </a:rPr>
+              <a:t>function Object (){}</a:t>
+            </a:r>
+            <a:endParaRPr lang="zh-CN" altLang="en-US" sz="3200" dirty="0">
+              <a:solidFill>
+                <a:schemeClr val="tx1">
+                  <a:lumMod val="95000"/>
+                  <a:lumOff val="5000"/>
+                </a:schemeClr>
+              </a:solidFill>
+            </a:endParaRPr>
+          </a:p>
+        </p:txBody>
+      </p:sp>
+    </p:spTree>
+    <p:extLst>
+      <p:ext uri="{BB962C8B-B14F-4D97-AF65-F5344CB8AC3E}">
+        <p14:creationId xmlns:p14="http://schemas.microsoft.com/office/powerpoint/2010/main" val="4250082735"/>
+      </p:ext>
+    </p:extLst>
+  </p:cSld>
+  <p:clrMapOvr>
+    <a:masterClrMapping/>
+  </p:clrMapOvr>
+</p:sld>
+</file>
+
 <file path=ppt/slides/slide2.xml><?xml version="1.0" encoding="utf-8"?>
 <p:sld xmlns:a="http://schemas.openxmlformats.org/drawingml/2006/main" xmlns:r="http://schemas.openxmlformats.org/officeDocument/2006/relationships" xmlns:p="http://schemas.openxmlformats.org/presentationml/2006/main">
   <p:cSld>
@@ -8196,12 +10640,42 @@
           <a:chExt cx="0" cy="0"/>
         </a:xfrm>
       </p:grpSpPr>
-      <p:sp>
-        <p:nvSpPr>
-          <p:cNvPr id="4" name="矩形 3">
-            <a:extLst>
-              <a:ext uri="{FF2B5EF4-FFF2-40B4-BE49-F238E27FC236}">
-                <a16:creationId xmlns:a16="http://schemas.microsoft.com/office/drawing/2014/main" id="{F3437534-D591-4B5E-8822-3294DC9C536F}"/>
+      <p:pic>
+        <p:nvPicPr>
+          <p:cNvPr id="3" name="图片 2">
+            <a:extLst>
+              <a:ext uri="{FF2B5EF4-FFF2-40B4-BE49-F238E27FC236}">
+                <a16:creationId xmlns:a16="http://schemas.microsoft.com/office/drawing/2014/main" id="{6247BDA2-3100-4D2A-B96C-EA4317D81B55}"/>
+              </a:ext>
+            </a:extLst>
+          </p:cNvPr>
+          <p:cNvPicPr>
+            <a:picLocks noChangeAspect="1"/>
+          </p:cNvPicPr>
+          <p:nvPr/>
+        </p:nvPicPr>
+        <p:blipFill>
+          <a:blip r:embed="rId2"/>
+          <a:stretch>
+            <a:fillRect/>
+          </a:stretch>
+        </p:blipFill>
+        <p:spPr>
+          <a:xfrm>
+            <a:off x="598869" y="391704"/>
+            <a:ext cx="10660747" cy="7197816"/>
+          </a:xfrm>
+          <a:prstGeom prst="rect">
+            <a:avLst/>
+          </a:prstGeom>
+        </p:spPr>
+      </p:pic>
+      <p:sp>
+        <p:nvSpPr>
+          <p:cNvPr id="7" name="矩形 6">
+            <a:extLst>
+              <a:ext uri="{FF2B5EF4-FFF2-40B4-BE49-F238E27FC236}">
+                <a16:creationId xmlns:a16="http://schemas.microsoft.com/office/drawing/2014/main" id="{0DC6FE0B-BB0D-42FF-B656-55CA3031DBB1}"/>
               </a:ext>
             </a:extLst>
           </p:cNvPr>
@@ -8210,8 +10684,8 @@
         </p:nvSpPr>
         <p:spPr>
           <a:xfrm>
-            <a:off x="12639675" y="913576"/>
-            <a:ext cx="4160520" cy="5167183"/>
+            <a:off x="11750040" y="1295400"/>
+            <a:ext cx="3291840" cy="4104481"/>
           </a:xfrm>
           <a:prstGeom prst="rect">
             <a:avLst/>
@@ -8235,34 +10709,334 @@
           </a:fontRef>
         </p:style>
         <p:txBody>
-          <a:bodyPr rtlCol="0" anchor="ctr"/>
+          <a:bodyPr rot="0" spcFirstLastPara="0" vertOverflow="overflow" horzOverflow="overflow" vert="horz" wrap="square" lIns="91440" tIns="45720" rIns="91440" bIns="45720" numCol="1" spcCol="0" rtlCol="0" fromWordArt="0" anchor="ctr" anchorCtr="0" forceAA="0" compatLnSpc="1">
+            <a:prstTxWarp prst="textNoShape">
+              <a:avLst/>
+            </a:prstTxWarp>
+            <a:noAutofit/>
+          </a:bodyPr>
           <a:lstStyle/>
           <a:p>
             <a:pPr algn="ctr"/>
-            <a:endParaRPr lang="zh-CN" altLang="en-US"/>
+            <a:endParaRPr lang="zh-CN" altLang="en-US" sz="4400" dirty="0">
+              <a:solidFill>
+                <a:schemeClr val="tx1">
+                  <a:lumMod val="95000"/>
+                  <a:lumOff val="5000"/>
+                </a:schemeClr>
+              </a:solidFill>
+            </a:endParaRPr>
+          </a:p>
+        </p:txBody>
+      </p:sp>
+      <p:sp>
+        <p:nvSpPr>
+          <p:cNvPr id="8" name="文本框 7">
+            <a:extLst>
+              <a:ext uri="{FF2B5EF4-FFF2-40B4-BE49-F238E27FC236}">
+                <a16:creationId xmlns:a16="http://schemas.microsoft.com/office/drawing/2014/main" id="{E584B132-BDAE-4F96-9AA7-9818DA75D456}"/>
+              </a:ext>
+            </a:extLst>
+          </p:cNvPr>
+          <p:cNvSpPr txBox="1"/>
+          <p:nvPr/>
+        </p:nvSpPr>
+        <p:spPr>
+          <a:xfrm>
+            <a:off x="11871960" y="2026920"/>
+            <a:ext cx="2773680" cy="1077218"/>
+          </a:xfrm>
+          <a:prstGeom prst="rect">
+            <a:avLst/>
+          </a:prstGeom>
+          <a:noFill/>
+        </p:spPr>
+        <p:txBody>
+          <a:bodyPr wrap="square" rtlCol="0">
+            <a:spAutoFit/>
+          </a:bodyPr>
+          <a:lstStyle/>
+          <a:p>
+            <a:pPr algn="l"/>
+            <a:r>
+              <a:rPr lang="en-US" altLang="zh-CN" sz="3200" dirty="0" err="1"/>
+              <a:t>this.x</a:t>
+            </a:r>
+            <a:r>
+              <a:rPr lang="en-US" altLang="zh-CN" sz="3200" dirty="0"/>
+              <a:t>=num=10</a:t>
+            </a:r>
+          </a:p>
+          <a:p>
+            <a:pPr algn="l"/>
+            <a:r>
+              <a:rPr lang="en-US" altLang="zh-CN" sz="3200" dirty="0" err="1"/>
+              <a:t>this.y</a:t>
+            </a:r>
+            <a:r>
+              <a:rPr lang="en-US" altLang="zh-CN" sz="3200" dirty="0"/>
+              <a:t>=num=10</a:t>
+            </a:r>
+            <a:endParaRPr lang="zh-CN" altLang="en-US" sz="3200" dirty="0"/>
+          </a:p>
+        </p:txBody>
+      </p:sp>
+      <p:sp>
+        <p:nvSpPr>
+          <p:cNvPr id="10" name="文本框 9">
+            <a:extLst>
+              <a:ext uri="{FF2B5EF4-FFF2-40B4-BE49-F238E27FC236}">
+                <a16:creationId xmlns:a16="http://schemas.microsoft.com/office/drawing/2014/main" id="{96127DF1-2391-48C7-B5A9-7162BACBE6DA}"/>
+              </a:ext>
+            </a:extLst>
+          </p:cNvPr>
+          <p:cNvSpPr txBox="1"/>
+          <p:nvPr/>
+        </p:nvSpPr>
+        <p:spPr>
+          <a:xfrm>
+            <a:off x="11871960" y="551164"/>
+            <a:ext cx="2773680" cy="584775"/>
+          </a:xfrm>
+          <a:prstGeom prst="rect">
+            <a:avLst/>
+          </a:prstGeom>
+          <a:noFill/>
+        </p:spPr>
+        <p:txBody>
+          <a:bodyPr wrap="square" rtlCol="0">
+            <a:spAutoFit/>
+          </a:bodyPr>
+          <a:lstStyle/>
+          <a:p>
+            <a:pPr algn="l"/>
+            <a:r>
+              <a:rPr lang="en-US" altLang="zh-CN" sz="3200" dirty="0" err="1">
+                <a:solidFill>
+                  <a:srgbClr val="FF0000"/>
+                </a:solidFill>
+              </a:rPr>
+              <a:t>Fn</a:t>
+            </a:r>
+            <a:r>
+              <a:rPr lang="en-US" altLang="zh-CN" sz="3200" dirty="0"/>
+              <a:t> =&gt;</a:t>
+            </a:r>
+            <a:r>
+              <a:rPr lang="zh-CN" altLang="en-US" sz="3200" dirty="0"/>
+              <a:t>构造函数</a:t>
+            </a:r>
+          </a:p>
+        </p:txBody>
+      </p:sp>
+      <p:sp>
+        <p:nvSpPr>
+          <p:cNvPr id="37" name="文本框 36">
+            <a:extLst>
+              <a:ext uri="{FF2B5EF4-FFF2-40B4-BE49-F238E27FC236}">
+                <a16:creationId xmlns:a16="http://schemas.microsoft.com/office/drawing/2014/main" id="{EB281267-BD03-4B34-A666-300A22F8F129}"/>
+              </a:ext>
+            </a:extLst>
+          </p:cNvPr>
+          <p:cNvSpPr txBox="1"/>
+          <p:nvPr/>
+        </p:nvSpPr>
+        <p:spPr>
+          <a:xfrm>
+            <a:off x="12268200" y="4574524"/>
+            <a:ext cx="2773680" cy="584775"/>
+          </a:xfrm>
+          <a:prstGeom prst="rect">
+            <a:avLst/>
+          </a:prstGeom>
+          <a:noFill/>
+        </p:spPr>
+        <p:txBody>
+          <a:bodyPr wrap="square" rtlCol="0">
+            <a:spAutoFit/>
+          </a:bodyPr>
+          <a:lstStyle/>
+          <a:p>
+            <a:pPr algn="l"/>
+            <a:r>
+              <a:rPr lang="en-US" altLang="zh-CN" sz="3200" dirty="0"/>
+              <a:t>prototype</a:t>
+            </a:r>
+            <a:endParaRPr lang="zh-CN" altLang="en-US" sz="3200" dirty="0"/>
+          </a:p>
+        </p:txBody>
+      </p:sp>
+      <p:sp>
+        <p:nvSpPr>
+          <p:cNvPr id="39" name="矩形 38">
+            <a:extLst>
+              <a:ext uri="{FF2B5EF4-FFF2-40B4-BE49-F238E27FC236}">
+                <a16:creationId xmlns:a16="http://schemas.microsoft.com/office/drawing/2014/main" id="{CE7BBE06-4ABA-466E-9146-453628A8341F}"/>
+              </a:ext>
+            </a:extLst>
+          </p:cNvPr>
+          <p:cNvSpPr/>
+          <p:nvPr/>
+        </p:nvSpPr>
+        <p:spPr>
+          <a:xfrm>
+            <a:off x="15834360" y="1295399"/>
+            <a:ext cx="3291840" cy="2225041"/>
+          </a:xfrm>
+          <a:prstGeom prst="rect">
+            <a:avLst/>
+          </a:prstGeom>
+          <a:noFill/>
+        </p:spPr>
+        <p:style>
+          <a:lnRef idx="2">
+            <a:schemeClr val="accent1">
+              <a:shade val="50000"/>
+            </a:schemeClr>
+          </a:lnRef>
+          <a:fillRef idx="1">
+            <a:schemeClr val="accent1"/>
+          </a:fillRef>
+          <a:effectRef idx="0">
+            <a:schemeClr val="accent1"/>
+          </a:effectRef>
+          <a:fontRef idx="minor">
+            <a:schemeClr val="lt1"/>
+          </a:fontRef>
+        </p:style>
+        <p:txBody>
+          <a:bodyPr rot="0" spcFirstLastPara="0" vertOverflow="overflow" horzOverflow="overflow" vert="horz" wrap="square" lIns="91440" tIns="45720" rIns="91440" bIns="45720" numCol="1" spcCol="0" rtlCol="0" fromWordArt="0" anchor="ctr" anchorCtr="0" forceAA="0" compatLnSpc="1">
+            <a:prstTxWarp prst="textNoShape">
+              <a:avLst/>
+            </a:prstTxWarp>
+            <a:noAutofit/>
+          </a:bodyPr>
+          <a:lstStyle/>
+          <a:p>
+            <a:pPr algn="ctr"/>
+            <a:endParaRPr lang="zh-CN" altLang="en-US" sz="4400" dirty="0">
+              <a:solidFill>
+                <a:schemeClr val="tx1">
+                  <a:lumMod val="95000"/>
+                  <a:lumOff val="5000"/>
+                </a:schemeClr>
+              </a:solidFill>
+            </a:endParaRPr>
+          </a:p>
+        </p:txBody>
+      </p:sp>
+      <p:sp>
+        <p:nvSpPr>
+          <p:cNvPr id="40" name="文本框 39">
+            <a:extLst>
+              <a:ext uri="{FF2B5EF4-FFF2-40B4-BE49-F238E27FC236}">
+                <a16:creationId xmlns:a16="http://schemas.microsoft.com/office/drawing/2014/main" id="{1D5D850E-F1CB-457F-B6BC-39B5A0B016AD}"/>
+              </a:ext>
+            </a:extLst>
+          </p:cNvPr>
+          <p:cNvSpPr txBox="1"/>
+          <p:nvPr/>
+        </p:nvSpPr>
+        <p:spPr>
+          <a:xfrm>
+            <a:off x="16238220" y="1991618"/>
+            <a:ext cx="2484120" cy="1077218"/>
+          </a:xfrm>
+          <a:prstGeom prst="rect">
+            <a:avLst/>
+          </a:prstGeom>
+          <a:noFill/>
+        </p:spPr>
+        <p:txBody>
+          <a:bodyPr wrap="square" rtlCol="0">
+            <a:spAutoFit/>
+          </a:bodyPr>
+          <a:lstStyle/>
+          <a:p>
+            <a:pPr algn="l"/>
+            <a:r>
+              <a:rPr lang="en-US" altLang="zh-CN" sz="3200" dirty="0"/>
+              <a:t>x:20</a:t>
+            </a:r>
+          </a:p>
+          <a:p>
+            <a:pPr algn="l"/>
+            <a:r>
+              <a:rPr lang="en-US" altLang="zh-CN" sz="3200" dirty="0"/>
+              <a:t>sum:xxff11</a:t>
+            </a:r>
+            <a:endParaRPr lang="zh-CN" altLang="en-US" sz="3200" dirty="0"/>
+          </a:p>
+        </p:txBody>
+      </p:sp>
+      <p:sp>
+        <p:nvSpPr>
+          <p:cNvPr id="41" name="文本框 40">
+            <a:extLst>
+              <a:ext uri="{FF2B5EF4-FFF2-40B4-BE49-F238E27FC236}">
+                <a16:creationId xmlns:a16="http://schemas.microsoft.com/office/drawing/2014/main" id="{73011268-9E97-4936-A550-F4FAE45DDFD6}"/>
+              </a:ext>
+            </a:extLst>
+          </p:cNvPr>
+          <p:cNvSpPr txBox="1"/>
+          <p:nvPr/>
+        </p:nvSpPr>
+        <p:spPr>
+          <a:xfrm>
+            <a:off x="15834360" y="551163"/>
+            <a:ext cx="3627120" cy="584775"/>
+          </a:xfrm>
+          <a:prstGeom prst="rect">
+            <a:avLst/>
+          </a:prstGeom>
+          <a:noFill/>
+        </p:spPr>
+        <p:txBody>
+          <a:bodyPr wrap="square" rtlCol="0">
+            <a:spAutoFit/>
+          </a:bodyPr>
+          <a:lstStyle/>
+          <a:p>
+            <a:pPr algn="l"/>
+            <a:r>
+              <a:rPr lang="en-US" altLang="zh-CN" sz="3200" dirty="0"/>
+              <a:t>xxff00 =&gt;prototype</a:t>
+            </a:r>
+            <a:endParaRPr lang="zh-CN" altLang="en-US" sz="3200" dirty="0"/>
           </a:p>
         </p:txBody>
       </p:sp>
       <p:cxnSp>
         <p:nvCxnSpPr>
-          <p:cNvPr id="5" name="直接连接符 4">
-            <a:extLst>
-              <a:ext uri="{FF2B5EF4-FFF2-40B4-BE49-F238E27FC236}">
-                <a16:creationId xmlns:a16="http://schemas.microsoft.com/office/drawing/2014/main" id="{EAC7CFF8-1DAA-462F-B601-0DFC4AA32C54}"/>
-              </a:ext>
-            </a:extLst>
-          </p:cNvPr>
-          <p:cNvCxnSpPr/>
+          <p:cNvPr id="25" name="连接符: 肘形 24">
+            <a:extLst>
+              <a:ext uri="{FF2B5EF4-FFF2-40B4-BE49-F238E27FC236}">
+                <a16:creationId xmlns:a16="http://schemas.microsoft.com/office/drawing/2014/main" id="{ACAA9B6A-A643-49D3-BB64-C8ED2AB77008}"/>
+              </a:ext>
+            </a:extLst>
+          </p:cNvPr>
+          <p:cNvCxnSpPr>
+            <a:stCxn id="41" idx="1"/>
+            <a:endCxn id="37" idx="3"/>
+          </p:cNvCxnSpPr>
           <p:nvPr/>
         </p:nvCxnSpPr>
         <p:spPr>
-          <a:xfrm>
-            <a:off x="12700635" y="2468880"/>
-            <a:ext cx="4099560" cy="0"/>
-          </a:xfrm>
-          <a:prstGeom prst="line">
-            <a:avLst/>
-          </a:prstGeom>
+          <a:xfrm rot="10800000" flipV="1">
+            <a:off x="15041880" y="843550"/>
+            <a:ext cx="792480" cy="4023361"/>
+          </a:xfrm>
+          <a:prstGeom prst="bentConnector3">
+            <a:avLst>
+              <a:gd name="adj1" fmla="val 38462"/>
+            </a:avLst>
+          </a:prstGeom>
+          <a:ln w="57150">
+            <a:solidFill>
+              <a:schemeClr val="accent2"/>
+            </a:solidFill>
+            <a:tailEnd type="triangle"/>
+          </a:ln>
         </p:spPr>
         <p:style>
           <a:lnRef idx="1">
@@ -8281,10 +11055,69 @@
       </p:cxnSp>
       <p:sp>
         <p:nvSpPr>
-          <p:cNvPr id="6" name="文本框 5">
-            <a:extLst>
-              <a:ext uri="{FF2B5EF4-FFF2-40B4-BE49-F238E27FC236}">
-                <a16:creationId xmlns:a16="http://schemas.microsoft.com/office/drawing/2014/main" id="{3E48A951-D372-44AC-8138-7BEA85CA1A2E}"/>
+          <p:cNvPr id="30" name="矩形 29">
+            <a:extLst>
+              <a:ext uri="{FF2B5EF4-FFF2-40B4-BE49-F238E27FC236}">
+                <a16:creationId xmlns:a16="http://schemas.microsoft.com/office/drawing/2014/main" id="{1900C219-361C-44AF-84C2-080224C538D8}"/>
+              </a:ext>
+            </a:extLst>
+          </p:cNvPr>
+          <p:cNvSpPr/>
+          <p:nvPr/>
+        </p:nvSpPr>
+        <p:spPr>
+          <a:xfrm>
+            <a:off x="16093440" y="5159299"/>
+            <a:ext cx="2484120" cy="1996439"/>
+          </a:xfrm>
+          <a:prstGeom prst="rect">
+            <a:avLst/>
+          </a:prstGeom>
+          <a:noFill/>
+        </p:spPr>
+        <p:style>
+          <a:lnRef idx="2">
+            <a:schemeClr val="accent1">
+              <a:shade val="50000"/>
+            </a:schemeClr>
+          </a:lnRef>
+          <a:fillRef idx="1">
+            <a:schemeClr val="accent1"/>
+          </a:fillRef>
+          <a:effectRef idx="0">
+            <a:schemeClr val="accent1"/>
+          </a:effectRef>
+          <a:fontRef idx="minor">
+            <a:schemeClr val="lt1"/>
+          </a:fontRef>
+        </p:style>
+        <p:txBody>
+          <a:bodyPr rot="0" spcFirstLastPara="0" vertOverflow="overflow" horzOverflow="overflow" vert="horz" wrap="square" lIns="91440" tIns="45720" rIns="91440" bIns="45720" numCol="1" spcCol="0" rtlCol="0" fromWordArt="0" anchor="ctr" anchorCtr="0" forceAA="0" compatLnSpc="1">
+            <a:prstTxWarp prst="textNoShape">
+              <a:avLst/>
+            </a:prstTxWarp>
+            <a:noAutofit/>
+          </a:bodyPr>
+          <a:lstStyle/>
+          <a:p>
+            <a:pPr algn="ctr"/>
+            <a:endParaRPr lang="zh-CN" altLang="en-US" sz="4400" dirty="0">
+              <a:solidFill>
+                <a:schemeClr val="tx1">
+                  <a:lumMod val="95000"/>
+                  <a:lumOff val="5000"/>
+                </a:schemeClr>
+              </a:solidFill>
+            </a:endParaRPr>
+          </a:p>
+        </p:txBody>
+      </p:sp>
+      <p:sp>
+        <p:nvSpPr>
+          <p:cNvPr id="42" name="文本框 41">
+            <a:extLst>
+              <a:ext uri="{FF2B5EF4-FFF2-40B4-BE49-F238E27FC236}">
+                <a16:creationId xmlns:a16="http://schemas.microsoft.com/office/drawing/2014/main" id="{D123F800-9F97-4436-A2C6-BC32B3010DBC}"/>
               </a:ext>
             </a:extLst>
           </p:cNvPr>
@@ -8293,8 +11126,8 @@
         </p:nvSpPr>
         <p:spPr>
           <a:xfrm>
-            <a:off x="12700635" y="913577"/>
-            <a:ext cx="3840480" cy="1569660"/>
+            <a:off x="16093440" y="4506402"/>
+            <a:ext cx="2773680" cy="584775"/>
           </a:xfrm>
           <a:prstGeom prst="rect">
             <a:avLst/>
@@ -8309,62 +11142,857 @@
           <a:p>
             <a:pPr algn="l"/>
             <a:r>
+              <a:rPr lang="en-US" altLang="zh-CN" sz="3200" dirty="0"/>
+              <a:t>f =&gt; </a:t>
+            </a:r>
+            <a:r>
+              <a:rPr lang="en-US" altLang="zh-CN" sz="3200" dirty="0" err="1"/>
+              <a:t>Fn</a:t>
+            </a:r>
+            <a:r>
               <a:rPr lang="zh-CN" altLang="en-US" sz="3200" dirty="0"/>
-              <a:t>变量提升：</a:t>
+              <a:t>的实例</a:t>
+            </a:r>
+          </a:p>
+        </p:txBody>
+      </p:sp>
+      <p:sp>
+        <p:nvSpPr>
+          <p:cNvPr id="43" name="文本框 42">
+            <a:extLst>
+              <a:ext uri="{FF2B5EF4-FFF2-40B4-BE49-F238E27FC236}">
+                <a16:creationId xmlns:a16="http://schemas.microsoft.com/office/drawing/2014/main" id="{E2637EC9-E881-421D-8B49-177676850F20}"/>
+              </a:ext>
+            </a:extLst>
+          </p:cNvPr>
+          <p:cNvSpPr txBox="1"/>
+          <p:nvPr/>
+        </p:nvSpPr>
+        <p:spPr>
+          <a:xfrm>
+            <a:off x="16383000" y="5237922"/>
+            <a:ext cx="2194560" cy="1077218"/>
+          </a:xfrm>
+          <a:prstGeom prst="rect">
+            <a:avLst/>
+          </a:prstGeom>
+          <a:noFill/>
+        </p:spPr>
+        <p:txBody>
+          <a:bodyPr wrap="square" rtlCol="0">
+            <a:spAutoFit/>
+          </a:bodyPr>
+          <a:lstStyle/>
+          <a:p>
+            <a:pPr algn="l"/>
+            <a:r>
+              <a:rPr lang="en-US" altLang="zh-CN" sz="3200" dirty="0"/>
+              <a:t>x:10</a:t>
+            </a:r>
+          </a:p>
+          <a:p>
+            <a:pPr algn="l"/>
+            <a:r>
+              <a:rPr lang="en-US" altLang="zh-CN" sz="3200" dirty="0"/>
+              <a:t>y:10</a:t>
+            </a:r>
+            <a:endParaRPr lang="zh-CN" altLang="en-US" sz="3200" dirty="0"/>
+          </a:p>
+        </p:txBody>
+      </p:sp>
+      <p:sp>
+        <p:nvSpPr>
+          <p:cNvPr id="45" name="文本框 44">
+            <a:extLst>
+              <a:ext uri="{FF2B5EF4-FFF2-40B4-BE49-F238E27FC236}">
+                <a16:creationId xmlns:a16="http://schemas.microsoft.com/office/drawing/2014/main" id="{71EACC62-D698-4779-8EE6-781F7CD653F6}"/>
+              </a:ext>
+            </a:extLst>
+          </p:cNvPr>
+          <p:cNvSpPr txBox="1"/>
+          <p:nvPr/>
+        </p:nvSpPr>
+        <p:spPr>
+          <a:xfrm>
+            <a:off x="16238220" y="6451230"/>
+            <a:ext cx="2194560" cy="584775"/>
+          </a:xfrm>
+          <a:prstGeom prst="rect">
+            <a:avLst/>
+          </a:prstGeom>
+          <a:noFill/>
+        </p:spPr>
+        <p:txBody>
+          <a:bodyPr wrap="square" rtlCol="0">
+            <a:spAutoFit/>
+          </a:bodyPr>
+          <a:lstStyle/>
+          <a:p>
+            <a:pPr algn="l"/>
+            <a:r>
+              <a:rPr lang="en-US" altLang="zh-CN" sz="3200" dirty="0"/>
+              <a:t>_ _proto_ _</a:t>
+            </a:r>
+            <a:endParaRPr lang="zh-CN" altLang="en-US" sz="3200" dirty="0"/>
+          </a:p>
+        </p:txBody>
+      </p:sp>
+      <p:cxnSp>
+        <p:nvCxnSpPr>
+          <p:cNvPr id="47" name="连接符: 肘形 46">
+            <a:extLst>
+              <a:ext uri="{FF2B5EF4-FFF2-40B4-BE49-F238E27FC236}">
+                <a16:creationId xmlns:a16="http://schemas.microsoft.com/office/drawing/2014/main" id="{A70620D6-C10B-4626-9120-9037B344E1E0}"/>
+              </a:ext>
+            </a:extLst>
+          </p:cNvPr>
+          <p:cNvCxnSpPr>
+            <a:cxnSpLocks/>
+            <a:stCxn id="45" idx="3"/>
+            <a:endCxn id="39" idx="3"/>
+          </p:cNvCxnSpPr>
+          <p:nvPr/>
+        </p:nvCxnSpPr>
+        <p:spPr>
+          <a:xfrm flipV="1">
+            <a:off x="18432780" y="2407920"/>
+            <a:ext cx="693420" cy="4335698"/>
+          </a:xfrm>
+          <a:prstGeom prst="bentConnector3">
+            <a:avLst>
+              <a:gd name="adj1" fmla="val 209890"/>
+            </a:avLst>
+          </a:prstGeom>
+          <a:ln w="57150">
+            <a:solidFill>
+              <a:schemeClr val="accent2"/>
+            </a:solidFill>
+            <a:tailEnd type="triangle"/>
+          </a:ln>
+        </p:spPr>
+        <p:style>
+          <a:lnRef idx="1">
+            <a:schemeClr val="accent1"/>
+          </a:lnRef>
+          <a:fillRef idx="0">
+            <a:schemeClr val="accent1"/>
+          </a:fillRef>
+          <a:effectRef idx="0">
+            <a:schemeClr val="accent1"/>
+          </a:effectRef>
+          <a:fontRef idx="minor">
+            <a:schemeClr val="tx1"/>
+          </a:fontRef>
+        </p:style>
+      </p:cxnSp>
+      <p:sp>
+        <p:nvSpPr>
+          <p:cNvPr id="51" name="文本框 50">
+            <a:extLst>
+              <a:ext uri="{FF2B5EF4-FFF2-40B4-BE49-F238E27FC236}">
+                <a16:creationId xmlns:a16="http://schemas.microsoft.com/office/drawing/2014/main" id="{F7632D27-A163-4AC3-9E46-C4B67A98A3A3}"/>
+              </a:ext>
+            </a:extLst>
+          </p:cNvPr>
+          <p:cNvSpPr txBox="1"/>
+          <p:nvPr/>
+        </p:nvSpPr>
+        <p:spPr>
+          <a:xfrm>
+            <a:off x="822960" y="7909560"/>
+            <a:ext cx="10660747" cy="2062103"/>
+          </a:xfrm>
+          <a:prstGeom prst="rect">
+            <a:avLst/>
+          </a:prstGeom>
+          <a:noFill/>
+        </p:spPr>
+        <p:txBody>
+          <a:bodyPr wrap="square" rtlCol="0">
+            <a:spAutoFit/>
+          </a:bodyPr>
+          <a:lstStyle/>
+          <a:p>
+            <a:pPr algn="l"/>
+            <a:r>
+              <a:rPr lang="en-US" altLang="zh-CN" sz="3200" dirty="0" err="1"/>
+              <a:t>f.__proto__.sum</a:t>
+            </a:r>
+            <a:r>
+              <a:rPr lang="en-US" altLang="zh-CN" sz="3200" dirty="0"/>
+              <a:t>== </a:t>
+            </a:r>
+            <a:r>
+              <a:rPr lang="en-US" altLang="zh-CN" sz="3200" dirty="0" err="1"/>
+              <a:t>Fn.prototype.sum</a:t>
+            </a:r>
+            <a:r>
+              <a:rPr lang="en-US" altLang="zh-CN" sz="3200" dirty="0"/>
+              <a:t>   //true</a:t>
+            </a:r>
+          </a:p>
+          <a:p>
+            <a:pPr algn="l"/>
+            <a:r>
+              <a:rPr lang="en-US" altLang="zh-CN" sz="3200" dirty="0" err="1"/>
+              <a:t>f.sum</a:t>
+            </a:r>
+            <a:r>
+              <a:rPr lang="en-US" altLang="zh-CN" sz="3200" dirty="0"/>
+              <a:t>() =&gt;</a:t>
+            </a:r>
+            <a:r>
+              <a:rPr lang="en-US" altLang="zh-CN" sz="3200" dirty="0">
+                <a:solidFill>
+                  <a:srgbClr val="FF0000"/>
+                </a:solidFill>
+              </a:rPr>
+              <a:t>xxff11</a:t>
+            </a:r>
+            <a:r>
+              <a:rPr lang="en-US" altLang="zh-CN" sz="3200" dirty="0"/>
+              <a:t>() =&gt;20</a:t>
+            </a:r>
+          </a:p>
+          <a:p>
+            <a:pPr algn="l"/>
+            <a:r>
+              <a:rPr lang="en-US" altLang="zh-CN" sz="3200" dirty="0" err="1"/>
+              <a:t>Fn.prototype.sum</a:t>
+            </a:r>
+            <a:r>
+              <a:rPr lang="en-US" altLang="zh-CN" sz="3200" dirty="0"/>
+              <a:t>()=&gt;</a:t>
+            </a:r>
+            <a:r>
+              <a:rPr lang="en-US" altLang="zh-CN" sz="3200" dirty="0">
+                <a:solidFill>
+                  <a:srgbClr val="00B050"/>
+                </a:solidFill>
+              </a:rPr>
+              <a:t>xxff11</a:t>
+            </a:r>
+            <a:r>
+              <a:rPr lang="en-US" altLang="zh-CN" sz="3200" dirty="0"/>
+              <a:t>()=&gt; </a:t>
+            </a:r>
+            <a:r>
+              <a:rPr lang="en-US" altLang="zh-CN" sz="3200" dirty="0" err="1"/>
+              <a:t>NaN</a:t>
             </a:r>
             <a:endParaRPr lang="en-US" altLang="zh-CN" sz="3200" dirty="0"/>
           </a:p>
           <a:p>
             <a:pPr algn="l"/>
             <a:r>
-              <a:rPr lang="en-US" altLang="zh-CN" sz="3200" dirty="0"/>
-              <a:t>var obj</a:t>
-            </a:r>
-          </a:p>
-          <a:p>
-            <a:pPr algn="l"/>
-            <a:r>
-              <a:rPr lang="en-US" altLang="zh-CN" sz="3200" dirty="0"/>
-              <a:t>var num  var </a:t>
-            </a:r>
-            <a:r>
               <a:rPr lang="en-US" altLang="zh-CN" sz="3200" dirty="0" err="1"/>
-              <a:t>fn</a:t>
+              <a:t>f.constructor</a:t>
+            </a:r>
+            <a:r>
+              <a:rPr lang="en-US" altLang="zh-CN" sz="3200" dirty="0"/>
+              <a:t>=&gt;Object=&gt;f()</a:t>
             </a:r>
             <a:endParaRPr lang="zh-CN" altLang="en-US" sz="3200" dirty="0"/>
           </a:p>
         </p:txBody>
       </p:sp>
-      <p:pic>
-        <p:nvPicPr>
-          <p:cNvPr id="3" name="图片 2">
-            <a:extLst>
-              <a:ext uri="{FF2B5EF4-FFF2-40B4-BE49-F238E27FC236}">
-                <a16:creationId xmlns:a16="http://schemas.microsoft.com/office/drawing/2014/main" id="{6247BDA2-3100-4D2A-B96C-EA4317D81B55}"/>
-              </a:ext>
-            </a:extLst>
-          </p:cNvPr>
-          <p:cNvPicPr>
-            <a:picLocks noChangeAspect="1"/>
-          </p:cNvPicPr>
-          <p:nvPr/>
-        </p:nvPicPr>
-        <p:blipFill>
-          <a:blip r:embed="rId2"/>
-          <a:stretch>
-            <a:fillRect/>
-          </a:stretch>
-        </p:blipFill>
-        <p:spPr>
-          <a:xfrm>
-            <a:off x="598869" y="391704"/>
-            <a:ext cx="10322165" cy="6969216"/>
-          </a:xfrm>
-          <a:prstGeom prst="rect">
-            <a:avLst/>
-          </a:prstGeom>
-        </p:spPr>
-      </p:pic>
+      <p:sp>
+        <p:nvSpPr>
+          <p:cNvPr id="52" name="矩形 51">
+            <a:extLst>
+              <a:ext uri="{FF2B5EF4-FFF2-40B4-BE49-F238E27FC236}">
+                <a16:creationId xmlns:a16="http://schemas.microsoft.com/office/drawing/2014/main" id="{82B9CAA0-1A4F-447A-9F6D-386683C24168}"/>
+              </a:ext>
+            </a:extLst>
+          </p:cNvPr>
+          <p:cNvSpPr/>
+          <p:nvPr/>
+        </p:nvSpPr>
+        <p:spPr>
+          <a:xfrm>
+            <a:off x="11811001" y="6743619"/>
+            <a:ext cx="2834640" cy="1348822"/>
+          </a:xfrm>
+          <a:prstGeom prst="rect">
+            <a:avLst/>
+          </a:prstGeom>
+          <a:noFill/>
+        </p:spPr>
+        <p:style>
+          <a:lnRef idx="2">
+            <a:schemeClr val="accent1">
+              <a:shade val="50000"/>
+            </a:schemeClr>
+          </a:lnRef>
+          <a:fillRef idx="1">
+            <a:schemeClr val="accent1"/>
+          </a:fillRef>
+          <a:effectRef idx="0">
+            <a:schemeClr val="accent1"/>
+          </a:effectRef>
+          <a:fontRef idx="minor">
+            <a:schemeClr val="lt1"/>
+          </a:fontRef>
+        </p:style>
+        <p:txBody>
+          <a:bodyPr rot="0" spcFirstLastPara="0" vertOverflow="overflow" horzOverflow="overflow" vert="horz" wrap="square" lIns="91440" tIns="45720" rIns="91440" bIns="45720" numCol="1" spcCol="0" rtlCol="0" fromWordArt="0" anchor="ctr" anchorCtr="0" forceAA="0" compatLnSpc="1">
+            <a:prstTxWarp prst="textNoShape">
+              <a:avLst/>
+            </a:prstTxWarp>
+            <a:noAutofit/>
+          </a:bodyPr>
+          <a:lstStyle/>
+          <a:p>
+            <a:pPr algn="ctr"/>
+            <a:endParaRPr lang="zh-CN" altLang="en-US" sz="4400" dirty="0">
+              <a:solidFill>
+                <a:schemeClr val="tx1">
+                  <a:lumMod val="95000"/>
+                  <a:lumOff val="5000"/>
+                </a:schemeClr>
+              </a:solidFill>
+            </a:endParaRPr>
+          </a:p>
+        </p:txBody>
+      </p:sp>
+      <p:sp>
+        <p:nvSpPr>
+          <p:cNvPr id="53" name="文本框 52">
+            <a:extLst>
+              <a:ext uri="{FF2B5EF4-FFF2-40B4-BE49-F238E27FC236}">
+                <a16:creationId xmlns:a16="http://schemas.microsoft.com/office/drawing/2014/main" id="{B6C559DD-9359-4530-81EF-AB3777B1B2D2}"/>
+              </a:ext>
+            </a:extLst>
+          </p:cNvPr>
+          <p:cNvSpPr txBox="1"/>
+          <p:nvPr/>
+        </p:nvSpPr>
+        <p:spPr>
+          <a:xfrm>
+            <a:off x="11750040" y="6044910"/>
+            <a:ext cx="2773680" cy="584775"/>
+          </a:xfrm>
+          <a:prstGeom prst="rect">
+            <a:avLst/>
+          </a:prstGeom>
+          <a:noFill/>
+        </p:spPr>
+        <p:txBody>
+          <a:bodyPr wrap="square" rtlCol="0">
+            <a:spAutoFit/>
+          </a:bodyPr>
+          <a:lstStyle/>
+          <a:p>
+            <a:pPr algn="l"/>
+            <a:r>
+              <a:rPr lang="en-US" altLang="zh-CN" sz="3200" dirty="0">
+                <a:solidFill>
+                  <a:srgbClr val="FF0000"/>
+                </a:solidFill>
+              </a:rPr>
+              <a:t>xxff11()</a:t>
+            </a:r>
+            <a:endParaRPr lang="zh-CN" altLang="en-US" sz="3200" dirty="0"/>
+          </a:p>
+        </p:txBody>
+      </p:sp>
+      <p:sp>
+        <p:nvSpPr>
+          <p:cNvPr id="54" name="文本框 53">
+            <a:extLst>
+              <a:ext uri="{FF2B5EF4-FFF2-40B4-BE49-F238E27FC236}">
+                <a16:creationId xmlns:a16="http://schemas.microsoft.com/office/drawing/2014/main" id="{4EBF88BD-B0C1-4143-9007-B0911F9C0C77}"/>
+              </a:ext>
+            </a:extLst>
+          </p:cNvPr>
+          <p:cNvSpPr txBox="1"/>
+          <p:nvPr/>
+        </p:nvSpPr>
+        <p:spPr>
+          <a:xfrm>
+            <a:off x="11901068" y="6896205"/>
+            <a:ext cx="3291840" cy="1077218"/>
+          </a:xfrm>
+          <a:prstGeom prst="rect">
+            <a:avLst/>
+          </a:prstGeom>
+          <a:noFill/>
+        </p:spPr>
+        <p:txBody>
+          <a:bodyPr wrap="square" rtlCol="0">
+            <a:spAutoFit/>
+          </a:bodyPr>
+          <a:lstStyle/>
+          <a:p>
+            <a:pPr algn="l"/>
+            <a:r>
+              <a:rPr lang="en-US" altLang="zh-CN" sz="3200" dirty="0" err="1"/>
+              <a:t>this.x+this.y</a:t>
+            </a:r>
+            <a:endParaRPr lang="en-US" altLang="zh-CN" sz="3200" dirty="0"/>
+          </a:p>
+          <a:p>
+            <a:pPr algn="l"/>
+            <a:r>
+              <a:rPr lang="en-US" altLang="zh-CN" sz="3200" dirty="0" err="1"/>
+              <a:t>f.x+f.y</a:t>
+            </a:r>
+            <a:r>
+              <a:rPr lang="en-US" altLang="zh-CN" sz="3200" dirty="0"/>
+              <a:t>=10+10=20</a:t>
+            </a:r>
+            <a:endParaRPr lang="zh-CN" altLang="en-US" sz="3200" dirty="0"/>
+          </a:p>
+        </p:txBody>
+      </p:sp>
+      <p:sp>
+        <p:nvSpPr>
+          <p:cNvPr id="55" name="矩形 54">
+            <a:extLst>
+              <a:ext uri="{FF2B5EF4-FFF2-40B4-BE49-F238E27FC236}">
+                <a16:creationId xmlns:a16="http://schemas.microsoft.com/office/drawing/2014/main" id="{7CFE6300-5173-43FC-AE27-8DE09BB2702E}"/>
+              </a:ext>
+            </a:extLst>
+          </p:cNvPr>
+          <p:cNvSpPr/>
+          <p:nvPr/>
+        </p:nvSpPr>
+        <p:spPr>
+          <a:xfrm>
+            <a:off x="11818988" y="9138152"/>
+            <a:ext cx="8602612" cy="1348822"/>
+          </a:xfrm>
+          <a:prstGeom prst="rect">
+            <a:avLst/>
+          </a:prstGeom>
+          <a:noFill/>
+        </p:spPr>
+        <p:style>
+          <a:lnRef idx="2">
+            <a:schemeClr val="accent1">
+              <a:shade val="50000"/>
+            </a:schemeClr>
+          </a:lnRef>
+          <a:fillRef idx="1">
+            <a:schemeClr val="accent1"/>
+          </a:fillRef>
+          <a:effectRef idx="0">
+            <a:schemeClr val="accent1"/>
+          </a:effectRef>
+          <a:fontRef idx="minor">
+            <a:schemeClr val="lt1"/>
+          </a:fontRef>
+        </p:style>
+        <p:txBody>
+          <a:bodyPr rot="0" spcFirstLastPara="0" vertOverflow="overflow" horzOverflow="overflow" vert="horz" wrap="square" lIns="91440" tIns="45720" rIns="91440" bIns="45720" numCol="1" spcCol="0" rtlCol="0" fromWordArt="0" anchor="ctr" anchorCtr="0" forceAA="0" compatLnSpc="1">
+            <a:prstTxWarp prst="textNoShape">
+              <a:avLst/>
+            </a:prstTxWarp>
+            <a:noAutofit/>
+          </a:bodyPr>
+          <a:lstStyle/>
+          <a:p>
+            <a:pPr algn="ctr"/>
+            <a:endParaRPr lang="zh-CN" altLang="en-US" sz="4400" dirty="0">
+              <a:solidFill>
+                <a:schemeClr val="tx1">
+                  <a:lumMod val="95000"/>
+                  <a:lumOff val="5000"/>
+                </a:schemeClr>
+              </a:solidFill>
+            </a:endParaRPr>
+          </a:p>
+        </p:txBody>
+      </p:sp>
+      <p:sp>
+        <p:nvSpPr>
+          <p:cNvPr id="56" name="文本框 55">
+            <a:extLst>
+              <a:ext uri="{FF2B5EF4-FFF2-40B4-BE49-F238E27FC236}">
+                <a16:creationId xmlns:a16="http://schemas.microsoft.com/office/drawing/2014/main" id="{72C46E1E-FA56-41BA-AAF1-9C5A7CCE44DE}"/>
+              </a:ext>
+            </a:extLst>
+          </p:cNvPr>
+          <p:cNvSpPr txBox="1"/>
+          <p:nvPr/>
+        </p:nvSpPr>
+        <p:spPr>
+          <a:xfrm>
+            <a:off x="11758027" y="8439443"/>
+            <a:ext cx="2773680" cy="584775"/>
+          </a:xfrm>
+          <a:prstGeom prst="rect">
+            <a:avLst/>
+          </a:prstGeom>
+          <a:noFill/>
+        </p:spPr>
+        <p:txBody>
+          <a:bodyPr wrap="square" rtlCol="0">
+            <a:spAutoFit/>
+          </a:bodyPr>
+          <a:lstStyle/>
+          <a:p>
+            <a:pPr algn="l"/>
+            <a:r>
+              <a:rPr lang="en-US" altLang="zh-CN" sz="3200" dirty="0">
+                <a:solidFill>
+                  <a:srgbClr val="00B050"/>
+                </a:solidFill>
+              </a:rPr>
+              <a:t>xxff11()</a:t>
+            </a:r>
+            <a:endParaRPr lang="zh-CN" altLang="en-US" sz="3200" dirty="0">
+              <a:solidFill>
+                <a:srgbClr val="00B050"/>
+              </a:solidFill>
+            </a:endParaRPr>
+          </a:p>
+        </p:txBody>
+      </p:sp>
+      <p:sp>
+        <p:nvSpPr>
+          <p:cNvPr id="57" name="文本框 56">
+            <a:extLst>
+              <a:ext uri="{FF2B5EF4-FFF2-40B4-BE49-F238E27FC236}">
+                <a16:creationId xmlns:a16="http://schemas.microsoft.com/office/drawing/2014/main" id="{424CCDE6-4B49-46AE-809A-A20041CCE03B}"/>
+              </a:ext>
+            </a:extLst>
+          </p:cNvPr>
+          <p:cNvSpPr txBox="1"/>
+          <p:nvPr/>
+        </p:nvSpPr>
+        <p:spPr>
+          <a:xfrm>
+            <a:off x="11811001" y="9285099"/>
+            <a:ext cx="9518386" cy="1569660"/>
+          </a:xfrm>
+          <a:prstGeom prst="rect">
+            <a:avLst/>
+          </a:prstGeom>
+          <a:noFill/>
+        </p:spPr>
+        <p:txBody>
+          <a:bodyPr wrap="square" rtlCol="0">
+            <a:spAutoFit/>
+          </a:bodyPr>
+          <a:lstStyle/>
+          <a:p>
+            <a:pPr algn="l"/>
+            <a:r>
+              <a:rPr lang="en-US" altLang="zh-CN" sz="3200" dirty="0" err="1"/>
+              <a:t>this.x+this.y</a:t>
+            </a:r>
+            <a:endParaRPr lang="en-US" altLang="zh-CN" sz="3200" dirty="0"/>
+          </a:p>
+          <a:p>
+            <a:pPr algn="l"/>
+            <a:r>
+              <a:rPr lang="en-US" altLang="zh-CN" sz="3200" dirty="0" err="1"/>
+              <a:t>Fn.prototype.x+Fn.prototype.y</a:t>
+            </a:r>
+            <a:r>
+              <a:rPr lang="en-US" altLang="zh-CN" sz="3200" dirty="0"/>
+              <a:t>=20+undefined=</a:t>
+            </a:r>
+            <a:r>
+              <a:rPr lang="en-US" altLang="zh-CN" sz="3200" dirty="0" err="1"/>
+              <a:t>NaN</a:t>
+            </a:r>
+            <a:endParaRPr lang="en-US" altLang="zh-CN" sz="3200" dirty="0"/>
+          </a:p>
+          <a:p>
+            <a:pPr algn="l"/>
+            <a:endParaRPr lang="zh-CN" altLang="en-US" sz="3200" dirty="0"/>
+          </a:p>
+        </p:txBody>
+      </p:sp>
+      <p:cxnSp>
+        <p:nvCxnSpPr>
+          <p:cNvPr id="59" name="直接连接符 58">
+            <a:extLst>
+              <a:ext uri="{FF2B5EF4-FFF2-40B4-BE49-F238E27FC236}">
+                <a16:creationId xmlns:a16="http://schemas.microsoft.com/office/drawing/2014/main" id="{20A441B7-38F1-4594-B0D4-213C32D808CD}"/>
+              </a:ext>
+            </a:extLst>
+          </p:cNvPr>
+          <p:cNvCxnSpPr/>
+          <p:nvPr/>
+        </p:nvCxnSpPr>
+        <p:spPr>
+          <a:xfrm>
+            <a:off x="15834360" y="2026920"/>
+            <a:ext cx="3291840" cy="0"/>
+          </a:xfrm>
+          <a:prstGeom prst="line">
+            <a:avLst/>
+          </a:prstGeom>
+          <a:ln w="57150">
+            <a:solidFill>
+              <a:schemeClr val="accent2"/>
+            </a:solidFill>
+            <a:tailEnd type="triangle"/>
+          </a:ln>
+        </p:spPr>
+        <p:style>
+          <a:lnRef idx="1">
+            <a:schemeClr val="accent1"/>
+          </a:lnRef>
+          <a:fillRef idx="0">
+            <a:schemeClr val="accent1"/>
+          </a:fillRef>
+          <a:effectRef idx="0">
+            <a:schemeClr val="accent1"/>
+          </a:effectRef>
+          <a:fontRef idx="minor">
+            <a:schemeClr val="tx1"/>
+          </a:fontRef>
+        </p:style>
+      </p:cxnSp>
+      <p:sp>
+        <p:nvSpPr>
+          <p:cNvPr id="60" name="文本框 59">
+            <a:extLst>
+              <a:ext uri="{FF2B5EF4-FFF2-40B4-BE49-F238E27FC236}">
+                <a16:creationId xmlns:a16="http://schemas.microsoft.com/office/drawing/2014/main" id="{B0607D7F-44B7-474C-B506-434B767DB561}"/>
+              </a:ext>
+            </a:extLst>
+          </p:cNvPr>
+          <p:cNvSpPr txBox="1"/>
+          <p:nvPr/>
+        </p:nvSpPr>
+        <p:spPr>
+          <a:xfrm>
+            <a:off x="15956280" y="1396820"/>
+            <a:ext cx="3169920" cy="584775"/>
+          </a:xfrm>
+          <a:prstGeom prst="rect">
+            <a:avLst/>
+          </a:prstGeom>
+          <a:noFill/>
+        </p:spPr>
+        <p:txBody>
+          <a:bodyPr wrap="square" rtlCol="0">
+            <a:spAutoFit/>
+          </a:bodyPr>
+          <a:lstStyle/>
+          <a:p>
+            <a:pPr algn="l"/>
+            <a:r>
+              <a:rPr lang="en-US" altLang="zh-CN" sz="3200" dirty="0">
+                <a:solidFill>
+                  <a:schemeClr val="accent4"/>
+                </a:solidFill>
+              </a:rPr>
+              <a:t>constructor:</a:t>
+            </a:r>
+            <a:r>
+              <a:rPr lang="zh-CN" altLang="en-US" sz="3200" dirty="0">
+                <a:solidFill>
+                  <a:schemeClr val="accent4"/>
+                </a:solidFill>
+              </a:rPr>
+              <a:t>消失</a:t>
+            </a:r>
+          </a:p>
+        </p:txBody>
+      </p:sp>
+      <p:sp>
+        <p:nvSpPr>
+          <p:cNvPr id="61" name="文本框 60">
+            <a:extLst>
+              <a:ext uri="{FF2B5EF4-FFF2-40B4-BE49-F238E27FC236}">
+                <a16:creationId xmlns:a16="http://schemas.microsoft.com/office/drawing/2014/main" id="{2F404E82-BF58-42D1-844F-9D98F3C2E16E}"/>
+              </a:ext>
+            </a:extLst>
+          </p:cNvPr>
+          <p:cNvSpPr txBox="1"/>
+          <p:nvPr/>
+        </p:nvSpPr>
+        <p:spPr>
+          <a:xfrm>
+            <a:off x="16459200" y="3073079"/>
+            <a:ext cx="1752600" cy="461665"/>
+          </a:xfrm>
+          <a:prstGeom prst="rect">
+            <a:avLst/>
+          </a:prstGeom>
+          <a:noFill/>
+        </p:spPr>
+        <p:txBody>
+          <a:bodyPr wrap="square" rtlCol="0">
+            <a:spAutoFit/>
+          </a:bodyPr>
+          <a:lstStyle/>
+          <a:p>
+            <a:pPr algn="l"/>
+            <a:r>
+              <a:rPr lang="en-US" altLang="zh-CN" sz="2400" dirty="0"/>
+              <a:t>_ _proto_ _</a:t>
+            </a:r>
+            <a:endParaRPr lang="zh-CN" altLang="en-US" sz="2400" dirty="0"/>
+          </a:p>
+        </p:txBody>
+      </p:sp>
+      <p:sp>
+        <p:nvSpPr>
+          <p:cNvPr id="63" name="矩形 62">
+            <a:extLst>
+              <a:ext uri="{FF2B5EF4-FFF2-40B4-BE49-F238E27FC236}">
+                <a16:creationId xmlns:a16="http://schemas.microsoft.com/office/drawing/2014/main" id="{99BC1B3F-9757-4B9D-A264-5F72676C4C44}"/>
+              </a:ext>
+            </a:extLst>
+          </p:cNvPr>
+          <p:cNvSpPr/>
+          <p:nvPr/>
+        </p:nvSpPr>
+        <p:spPr>
+          <a:xfrm>
+            <a:off x="20421600" y="1295398"/>
+            <a:ext cx="3291840" cy="4749505"/>
+          </a:xfrm>
+          <a:prstGeom prst="rect">
+            <a:avLst/>
+          </a:prstGeom>
+          <a:noFill/>
+        </p:spPr>
+        <p:style>
+          <a:lnRef idx="2">
+            <a:schemeClr val="accent1">
+              <a:shade val="50000"/>
+            </a:schemeClr>
+          </a:lnRef>
+          <a:fillRef idx="1">
+            <a:schemeClr val="accent1"/>
+          </a:fillRef>
+          <a:effectRef idx="0">
+            <a:schemeClr val="accent1"/>
+          </a:effectRef>
+          <a:fontRef idx="minor">
+            <a:schemeClr val="lt1"/>
+          </a:fontRef>
+        </p:style>
+        <p:txBody>
+          <a:bodyPr rot="0" spcFirstLastPara="0" vertOverflow="overflow" horzOverflow="overflow" vert="horz" wrap="square" lIns="91440" tIns="45720" rIns="91440" bIns="45720" numCol="1" spcCol="0" rtlCol="0" fromWordArt="0" anchor="ctr" anchorCtr="0" forceAA="0" compatLnSpc="1">
+            <a:prstTxWarp prst="textNoShape">
+              <a:avLst/>
+            </a:prstTxWarp>
+            <a:noAutofit/>
+          </a:bodyPr>
+          <a:lstStyle/>
+          <a:p>
+            <a:pPr algn="ctr"/>
+            <a:r>
+              <a:rPr lang="en-US" altLang="zh-CN" sz="4400" dirty="0" err="1">
+                <a:solidFill>
+                  <a:schemeClr val="tx1">
+                    <a:lumMod val="95000"/>
+                    <a:lumOff val="5000"/>
+                  </a:schemeClr>
+                </a:solidFill>
+              </a:rPr>
+              <a:t>Object.prototype</a:t>
+            </a:r>
+            <a:endParaRPr lang="zh-CN" altLang="en-US" sz="4400" dirty="0">
+              <a:solidFill>
+                <a:schemeClr val="tx1">
+                  <a:lumMod val="95000"/>
+                  <a:lumOff val="5000"/>
+                </a:schemeClr>
+              </a:solidFill>
+            </a:endParaRPr>
+          </a:p>
+        </p:txBody>
+      </p:sp>
+      <p:sp>
+        <p:nvSpPr>
+          <p:cNvPr id="64" name="文本框 63">
+            <a:extLst>
+              <a:ext uri="{FF2B5EF4-FFF2-40B4-BE49-F238E27FC236}">
+                <a16:creationId xmlns:a16="http://schemas.microsoft.com/office/drawing/2014/main" id="{C2096CD1-F44D-40E4-8ECE-ACD80E143EB9}"/>
+              </a:ext>
+            </a:extLst>
+          </p:cNvPr>
+          <p:cNvSpPr txBox="1"/>
+          <p:nvPr/>
+        </p:nvSpPr>
+        <p:spPr>
+          <a:xfrm>
+            <a:off x="20421600" y="1442145"/>
+            <a:ext cx="3291840" cy="584775"/>
+          </a:xfrm>
+          <a:prstGeom prst="rect">
+            <a:avLst/>
+          </a:prstGeom>
+          <a:noFill/>
+        </p:spPr>
+        <p:txBody>
+          <a:bodyPr wrap="square" rtlCol="0">
+            <a:spAutoFit/>
+          </a:bodyPr>
+          <a:lstStyle/>
+          <a:p>
+            <a:pPr algn="l"/>
+            <a:r>
+              <a:rPr lang="en-US" altLang="zh-CN" sz="3200" dirty="0" err="1">
+                <a:solidFill>
+                  <a:srgbClr val="92D050"/>
+                </a:solidFill>
+              </a:rPr>
+              <a:t>constructor:Object</a:t>
+            </a:r>
+            <a:endParaRPr lang="zh-CN" altLang="en-US" sz="3200" dirty="0">
+              <a:solidFill>
+                <a:srgbClr val="92D050"/>
+              </a:solidFill>
+            </a:endParaRPr>
+          </a:p>
+        </p:txBody>
+      </p:sp>
+      <p:cxnSp>
+        <p:nvCxnSpPr>
+          <p:cNvPr id="66" name="直接箭头连接符 65">
+            <a:extLst>
+              <a:ext uri="{FF2B5EF4-FFF2-40B4-BE49-F238E27FC236}">
+                <a16:creationId xmlns:a16="http://schemas.microsoft.com/office/drawing/2014/main" id="{99EE519A-8661-4558-9EEB-A2E56EDE4180}"/>
+              </a:ext>
+            </a:extLst>
+          </p:cNvPr>
+          <p:cNvCxnSpPr>
+            <a:endCxn id="64" idx="1"/>
+          </p:cNvCxnSpPr>
+          <p:nvPr/>
+        </p:nvCxnSpPr>
+        <p:spPr>
+          <a:xfrm flipV="1">
+            <a:off x="19126200" y="1734533"/>
+            <a:ext cx="1295400" cy="1618267"/>
+          </a:xfrm>
+          <a:prstGeom prst="straightConnector1">
+            <a:avLst/>
+          </a:prstGeom>
+          <a:ln w="57150">
+            <a:solidFill>
+              <a:schemeClr val="accent2"/>
+            </a:solidFill>
+            <a:prstDash val="sysDot"/>
+            <a:tailEnd type="triangle"/>
+          </a:ln>
+        </p:spPr>
+        <p:style>
+          <a:lnRef idx="1">
+            <a:schemeClr val="accent1"/>
+          </a:lnRef>
+          <a:fillRef idx="0">
+            <a:schemeClr val="accent1"/>
+          </a:fillRef>
+          <a:effectRef idx="0">
+            <a:schemeClr val="accent1"/>
+          </a:effectRef>
+          <a:fontRef idx="minor">
+            <a:schemeClr val="tx1"/>
+          </a:fontRef>
+        </p:style>
+      </p:cxnSp>
     </p:spTree>
     <p:extLst>
       <p:ext uri="{BB962C8B-B14F-4D97-AF65-F5344CB8AC3E}">
@@ -8409,7 +12037,7 @@
         </p:nvSpPr>
         <p:spPr>
           <a:xfrm>
-            <a:off x="1447800" y="716280"/>
+            <a:off x="1417320" y="919321"/>
             <a:ext cx="3383280" cy="4480560"/>
           </a:xfrm>
           <a:prstGeom prst="rect">
@@ -8439,10 +12067,1551 @@
           <a:p>
             <a:pPr algn="ctr"/>
             <a:r>
-              <a:rPr lang="en-US" altLang="zh-CN"/>
+              <a:rPr lang="en-US" altLang="zh-CN" sz="4800" dirty="0" err="1">
+                <a:solidFill>
+                  <a:srgbClr val="FF0000"/>
+                </a:solidFill>
+              </a:rPr>
               <a:t>Fn</a:t>
             </a:r>
-            <a:endParaRPr lang="zh-CN" altLang="en-US"/>
+            <a:r>
+              <a:rPr lang="zh-CN" altLang="en-US" sz="4800" dirty="0">
+                <a:solidFill>
+                  <a:srgbClr val="FF0000"/>
+                </a:solidFill>
+              </a:rPr>
+              <a:t>类</a:t>
+            </a:r>
+          </a:p>
+        </p:txBody>
+      </p:sp>
+      <p:sp>
+        <p:nvSpPr>
+          <p:cNvPr id="3" name="矩形 2">
+            <a:extLst>
+              <a:ext uri="{FF2B5EF4-FFF2-40B4-BE49-F238E27FC236}">
+                <a16:creationId xmlns:a16="http://schemas.microsoft.com/office/drawing/2014/main" id="{6B106481-54EE-4CA0-9623-5EB966687D29}"/>
+              </a:ext>
+            </a:extLst>
+          </p:cNvPr>
+          <p:cNvSpPr/>
+          <p:nvPr/>
+        </p:nvSpPr>
+        <p:spPr>
+          <a:xfrm>
+            <a:off x="3368040" y="7419017"/>
+            <a:ext cx="3124200" cy="2807023"/>
+          </a:xfrm>
+          <a:prstGeom prst="rect">
+            <a:avLst/>
+          </a:prstGeom>
+          <a:noFill/>
+        </p:spPr>
+        <p:style>
+          <a:lnRef idx="2">
+            <a:schemeClr val="accent1">
+              <a:shade val="50000"/>
+            </a:schemeClr>
+          </a:lnRef>
+          <a:fillRef idx="1">
+            <a:schemeClr val="accent1"/>
+          </a:fillRef>
+          <a:effectRef idx="0">
+            <a:schemeClr val="accent1"/>
+          </a:effectRef>
+          <a:fontRef idx="minor">
+            <a:schemeClr val="lt1"/>
+          </a:fontRef>
+        </p:style>
+        <p:txBody>
+          <a:bodyPr rtlCol="0" anchor="ctr"/>
+          <a:lstStyle/>
+          <a:p>
+            <a:pPr algn="ctr"/>
+            <a:endParaRPr lang="zh-CN" altLang="en-US" dirty="0">
+              <a:solidFill>
+                <a:schemeClr val="tx1">
+                  <a:lumMod val="95000"/>
+                  <a:lumOff val="5000"/>
+                </a:schemeClr>
+              </a:solidFill>
+            </a:endParaRPr>
+          </a:p>
+        </p:txBody>
+      </p:sp>
+      <p:sp>
+        <p:nvSpPr>
+          <p:cNvPr id="4" name="文本框 3">
+            <a:extLst>
+              <a:ext uri="{FF2B5EF4-FFF2-40B4-BE49-F238E27FC236}">
+                <a16:creationId xmlns:a16="http://schemas.microsoft.com/office/drawing/2014/main" id="{4BE64A94-8FD6-439D-8749-8B9EEB441079}"/>
+              </a:ext>
+            </a:extLst>
+          </p:cNvPr>
+          <p:cNvSpPr txBox="1"/>
+          <p:nvPr/>
+        </p:nvSpPr>
+        <p:spPr>
+          <a:xfrm>
+            <a:off x="3596640" y="7649849"/>
+            <a:ext cx="2346960" cy="1569660"/>
+          </a:xfrm>
+          <a:prstGeom prst="rect">
+            <a:avLst/>
+          </a:prstGeom>
+          <a:noFill/>
+        </p:spPr>
+        <p:txBody>
+          <a:bodyPr wrap="square" rtlCol="0">
+            <a:spAutoFit/>
+          </a:bodyPr>
+          <a:lstStyle/>
+          <a:p>
+            <a:pPr algn="l"/>
+            <a:r>
+              <a:rPr lang="zh-CN" altLang="en-US" sz="3200" dirty="0"/>
+              <a:t>私有属性：</a:t>
+            </a:r>
+            <a:endParaRPr lang="en-US" altLang="zh-CN" sz="3200" dirty="0"/>
+          </a:p>
+          <a:p>
+            <a:pPr algn="l"/>
+            <a:r>
+              <a:rPr lang="en-US" altLang="zh-CN" sz="3200" dirty="0" err="1"/>
+              <a:t>name:’china</a:t>
+            </a:r>
+            <a:r>
+              <a:rPr lang="en-US" altLang="zh-CN" sz="3200" dirty="0"/>
+              <a:t>’,</a:t>
+            </a:r>
+          </a:p>
+          <a:p>
+            <a:pPr algn="l"/>
+            <a:r>
+              <a:rPr lang="en-US" altLang="zh-CN" sz="3200" dirty="0" err="1"/>
+              <a:t>say:’name</a:t>
+            </a:r>
+            <a:r>
+              <a:rPr lang="en-US" altLang="zh-CN" sz="3200" dirty="0"/>
+              <a:t>’</a:t>
+            </a:r>
+            <a:endParaRPr lang="zh-CN" altLang="en-US" sz="3200" dirty="0"/>
+          </a:p>
+        </p:txBody>
+      </p:sp>
+      <p:sp>
+        <p:nvSpPr>
+          <p:cNvPr id="5" name="文本框 4">
+            <a:extLst>
+              <a:ext uri="{FF2B5EF4-FFF2-40B4-BE49-F238E27FC236}">
+                <a16:creationId xmlns:a16="http://schemas.microsoft.com/office/drawing/2014/main" id="{C9E69258-CCFA-4B84-B158-715EF0EFBBC4}"/>
+              </a:ext>
+            </a:extLst>
+          </p:cNvPr>
+          <p:cNvSpPr txBox="1"/>
+          <p:nvPr/>
+        </p:nvSpPr>
+        <p:spPr>
+          <a:xfrm>
+            <a:off x="4069080" y="6649576"/>
+            <a:ext cx="2346960" cy="769441"/>
+          </a:xfrm>
+          <a:prstGeom prst="rect">
+            <a:avLst/>
+          </a:prstGeom>
+          <a:noFill/>
+        </p:spPr>
+        <p:txBody>
+          <a:bodyPr wrap="square" rtlCol="0">
+            <a:spAutoFit/>
+          </a:bodyPr>
+          <a:lstStyle/>
+          <a:p>
+            <a:pPr algn="l"/>
+            <a:r>
+              <a:rPr lang="en-US" altLang="zh-CN" sz="4400" dirty="0"/>
+              <a:t>f(</a:t>
+            </a:r>
+            <a:r>
+              <a:rPr lang="zh-CN" altLang="en-US" sz="4400" dirty="0"/>
+              <a:t>实例</a:t>
+            </a:r>
+            <a:r>
+              <a:rPr lang="en-US" altLang="zh-CN" sz="4400" dirty="0"/>
+              <a:t>)</a:t>
+            </a:r>
+            <a:endParaRPr lang="zh-CN" altLang="en-US" sz="4400" dirty="0"/>
+          </a:p>
+        </p:txBody>
+      </p:sp>
+      <p:sp>
+        <p:nvSpPr>
+          <p:cNvPr id="6" name="文本框 5">
+            <a:extLst>
+              <a:ext uri="{FF2B5EF4-FFF2-40B4-BE49-F238E27FC236}">
+                <a16:creationId xmlns:a16="http://schemas.microsoft.com/office/drawing/2014/main" id="{35B6DDD7-C75D-486B-8FB9-7787DBD1685F}"/>
+              </a:ext>
+            </a:extLst>
+          </p:cNvPr>
+          <p:cNvSpPr txBox="1"/>
+          <p:nvPr/>
+        </p:nvSpPr>
+        <p:spPr>
+          <a:xfrm>
+            <a:off x="1501140" y="4576578"/>
+            <a:ext cx="3215640" cy="646331"/>
+          </a:xfrm>
+          <a:prstGeom prst="rect">
+            <a:avLst/>
+          </a:prstGeom>
+          <a:noFill/>
+        </p:spPr>
+        <p:txBody>
+          <a:bodyPr wrap="square" rtlCol="0">
+            <a:spAutoFit/>
+          </a:bodyPr>
+          <a:lstStyle/>
+          <a:p>
+            <a:pPr algn="l"/>
+            <a:r>
+              <a:rPr lang="en-US" altLang="zh-CN" sz="3600" dirty="0"/>
+              <a:t>prototype(</a:t>
+            </a:r>
+            <a:r>
+              <a:rPr lang="zh-CN" altLang="en-US" sz="3600" dirty="0">
+                <a:solidFill>
+                  <a:srgbClr val="7030A0"/>
+                </a:solidFill>
+              </a:rPr>
+              <a:t>原型</a:t>
+            </a:r>
+            <a:r>
+              <a:rPr lang="en-US" altLang="zh-CN" sz="3600" dirty="0"/>
+              <a:t>)</a:t>
+            </a:r>
+            <a:endParaRPr lang="zh-CN" altLang="en-US" sz="3600" dirty="0"/>
+          </a:p>
+        </p:txBody>
+      </p:sp>
+      <p:sp>
+        <p:nvSpPr>
+          <p:cNvPr id="7" name="矩形 6">
+            <a:extLst>
+              <a:ext uri="{FF2B5EF4-FFF2-40B4-BE49-F238E27FC236}">
+                <a16:creationId xmlns:a16="http://schemas.microsoft.com/office/drawing/2014/main" id="{1EAEA92F-1D0C-487E-B740-7AC3DDBEC722}"/>
+              </a:ext>
+            </a:extLst>
+          </p:cNvPr>
+          <p:cNvSpPr/>
+          <p:nvPr/>
+        </p:nvSpPr>
+        <p:spPr>
+          <a:xfrm>
+            <a:off x="6141720" y="919321"/>
+            <a:ext cx="3154680" cy="4480560"/>
+          </a:xfrm>
+          <a:prstGeom prst="rect">
+            <a:avLst/>
+          </a:prstGeom>
+          <a:noFill/>
+        </p:spPr>
+        <p:style>
+          <a:lnRef idx="2">
+            <a:schemeClr val="accent1">
+              <a:shade val="50000"/>
+            </a:schemeClr>
+          </a:lnRef>
+          <a:fillRef idx="1">
+            <a:schemeClr val="accent1"/>
+          </a:fillRef>
+          <a:effectRef idx="0">
+            <a:schemeClr val="accent1"/>
+          </a:effectRef>
+          <a:fontRef idx="minor">
+            <a:schemeClr val="lt1"/>
+          </a:fontRef>
+        </p:style>
+        <p:txBody>
+          <a:bodyPr rot="0" spcFirstLastPara="0" vertOverflow="overflow" horzOverflow="overflow" vert="horz" wrap="square" lIns="91440" tIns="45720" rIns="91440" bIns="45720" numCol="1" spcCol="0" rtlCol="0" fromWordArt="0" anchor="ctr" anchorCtr="0" forceAA="0" compatLnSpc="1">
+            <a:prstTxWarp prst="textNoShape">
+              <a:avLst/>
+            </a:prstTxWarp>
+            <a:noAutofit/>
+          </a:bodyPr>
+          <a:lstStyle/>
+          <a:p>
+            <a:pPr algn="ctr"/>
+            <a:endParaRPr lang="zh-CN" altLang="en-US" sz="4400" dirty="0">
+              <a:solidFill>
+                <a:schemeClr val="tx1">
+                  <a:lumMod val="95000"/>
+                  <a:lumOff val="5000"/>
+                </a:schemeClr>
+              </a:solidFill>
+            </a:endParaRPr>
+          </a:p>
+        </p:txBody>
+      </p:sp>
+      <p:sp>
+        <p:nvSpPr>
+          <p:cNvPr id="8" name="文本框 7">
+            <a:extLst>
+              <a:ext uri="{FF2B5EF4-FFF2-40B4-BE49-F238E27FC236}">
+                <a16:creationId xmlns:a16="http://schemas.microsoft.com/office/drawing/2014/main" id="{47589F8B-16E6-41F9-ACCA-0A80BBD11EB8}"/>
+              </a:ext>
+            </a:extLst>
+          </p:cNvPr>
+          <p:cNvSpPr txBox="1"/>
+          <p:nvPr/>
+        </p:nvSpPr>
+        <p:spPr>
+          <a:xfrm>
+            <a:off x="6324600" y="2082383"/>
+            <a:ext cx="3154680" cy="1569660"/>
+          </a:xfrm>
+          <a:prstGeom prst="rect">
+            <a:avLst/>
+          </a:prstGeom>
+          <a:noFill/>
+        </p:spPr>
+        <p:txBody>
+          <a:bodyPr wrap="square" rtlCol="0">
+            <a:spAutoFit/>
+          </a:bodyPr>
+          <a:lstStyle/>
+          <a:p>
+            <a:pPr algn="l"/>
+            <a:r>
+              <a:rPr lang="zh-CN" altLang="en-US" sz="3200" dirty="0"/>
+              <a:t>公有属性</a:t>
+            </a:r>
+            <a:endParaRPr lang="en-US" altLang="zh-CN" sz="3200" dirty="0"/>
+          </a:p>
+          <a:p>
+            <a:pPr algn="l"/>
+            <a:r>
+              <a:rPr lang="en-US" altLang="zh-CN" sz="3200" dirty="0" err="1"/>
+              <a:t>getX:function</a:t>
+            </a:r>
+            <a:r>
+              <a:rPr lang="en-US" altLang="zh-CN" sz="3200" dirty="0"/>
+              <a:t>(){}</a:t>
+            </a:r>
+          </a:p>
+          <a:p>
+            <a:pPr algn="l"/>
+            <a:r>
+              <a:rPr lang="en-US" altLang="zh-CN" sz="3200" dirty="0"/>
+              <a:t>name:’</a:t>
+            </a:r>
+            <a:r>
+              <a:rPr lang="en-US" altLang="zh-CN" sz="3200" dirty="0" err="1"/>
+              <a:t>zfpx</a:t>
+            </a:r>
+            <a:r>
+              <a:rPr lang="en-US" altLang="zh-CN" sz="3200" dirty="0"/>
+              <a:t>’</a:t>
+            </a:r>
+            <a:endParaRPr lang="zh-CN" altLang="en-US" sz="3200" dirty="0"/>
+          </a:p>
+        </p:txBody>
+      </p:sp>
+      <p:cxnSp>
+        <p:nvCxnSpPr>
+          <p:cNvPr id="10" name="直接箭头连接符 9">
+            <a:extLst>
+              <a:ext uri="{FF2B5EF4-FFF2-40B4-BE49-F238E27FC236}">
+                <a16:creationId xmlns:a16="http://schemas.microsoft.com/office/drawing/2014/main" id="{2A21CF42-87F9-43C1-A96A-430F350F8408}"/>
+              </a:ext>
+            </a:extLst>
+          </p:cNvPr>
+          <p:cNvCxnSpPr/>
+          <p:nvPr/>
+        </p:nvCxnSpPr>
+        <p:spPr>
+          <a:xfrm flipV="1">
+            <a:off x="4541520" y="2636520"/>
+            <a:ext cx="1600200" cy="2302902"/>
+          </a:xfrm>
+          <a:prstGeom prst="straightConnector1">
+            <a:avLst/>
+          </a:prstGeom>
+          <a:ln w="57150">
+            <a:tailEnd type="triangle"/>
+          </a:ln>
+        </p:spPr>
+        <p:style>
+          <a:lnRef idx="1">
+            <a:schemeClr val="accent1"/>
+          </a:lnRef>
+          <a:fillRef idx="0">
+            <a:schemeClr val="accent1"/>
+          </a:fillRef>
+          <a:effectRef idx="0">
+            <a:schemeClr val="accent1"/>
+          </a:effectRef>
+          <a:fontRef idx="minor">
+            <a:schemeClr val="tx1"/>
+          </a:fontRef>
+        </p:style>
+      </p:cxnSp>
+      <p:sp>
+        <p:nvSpPr>
+          <p:cNvPr id="11" name="文本框 10">
+            <a:extLst>
+              <a:ext uri="{FF2B5EF4-FFF2-40B4-BE49-F238E27FC236}">
+                <a16:creationId xmlns:a16="http://schemas.microsoft.com/office/drawing/2014/main" id="{60F32520-4716-4C0A-9384-3DF7C934BFA9}"/>
+              </a:ext>
+            </a:extLst>
+          </p:cNvPr>
+          <p:cNvSpPr txBox="1"/>
+          <p:nvPr/>
+        </p:nvSpPr>
+        <p:spPr>
+          <a:xfrm>
+            <a:off x="6233160" y="997470"/>
+            <a:ext cx="2971800" cy="584775"/>
+          </a:xfrm>
+          <a:prstGeom prst="rect">
+            <a:avLst/>
+          </a:prstGeom>
+          <a:noFill/>
+        </p:spPr>
+        <p:txBody>
+          <a:bodyPr wrap="square" rtlCol="0">
+            <a:spAutoFit/>
+          </a:bodyPr>
+          <a:lstStyle/>
+          <a:p>
+            <a:pPr algn="l"/>
+            <a:r>
+              <a:rPr lang="en-US" altLang="zh-CN" sz="3200" dirty="0" err="1"/>
+              <a:t>constructor:</a:t>
+            </a:r>
+            <a:r>
+              <a:rPr lang="en-US" altLang="zh-CN" sz="3200" dirty="0" err="1">
+                <a:solidFill>
+                  <a:srgbClr val="FF0000"/>
+                </a:solidFill>
+              </a:rPr>
+              <a:t>Fn</a:t>
+            </a:r>
+            <a:endParaRPr lang="zh-CN" altLang="en-US" sz="3200" dirty="0">
+              <a:solidFill>
+                <a:srgbClr val="FF0000"/>
+              </a:solidFill>
+            </a:endParaRPr>
+          </a:p>
+        </p:txBody>
+      </p:sp>
+      <p:cxnSp>
+        <p:nvCxnSpPr>
+          <p:cNvPr id="13" name="连接符: 肘形 12">
+            <a:extLst>
+              <a:ext uri="{FF2B5EF4-FFF2-40B4-BE49-F238E27FC236}">
+                <a16:creationId xmlns:a16="http://schemas.microsoft.com/office/drawing/2014/main" id="{B3734E93-722F-4292-ACBF-843BC05781A1}"/>
+              </a:ext>
+            </a:extLst>
+          </p:cNvPr>
+          <p:cNvCxnSpPr>
+            <a:stCxn id="11" idx="3"/>
+            <a:endCxn id="2" idx="0"/>
+          </p:cNvCxnSpPr>
+          <p:nvPr/>
+        </p:nvCxnSpPr>
+        <p:spPr>
+          <a:xfrm flipH="1" flipV="1">
+            <a:off x="3108960" y="919321"/>
+            <a:ext cx="6096000" cy="370537"/>
+          </a:xfrm>
+          <a:prstGeom prst="bentConnector4">
+            <a:avLst>
+              <a:gd name="adj1" fmla="val -3750"/>
+              <a:gd name="adj2" fmla="val 272744"/>
+            </a:avLst>
+          </a:prstGeom>
+          <a:ln w="38100">
+            <a:tailEnd type="triangle"/>
+          </a:ln>
+        </p:spPr>
+        <p:style>
+          <a:lnRef idx="1">
+            <a:schemeClr val="accent1"/>
+          </a:lnRef>
+          <a:fillRef idx="0">
+            <a:schemeClr val="accent1"/>
+          </a:fillRef>
+          <a:effectRef idx="0">
+            <a:schemeClr val="accent1"/>
+          </a:effectRef>
+          <a:fontRef idx="minor">
+            <a:schemeClr val="tx1"/>
+          </a:fontRef>
+        </p:style>
+      </p:cxnSp>
+      <p:cxnSp>
+        <p:nvCxnSpPr>
+          <p:cNvPr id="16" name="直接连接符 15">
+            <a:extLst>
+              <a:ext uri="{FF2B5EF4-FFF2-40B4-BE49-F238E27FC236}">
+                <a16:creationId xmlns:a16="http://schemas.microsoft.com/office/drawing/2014/main" id="{E8AC9F45-6858-4116-A909-88399AA0979C}"/>
+              </a:ext>
+            </a:extLst>
+          </p:cNvPr>
+          <p:cNvCxnSpPr/>
+          <p:nvPr/>
+        </p:nvCxnSpPr>
+        <p:spPr>
+          <a:xfrm>
+            <a:off x="6156960" y="1798320"/>
+            <a:ext cx="3139440" cy="0"/>
+          </a:xfrm>
+          <a:prstGeom prst="line">
+            <a:avLst/>
+          </a:prstGeom>
+        </p:spPr>
+        <p:style>
+          <a:lnRef idx="1">
+            <a:schemeClr val="accent1"/>
+          </a:lnRef>
+          <a:fillRef idx="0">
+            <a:schemeClr val="accent1"/>
+          </a:fillRef>
+          <a:effectRef idx="0">
+            <a:schemeClr val="accent1"/>
+          </a:effectRef>
+          <a:fontRef idx="minor">
+            <a:schemeClr val="tx1"/>
+          </a:fontRef>
+        </p:style>
+      </p:cxnSp>
+      <p:sp>
+        <p:nvSpPr>
+          <p:cNvPr id="17" name="文本框 16">
+            <a:extLst>
+              <a:ext uri="{FF2B5EF4-FFF2-40B4-BE49-F238E27FC236}">
+                <a16:creationId xmlns:a16="http://schemas.microsoft.com/office/drawing/2014/main" id="{411B5BD2-B539-4F64-AAEC-B6D4D4DE50A3}"/>
+              </a:ext>
+            </a:extLst>
+          </p:cNvPr>
+          <p:cNvSpPr txBox="1"/>
+          <p:nvPr/>
+        </p:nvSpPr>
+        <p:spPr>
+          <a:xfrm>
+            <a:off x="1645920" y="1104589"/>
+            <a:ext cx="2895600" cy="584775"/>
+          </a:xfrm>
+          <a:prstGeom prst="rect">
+            <a:avLst/>
+          </a:prstGeom>
+          <a:noFill/>
+        </p:spPr>
+        <p:txBody>
+          <a:bodyPr wrap="square" rtlCol="0">
+            <a:spAutoFit/>
+          </a:bodyPr>
+          <a:lstStyle/>
+          <a:p>
+            <a:pPr algn="l"/>
+            <a:r>
+              <a:rPr lang="en-US" altLang="zh-CN" sz="3200" dirty="0" err="1"/>
+              <a:t>this.xxx</a:t>
+            </a:r>
+            <a:r>
+              <a:rPr lang="en-US" altLang="zh-CN" sz="3200" dirty="0"/>
+              <a:t> =xxx</a:t>
+            </a:r>
+            <a:endParaRPr lang="zh-CN" altLang="en-US" sz="3200" dirty="0"/>
+          </a:p>
+        </p:txBody>
+      </p:sp>
+      <p:sp>
+        <p:nvSpPr>
+          <p:cNvPr id="18" name="文本框 17">
+            <a:extLst>
+              <a:ext uri="{FF2B5EF4-FFF2-40B4-BE49-F238E27FC236}">
+                <a16:creationId xmlns:a16="http://schemas.microsoft.com/office/drawing/2014/main" id="{4851CE7E-5117-40EC-8CED-4CD5DAC7B1A6}"/>
+              </a:ext>
+            </a:extLst>
+          </p:cNvPr>
+          <p:cNvSpPr txBox="1"/>
+          <p:nvPr/>
+        </p:nvSpPr>
+        <p:spPr>
+          <a:xfrm>
+            <a:off x="3672840" y="9289209"/>
+            <a:ext cx="2560320" cy="707886"/>
+          </a:xfrm>
+          <a:prstGeom prst="rect">
+            <a:avLst/>
+          </a:prstGeom>
+          <a:noFill/>
+        </p:spPr>
+        <p:txBody>
+          <a:bodyPr wrap="square" rtlCol="0">
+            <a:spAutoFit/>
+          </a:bodyPr>
+          <a:lstStyle/>
+          <a:p>
+            <a:pPr algn="l"/>
+            <a:r>
+              <a:rPr lang="en-US" altLang="zh-CN" sz="4000" dirty="0">
+                <a:solidFill>
+                  <a:srgbClr val="00B050"/>
+                </a:solidFill>
+              </a:rPr>
+              <a:t>__proto__</a:t>
+            </a:r>
+            <a:endParaRPr lang="zh-CN" altLang="en-US" sz="4000" dirty="0">
+              <a:solidFill>
+                <a:srgbClr val="00B050"/>
+              </a:solidFill>
+            </a:endParaRPr>
+          </a:p>
+        </p:txBody>
+      </p:sp>
+      <p:cxnSp>
+        <p:nvCxnSpPr>
+          <p:cNvPr id="20" name="连接符: 肘形 19">
+            <a:extLst>
+              <a:ext uri="{FF2B5EF4-FFF2-40B4-BE49-F238E27FC236}">
+                <a16:creationId xmlns:a16="http://schemas.microsoft.com/office/drawing/2014/main" id="{1C3152D9-8D03-4A42-948A-FC365736588D}"/>
+              </a:ext>
+            </a:extLst>
+          </p:cNvPr>
+          <p:cNvCxnSpPr>
+            <a:stCxn id="18" idx="3"/>
+            <a:endCxn id="7" idx="2"/>
+          </p:cNvCxnSpPr>
+          <p:nvPr/>
+        </p:nvCxnSpPr>
+        <p:spPr>
+          <a:xfrm flipV="1">
+            <a:off x="6233160" y="5399881"/>
+            <a:ext cx="1485900" cy="4243271"/>
+          </a:xfrm>
+          <a:prstGeom prst="bentConnector2">
+            <a:avLst/>
+          </a:prstGeom>
+          <a:ln w="38100">
+            <a:solidFill>
+              <a:srgbClr val="00B050"/>
+            </a:solidFill>
+            <a:tailEnd type="triangle"/>
+          </a:ln>
+        </p:spPr>
+        <p:style>
+          <a:lnRef idx="1">
+            <a:schemeClr val="accent1"/>
+          </a:lnRef>
+          <a:fillRef idx="0">
+            <a:schemeClr val="accent1"/>
+          </a:fillRef>
+          <a:effectRef idx="0">
+            <a:schemeClr val="accent1"/>
+          </a:effectRef>
+          <a:fontRef idx="minor">
+            <a:schemeClr val="tx1"/>
+          </a:fontRef>
+        </p:style>
+      </p:cxnSp>
+      <p:sp>
+        <p:nvSpPr>
+          <p:cNvPr id="22" name="对话气泡: 椭圆形 21">
+            <a:extLst>
+              <a:ext uri="{FF2B5EF4-FFF2-40B4-BE49-F238E27FC236}">
+                <a16:creationId xmlns:a16="http://schemas.microsoft.com/office/drawing/2014/main" id="{56A4A825-3A80-4C78-A058-B7D5B770195E}"/>
+              </a:ext>
+            </a:extLst>
+          </p:cNvPr>
+          <p:cNvSpPr/>
+          <p:nvPr/>
+        </p:nvSpPr>
+        <p:spPr>
+          <a:xfrm>
+            <a:off x="987479" y="8671560"/>
+            <a:ext cx="2121481" cy="971592"/>
+          </a:xfrm>
+          <a:prstGeom prst="wedgeEllipseCallout">
+            <a:avLst>
+              <a:gd name="adj1" fmla="val 79020"/>
+              <a:gd name="adj2" fmla="val 62500"/>
+            </a:avLst>
+          </a:prstGeom>
+          <a:noFill/>
+        </p:spPr>
+        <p:style>
+          <a:lnRef idx="2">
+            <a:schemeClr val="accent1">
+              <a:shade val="50000"/>
+            </a:schemeClr>
+          </a:lnRef>
+          <a:fillRef idx="1">
+            <a:schemeClr val="accent1"/>
+          </a:fillRef>
+          <a:effectRef idx="0">
+            <a:schemeClr val="accent1"/>
+          </a:effectRef>
+          <a:fontRef idx="minor">
+            <a:schemeClr val="lt1"/>
+          </a:fontRef>
+        </p:style>
+        <p:txBody>
+          <a:bodyPr rot="0" spcFirstLastPara="0" vertOverflow="overflow" horzOverflow="overflow" vert="horz" wrap="square" lIns="91440" tIns="45720" rIns="91440" bIns="45720" numCol="1" spcCol="0" rtlCol="0" fromWordArt="0" anchor="ctr" anchorCtr="0" forceAA="0" compatLnSpc="1">
+            <a:prstTxWarp prst="textNoShape">
+              <a:avLst/>
+            </a:prstTxWarp>
+            <a:noAutofit/>
+          </a:bodyPr>
+          <a:lstStyle/>
+          <a:p>
+            <a:pPr algn="ctr"/>
+            <a:r>
+              <a:rPr lang="zh-CN" altLang="en-US" sz="2800" dirty="0">
+                <a:solidFill>
+                  <a:schemeClr val="tx1">
+                    <a:lumMod val="95000"/>
+                    <a:lumOff val="5000"/>
+                  </a:schemeClr>
+                </a:solidFill>
+              </a:rPr>
+              <a:t>原型链</a:t>
+            </a:r>
+          </a:p>
+        </p:txBody>
+      </p:sp>
+      <p:sp>
+        <p:nvSpPr>
+          <p:cNvPr id="24" name="文本框 23">
+            <a:extLst>
+              <a:ext uri="{FF2B5EF4-FFF2-40B4-BE49-F238E27FC236}">
+                <a16:creationId xmlns:a16="http://schemas.microsoft.com/office/drawing/2014/main" id="{3BF7DFD7-E8FB-4873-AA3E-61BD92B29B63}"/>
+              </a:ext>
+            </a:extLst>
+          </p:cNvPr>
+          <p:cNvSpPr txBox="1"/>
+          <p:nvPr/>
+        </p:nvSpPr>
+        <p:spPr>
+          <a:xfrm>
+            <a:off x="6543330" y="4537475"/>
+            <a:ext cx="2560320" cy="707886"/>
+          </a:xfrm>
+          <a:prstGeom prst="rect">
+            <a:avLst/>
+          </a:prstGeom>
+          <a:noFill/>
+        </p:spPr>
+        <p:txBody>
+          <a:bodyPr wrap="square" rtlCol="0">
+            <a:spAutoFit/>
+          </a:bodyPr>
+          <a:lstStyle/>
+          <a:p>
+            <a:pPr algn="l"/>
+            <a:r>
+              <a:rPr lang="en-US" altLang="zh-CN" sz="4000" dirty="0">
+                <a:solidFill>
+                  <a:srgbClr val="00B050"/>
+                </a:solidFill>
+              </a:rPr>
+              <a:t>__proto__</a:t>
+            </a:r>
+            <a:endParaRPr lang="zh-CN" altLang="en-US" sz="4000" dirty="0">
+              <a:solidFill>
+                <a:srgbClr val="00B050"/>
+              </a:solidFill>
+            </a:endParaRPr>
+          </a:p>
+        </p:txBody>
+      </p:sp>
+      <p:sp>
+        <p:nvSpPr>
+          <p:cNvPr id="25" name="矩形 24">
+            <a:extLst>
+              <a:ext uri="{FF2B5EF4-FFF2-40B4-BE49-F238E27FC236}">
+                <a16:creationId xmlns:a16="http://schemas.microsoft.com/office/drawing/2014/main" id="{F72686BF-F5FA-4044-8BD4-91A5D0E54C3B}"/>
+              </a:ext>
+            </a:extLst>
+          </p:cNvPr>
+          <p:cNvSpPr/>
+          <p:nvPr/>
+        </p:nvSpPr>
+        <p:spPr>
+          <a:xfrm>
+            <a:off x="18082258" y="764801"/>
+            <a:ext cx="3604261" cy="4480560"/>
+          </a:xfrm>
+          <a:prstGeom prst="rect">
+            <a:avLst/>
+          </a:prstGeom>
+          <a:noFill/>
+        </p:spPr>
+        <p:style>
+          <a:lnRef idx="2">
+            <a:schemeClr val="accent1">
+              <a:shade val="50000"/>
+            </a:schemeClr>
+          </a:lnRef>
+          <a:fillRef idx="1">
+            <a:schemeClr val="accent1"/>
+          </a:fillRef>
+          <a:effectRef idx="0">
+            <a:schemeClr val="accent1"/>
+          </a:effectRef>
+          <a:fontRef idx="minor">
+            <a:schemeClr val="lt1"/>
+          </a:fontRef>
+        </p:style>
+        <p:txBody>
+          <a:bodyPr rot="0" spcFirstLastPara="0" vertOverflow="overflow" horzOverflow="overflow" vert="horz" wrap="square" lIns="91440" tIns="45720" rIns="91440" bIns="45720" numCol="1" spcCol="0" rtlCol="0" fromWordArt="0" anchor="ctr" anchorCtr="0" forceAA="0" compatLnSpc="1">
+            <a:prstTxWarp prst="textNoShape">
+              <a:avLst/>
+            </a:prstTxWarp>
+            <a:noAutofit/>
+          </a:bodyPr>
+          <a:lstStyle/>
+          <a:p>
+            <a:pPr algn="ctr"/>
+            <a:r>
+              <a:rPr lang="en-US" altLang="zh-CN" sz="4400" dirty="0">
+                <a:solidFill>
+                  <a:srgbClr val="FF0000"/>
+                </a:solidFill>
+              </a:rPr>
+              <a:t>Object</a:t>
+            </a:r>
+            <a:r>
+              <a:rPr lang="en-US" altLang="zh-CN" sz="4400" dirty="0">
+                <a:solidFill>
+                  <a:schemeClr val="tx1">
+                    <a:lumMod val="95000"/>
+                    <a:lumOff val="5000"/>
+                  </a:schemeClr>
+                </a:solidFill>
+              </a:rPr>
+              <a:t>(</a:t>
+            </a:r>
+            <a:r>
+              <a:rPr lang="zh-CN" altLang="en-US" sz="4400" dirty="0">
+                <a:solidFill>
+                  <a:schemeClr val="tx1">
+                    <a:lumMod val="95000"/>
+                    <a:lumOff val="5000"/>
+                  </a:schemeClr>
+                </a:solidFill>
+              </a:rPr>
+              <a:t>基类</a:t>
+            </a:r>
+            <a:r>
+              <a:rPr lang="en-US" altLang="zh-CN" sz="4400" dirty="0">
+                <a:solidFill>
+                  <a:schemeClr val="tx1">
+                    <a:lumMod val="95000"/>
+                    <a:lumOff val="5000"/>
+                  </a:schemeClr>
+                </a:solidFill>
+              </a:rPr>
+              <a:t>)</a:t>
+            </a:r>
+            <a:endParaRPr lang="zh-CN" altLang="en-US" sz="4400" dirty="0">
+              <a:solidFill>
+                <a:schemeClr val="tx1">
+                  <a:lumMod val="95000"/>
+                  <a:lumOff val="5000"/>
+                </a:schemeClr>
+              </a:solidFill>
+            </a:endParaRPr>
+          </a:p>
+        </p:txBody>
+      </p:sp>
+      <p:sp>
+        <p:nvSpPr>
+          <p:cNvPr id="26" name="矩形 25">
+            <a:extLst>
+              <a:ext uri="{FF2B5EF4-FFF2-40B4-BE49-F238E27FC236}">
+                <a16:creationId xmlns:a16="http://schemas.microsoft.com/office/drawing/2014/main" id="{1BD5F1B4-8431-4BDD-9936-B9C2DA8C1FD3}"/>
+              </a:ext>
+            </a:extLst>
+          </p:cNvPr>
+          <p:cNvSpPr/>
+          <p:nvPr/>
+        </p:nvSpPr>
+        <p:spPr>
+          <a:xfrm>
+            <a:off x="13830298" y="764801"/>
+            <a:ext cx="3604261" cy="4480560"/>
+          </a:xfrm>
+          <a:prstGeom prst="rect">
+            <a:avLst/>
+          </a:prstGeom>
+          <a:noFill/>
+        </p:spPr>
+        <p:style>
+          <a:lnRef idx="2">
+            <a:schemeClr val="accent1">
+              <a:shade val="50000"/>
+            </a:schemeClr>
+          </a:lnRef>
+          <a:fillRef idx="1">
+            <a:schemeClr val="accent1"/>
+          </a:fillRef>
+          <a:effectRef idx="0">
+            <a:schemeClr val="accent1"/>
+          </a:effectRef>
+          <a:fontRef idx="minor">
+            <a:schemeClr val="lt1"/>
+          </a:fontRef>
+        </p:style>
+        <p:txBody>
+          <a:bodyPr rot="0" spcFirstLastPara="0" vertOverflow="overflow" horzOverflow="overflow" vert="horz" wrap="square" lIns="91440" tIns="45720" rIns="91440" bIns="45720" numCol="1" spcCol="0" rtlCol="0" fromWordArt="0" anchor="ctr" anchorCtr="0" forceAA="0" compatLnSpc="1">
+            <a:prstTxWarp prst="textNoShape">
+              <a:avLst/>
+            </a:prstTxWarp>
+            <a:noAutofit/>
+          </a:bodyPr>
+          <a:lstStyle/>
+          <a:p>
+            <a:pPr algn="ctr"/>
+            <a:r>
+              <a:rPr lang="en-US" altLang="zh-CN" sz="3600" dirty="0">
+                <a:solidFill>
+                  <a:schemeClr val="tx1">
+                    <a:lumMod val="95000"/>
+                    <a:lumOff val="5000"/>
+                  </a:schemeClr>
+                </a:solidFill>
+              </a:rPr>
+              <a:t>prototype(</a:t>
+            </a:r>
+            <a:r>
+              <a:rPr lang="zh-CN" altLang="en-US" sz="3600" dirty="0">
+                <a:solidFill>
+                  <a:schemeClr val="tx1">
+                    <a:lumMod val="95000"/>
+                    <a:lumOff val="5000"/>
+                  </a:schemeClr>
+                </a:solidFill>
+              </a:rPr>
+              <a:t>原型</a:t>
+            </a:r>
+            <a:r>
+              <a:rPr lang="en-US" altLang="zh-CN" sz="3600" dirty="0">
+                <a:solidFill>
+                  <a:schemeClr val="tx1">
+                    <a:lumMod val="95000"/>
+                    <a:lumOff val="5000"/>
+                  </a:schemeClr>
+                </a:solidFill>
+              </a:rPr>
+              <a:t>)</a:t>
+            </a:r>
+            <a:endParaRPr lang="zh-CN" altLang="en-US" sz="3600" dirty="0">
+              <a:solidFill>
+                <a:schemeClr val="tx1">
+                  <a:lumMod val="95000"/>
+                  <a:lumOff val="5000"/>
+                </a:schemeClr>
+              </a:solidFill>
+            </a:endParaRPr>
+          </a:p>
+        </p:txBody>
+      </p:sp>
+      <p:cxnSp>
+        <p:nvCxnSpPr>
+          <p:cNvPr id="28" name="连接符: 肘形 27">
+            <a:extLst>
+              <a:ext uri="{FF2B5EF4-FFF2-40B4-BE49-F238E27FC236}">
+                <a16:creationId xmlns:a16="http://schemas.microsoft.com/office/drawing/2014/main" id="{7658E2B0-E36B-4C37-85F4-7374D3424351}"/>
+              </a:ext>
+            </a:extLst>
+          </p:cNvPr>
+          <p:cNvCxnSpPr>
+            <a:stCxn id="24" idx="3"/>
+            <a:endCxn id="26" idx="1"/>
+          </p:cNvCxnSpPr>
+          <p:nvPr/>
+        </p:nvCxnSpPr>
+        <p:spPr>
+          <a:xfrm flipV="1">
+            <a:off x="9103650" y="3005081"/>
+            <a:ext cx="4726648" cy="1886337"/>
+          </a:xfrm>
+          <a:prstGeom prst="bentConnector3">
+            <a:avLst/>
+          </a:prstGeom>
+          <a:ln w="38100">
+            <a:solidFill>
+              <a:srgbClr val="00B050"/>
+            </a:solidFill>
+            <a:tailEnd type="triangle"/>
+          </a:ln>
+        </p:spPr>
+        <p:style>
+          <a:lnRef idx="1">
+            <a:schemeClr val="accent1"/>
+          </a:lnRef>
+          <a:fillRef idx="0">
+            <a:schemeClr val="accent1"/>
+          </a:fillRef>
+          <a:effectRef idx="0">
+            <a:schemeClr val="accent1"/>
+          </a:effectRef>
+          <a:fontRef idx="minor">
+            <a:schemeClr val="tx1"/>
+          </a:fontRef>
+        </p:style>
+      </p:cxnSp>
+      <p:sp>
+        <p:nvSpPr>
+          <p:cNvPr id="29" name="文本框 28">
+            <a:extLst>
+              <a:ext uri="{FF2B5EF4-FFF2-40B4-BE49-F238E27FC236}">
+                <a16:creationId xmlns:a16="http://schemas.microsoft.com/office/drawing/2014/main" id="{16D07F5B-70C2-46F7-B166-3E810331280B}"/>
+              </a:ext>
+            </a:extLst>
+          </p:cNvPr>
+          <p:cNvSpPr txBox="1"/>
+          <p:nvPr/>
+        </p:nvSpPr>
+        <p:spPr>
+          <a:xfrm>
+            <a:off x="18276568" y="4520779"/>
+            <a:ext cx="3215640" cy="646331"/>
+          </a:xfrm>
+          <a:prstGeom prst="rect">
+            <a:avLst/>
+          </a:prstGeom>
+          <a:noFill/>
+        </p:spPr>
+        <p:txBody>
+          <a:bodyPr wrap="square" rtlCol="0">
+            <a:spAutoFit/>
+          </a:bodyPr>
+          <a:lstStyle/>
+          <a:p>
+            <a:pPr algn="l"/>
+            <a:r>
+              <a:rPr lang="en-US" altLang="zh-CN" sz="3600" dirty="0"/>
+              <a:t>prototype(</a:t>
+            </a:r>
+            <a:r>
+              <a:rPr lang="zh-CN" altLang="en-US" sz="3600" dirty="0">
+                <a:solidFill>
+                  <a:srgbClr val="7030A0"/>
+                </a:solidFill>
+              </a:rPr>
+              <a:t>原型</a:t>
+            </a:r>
+            <a:r>
+              <a:rPr lang="en-US" altLang="zh-CN" sz="3600" dirty="0"/>
+              <a:t>)</a:t>
+            </a:r>
+            <a:endParaRPr lang="zh-CN" altLang="en-US" sz="3600" dirty="0"/>
+          </a:p>
+        </p:txBody>
+      </p:sp>
+      <p:cxnSp>
+        <p:nvCxnSpPr>
+          <p:cNvPr id="31" name="直接箭头连接符 30">
+            <a:extLst>
+              <a:ext uri="{FF2B5EF4-FFF2-40B4-BE49-F238E27FC236}">
+                <a16:creationId xmlns:a16="http://schemas.microsoft.com/office/drawing/2014/main" id="{AA886EB5-731E-4B1C-9B81-8FA723915D94}"/>
+              </a:ext>
+            </a:extLst>
+          </p:cNvPr>
+          <p:cNvCxnSpPr>
+            <a:stCxn id="29" idx="1"/>
+            <a:endCxn id="26" idx="3"/>
+          </p:cNvCxnSpPr>
+          <p:nvPr/>
+        </p:nvCxnSpPr>
+        <p:spPr>
+          <a:xfrm flipH="1" flipV="1">
+            <a:off x="17434559" y="3005081"/>
+            <a:ext cx="842009" cy="1838864"/>
+          </a:xfrm>
+          <a:prstGeom prst="straightConnector1">
+            <a:avLst/>
+          </a:prstGeom>
+          <a:ln w="38100">
+            <a:solidFill>
+              <a:srgbClr val="0070C0"/>
+            </a:solidFill>
+            <a:tailEnd type="triangle"/>
+          </a:ln>
+        </p:spPr>
+        <p:style>
+          <a:lnRef idx="1">
+            <a:schemeClr val="accent1"/>
+          </a:lnRef>
+          <a:fillRef idx="0">
+            <a:schemeClr val="accent1"/>
+          </a:fillRef>
+          <a:effectRef idx="0">
+            <a:schemeClr val="accent1"/>
+          </a:effectRef>
+          <a:fontRef idx="minor">
+            <a:schemeClr val="tx1"/>
+          </a:fontRef>
+        </p:style>
+      </p:cxnSp>
+      <p:sp>
+        <p:nvSpPr>
+          <p:cNvPr id="33" name="文本框 32">
+            <a:extLst>
+              <a:ext uri="{FF2B5EF4-FFF2-40B4-BE49-F238E27FC236}">
+                <a16:creationId xmlns:a16="http://schemas.microsoft.com/office/drawing/2014/main" id="{480E39C9-80C7-4B94-AF3F-0A26D43FD5C4}"/>
+              </a:ext>
+            </a:extLst>
+          </p:cNvPr>
+          <p:cNvSpPr txBox="1"/>
+          <p:nvPr/>
+        </p:nvSpPr>
+        <p:spPr>
+          <a:xfrm>
+            <a:off x="13921738" y="994755"/>
+            <a:ext cx="3604260" cy="584775"/>
+          </a:xfrm>
+          <a:prstGeom prst="rect">
+            <a:avLst/>
+          </a:prstGeom>
+          <a:noFill/>
+        </p:spPr>
+        <p:txBody>
+          <a:bodyPr wrap="square" rtlCol="0">
+            <a:spAutoFit/>
+          </a:bodyPr>
+          <a:lstStyle/>
+          <a:p>
+            <a:pPr algn="l"/>
+            <a:r>
+              <a:rPr lang="en-US" altLang="zh-CN" sz="3200" dirty="0" err="1"/>
+              <a:t>constructor:</a:t>
+            </a:r>
+            <a:r>
+              <a:rPr lang="en-US" altLang="zh-CN" sz="3200" dirty="0" err="1">
+                <a:solidFill>
+                  <a:srgbClr val="FF0000"/>
+                </a:solidFill>
+              </a:rPr>
+              <a:t>Object</a:t>
+            </a:r>
+            <a:endParaRPr lang="zh-CN" altLang="en-US" sz="3200" dirty="0">
+              <a:solidFill>
+                <a:srgbClr val="FF0000"/>
+              </a:solidFill>
+            </a:endParaRPr>
+          </a:p>
+        </p:txBody>
+      </p:sp>
+      <p:sp>
+        <p:nvSpPr>
+          <p:cNvPr id="35" name="文本框 34">
+            <a:extLst>
+              <a:ext uri="{FF2B5EF4-FFF2-40B4-BE49-F238E27FC236}">
+                <a16:creationId xmlns:a16="http://schemas.microsoft.com/office/drawing/2014/main" id="{87B706B4-1F57-41FE-AE92-99F5E1DB2DF6}"/>
+              </a:ext>
+            </a:extLst>
+          </p:cNvPr>
+          <p:cNvSpPr txBox="1"/>
+          <p:nvPr/>
+        </p:nvSpPr>
+        <p:spPr>
+          <a:xfrm>
+            <a:off x="14277974" y="4459224"/>
+            <a:ext cx="2560320" cy="707886"/>
+          </a:xfrm>
+          <a:prstGeom prst="rect">
+            <a:avLst/>
+          </a:prstGeom>
+          <a:noFill/>
+        </p:spPr>
+        <p:txBody>
+          <a:bodyPr wrap="square" rtlCol="0">
+            <a:spAutoFit/>
+          </a:bodyPr>
+          <a:lstStyle/>
+          <a:p>
+            <a:pPr algn="l"/>
+            <a:r>
+              <a:rPr lang="en-US" altLang="zh-CN" sz="4000" dirty="0">
+                <a:solidFill>
+                  <a:srgbClr val="00B050"/>
+                </a:solidFill>
+              </a:rPr>
+              <a:t>__proto__</a:t>
+            </a:r>
+            <a:endParaRPr lang="zh-CN" altLang="en-US" sz="4000" dirty="0">
+              <a:solidFill>
+                <a:srgbClr val="00B050"/>
+              </a:solidFill>
+            </a:endParaRPr>
+          </a:p>
+        </p:txBody>
+      </p:sp>
+      <p:cxnSp>
+        <p:nvCxnSpPr>
+          <p:cNvPr id="39" name="直接连接符 38">
+            <a:extLst>
+              <a:ext uri="{FF2B5EF4-FFF2-40B4-BE49-F238E27FC236}">
+                <a16:creationId xmlns:a16="http://schemas.microsoft.com/office/drawing/2014/main" id="{3BDF2D18-C49E-4977-B3A2-CA7CDE3E34F2}"/>
+              </a:ext>
+            </a:extLst>
+          </p:cNvPr>
+          <p:cNvCxnSpPr/>
+          <p:nvPr/>
+        </p:nvCxnSpPr>
+        <p:spPr>
+          <a:xfrm>
+            <a:off x="14024608" y="4889664"/>
+            <a:ext cx="3068956" cy="0"/>
+          </a:xfrm>
+          <a:prstGeom prst="line">
+            <a:avLst/>
+          </a:prstGeom>
+          <a:ln w="28575">
+            <a:solidFill>
+              <a:srgbClr val="FF0000"/>
+            </a:solidFill>
+          </a:ln>
+        </p:spPr>
+        <p:style>
+          <a:lnRef idx="1">
+            <a:schemeClr val="accent1"/>
+          </a:lnRef>
+          <a:fillRef idx="0">
+            <a:schemeClr val="accent1"/>
+          </a:fillRef>
+          <a:effectRef idx="0">
+            <a:schemeClr val="accent1"/>
+          </a:effectRef>
+          <a:fontRef idx="minor">
+            <a:schemeClr val="tx1"/>
+          </a:fontRef>
+        </p:style>
+      </p:cxnSp>
+      <p:cxnSp>
+        <p:nvCxnSpPr>
+          <p:cNvPr id="41" name="连接符: 肘形 40">
+            <a:extLst>
+              <a:ext uri="{FF2B5EF4-FFF2-40B4-BE49-F238E27FC236}">
+                <a16:creationId xmlns:a16="http://schemas.microsoft.com/office/drawing/2014/main" id="{1DE33FC2-7AC9-460D-9B83-9B637ECAAA04}"/>
+              </a:ext>
+            </a:extLst>
+          </p:cNvPr>
+          <p:cNvCxnSpPr>
+            <a:stCxn id="35" idx="2"/>
+          </p:cNvCxnSpPr>
+          <p:nvPr/>
+        </p:nvCxnSpPr>
+        <p:spPr>
+          <a:xfrm rot="16200000" flipH="1">
+            <a:off x="15399442" y="5325802"/>
+            <a:ext cx="1020330" cy="702946"/>
+          </a:xfrm>
+          <a:prstGeom prst="bentConnector3">
+            <a:avLst/>
+          </a:prstGeom>
+          <a:ln w="38100">
+            <a:tailEnd type="triangle"/>
+          </a:ln>
+        </p:spPr>
+        <p:style>
+          <a:lnRef idx="1">
+            <a:schemeClr val="accent1"/>
+          </a:lnRef>
+          <a:fillRef idx="0">
+            <a:schemeClr val="accent1"/>
+          </a:fillRef>
+          <a:effectRef idx="0">
+            <a:schemeClr val="accent1"/>
+          </a:effectRef>
+          <a:fontRef idx="minor">
+            <a:schemeClr val="tx1"/>
+          </a:fontRef>
+        </p:style>
+      </p:cxnSp>
+      <p:sp>
+        <p:nvSpPr>
+          <p:cNvPr id="42" name="文本框 41">
+            <a:extLst>
+              <a:ext uri="{FF2B5EF4-FFF2-40B4-BE49-F238E27FC236}">
+                <a16:creationId xmlns:a16="http://schemas.microsoft.com/office/drawing/2014/main" id="{765AADBE-B91A-4029-81B1-8A76546D8219}"/>
+              </a:ext>
+            </a:extLst>
+          </p:cNvPr>
+          <p:cNvSpPr txBox="1"/>
+          <p:nvPr/>
+        </p:nvSpPr>
+        <p:spPr>
+          <a:xfrm>
+            <a:off x="15946756" y="6110521"/>
+            <a:ext cx="891538" cy="584775"/>
+          </a:xfrm>
+          <a:prstGeom prst="rect">
+            <a:avLst/>
+          </a:prstGeom>
+          <a:noFill/>
+        </p:spPr>
+        <p:txBody>
+          <a:bodyPr wrap="square" rtlCol="0">
+            <a:spAutoFit/>
+          </a:bodyPr>
+          <a:lstStyle/>
+          <a:p>
+            <a:pPr algn="l"/>
+            <a:r>
+              <a:rPr lang="en-US" altLang="zh-CN" sz="3200" dirty="0"/>
+              <a:t>null</a:t>
+            </a:r>
+            <a:endParaRPr lang="zh-CN" altLang="en-US" sz="3200" dirty="0"/>
+          </a:p>
+        </p:txBody>
+      </p:sp>
+      <p:sp>
+        <p:nvSpPr>
+          <p:cNvPr id="44" name="文本框 43">
+            <a:extLst>
+              <a:ext uri="{FF2B5EF4-FFF2-40B4-BE49-F238E27FC236}">
+                <a16:creationId xmlns:a16="http://schemas.microsoft.com/office/drawing/2014/main" id="{87D5DB7D-4D0E-4FFA-A907-45AB3958C607}"/>
+              </a:ext>
+            </a:extLst>
+          </p:cNvPr>
+          <p:cNvSpPr txBox="1"/>
+          <p:nvPr/>
+        </p:nvSpPr>
+        <p:spPr>
+          <a:xfrm>
+            <a:off x="14072234" y="1582245"/>
+            <a:ext cx="3021330" cy="584775"/>
+          </a:xfrm>
+          <a:prstGeom prst="rect">
+            <a:avLst/>
+          </a:prstGeom>
+          <a:noFill/>
+        </p:spPr>
+        <p:txBody>
+          <a:bodyPr wrap="square" rtlCol="0">
+            <a:spAutoFit/>
+          </a:bodyPr>
+          <a:lstStyle/>
+          <a:p>
+            <a:pPr algn="l"/>
+            <a:r>
+              <a:rPr lang="en-US" altLang="zh-CN" sz="3200" dirty="0" err="1"/>
+              <a:t>toString</a:t>
+            </a:r>
+            <a:r>
+              <a:rPr lang="en-US" altLang="zh-CN" sz="3200" dirty="0"/>
+              <a:t>()</a:t>
+            </a:r>
+            <a:endParaRPr lang="zh-CN" altLang="en-US" sz="3200" dirty="0"/>
+          </a:p>
+        </p:txBody>
+      </p:sp>
+      <p:sp>
+        <p:nvSpPr>
+          <p:cNvPr id="46" name="矩形 45">
+            <a:extLst>
+              <a:ext uri="{FF2B5EF4-FFF2-40B4-BE49-F238E27FC236}">
+                <a16:creationId xmlns:a16="http://schemas.microsoft.com/office/drawing/2014/main" id="{4ABC9A28-6B77-4233-9C90-ABE150AAD479}"/>
+              </a:ext>
+            </a:extLst>
+          </p:cNvPr>
+          <p:cNvSpPr/>
+          <p:nvPr/>
+        </p:nvSpPr>
+        <p:spPr>
+          <a:xfrm>
+            <a:off x="8590597" y="7419017"/>
+            <a:ext cx="3124200" cy="2807023"/>
+          </a:xfrm>
+          <a:prstGeom prst="rect">
+            <a:avLst/>
+          </a:prstGeom>
+          <a:noFill/>
+        </p:spPr>
+        <p:style>
+          <a:lnRef idx="2">
+            <a:schemeClr val="accent1">
+              <a:shade val="50000"/>
+            </a:schemeClr>
+          </a:lnRef>
+          <a:fillRef idx="1">
+            <a:schemeClr val="accent1"/>
+          </a:fillRef>
+          <a:effectRef idx="0">
+            <a:schemeClr val="accent1"/>
+          </a:effectRef>
+          <a:fontRef idx="minor">
+            <a:schemeClr val="lt1"/>
+          </a:fontRef>
+        </p:style>
+        <p:txBody>
+          <a:bodyPr rtlCol="0" anchor="ctr"/>
+          <a:lstStyle/>
+          <a:p>
+            <a:pPr algn="ctr"/>
+            <a:endParaRPr lang="zh-CN" altLang="en-US" dirty="0">
+              <a:solidFill>
+                <a:schemeClr val="tx1">
+                  <a:lumMod val="95000"/>
+                  <a:lumOff val="5000"/>
+                </a:schemeClr>
+              </a:solidFill>
+            </a:endParaRPr>
+          </a:p>
+        </p:txBody>
+      </p:sp>
+      <p:sp>
+        <p:nvSpPr>
+          <p:cNvPr id="47" name="文本框 46">
+            <a:extLst>
+              <a:ext uri="{FF2B5EF4-FFF2-40B4-BE49-F238E27FC236}">
+                <a16:creationId xmlns:a16="http://schemas.microsoft.com/office/drawing/2014/main" id="{8791E390-AB5A-4D16-9897-94BEB76D1706}"/>
+              </a:ext>
+            </a:extLst>
+          </p:cNvPr>
+          <p:cNvSpPr txBox="1"/>
+          <p:nvPr/>
+        </p:nvSpPr>
+        <p:spPr>
+          <a:xfrm>
+            <a:off x="8819197" y="7649849"/>
+            <a:ext cx="2346960" cy="1569660"/>
+          </a:xfrm>
+          <a:prstGeom prst="rect">
+            <a:avLst/>
+          </a:prstGeom>
+          <a:noFill/>
+        </p:spPr>
+        <p:txBody>
+          <a:bodyPr wrap="square" rtlCol="0">
+            <a:spAutoFit/>
+          </a:bodyPr>
+          <a:lstStyle/>
+          <a:p>
+            <a:pPr algn="l"/>
+            <a:r>
+              <a:rPr lang="zh-CN" altLang="en-US" sz="3200" dirty="0"/>
+              <a:t>私有属性：</a:t>
+            </a:r>
+            <a:endParaRPr lang="en-US" altLang="zh-CN" sz="3200" dirty="0"/>
+          </a:p>
+          <a:p>
+            <a:pPr algn="l"/>
+            <a:r>
+              <a:rPr lang="en-US" altLang="zh-CN" sz="3200" dirty="0" err="1"/>
+              <a:t>name:’china</a:t>
+            </a:r>
+            <a:r>
+              <a:rPr lang="en-US" altLang="zh-CN" sz="3200" dirty="0"/>
+              <a:t>’,</a:t>
+            </a:r>
+          </a:p>
+          <a:p>
+            <a:pPr algn="l"/>
+            <a:r>
+              <a:rPr lang="en-US" altLang="zh-CN" sz="3200" dirty="0" err="1"/>
+              <a:t>say:’name</a:t>
+            </a:r>
+            <a:r>
+              <a:rPr lang="en-US" altLang="zh-CN" sz="3200" dirty="0"/>
+              <a:t>’</a:t>
+            </a:r>
+            <a:endParaRPr lang="zh-CN" altLang="en-US" sz="3200" dirty="0"/>
+          </a:p>
+        </p:txBody>
+      </p:sp>
+      <p:sp>
+        <p:nvSpPr>
+          <p:cNvPr id="48" name="文本框 47">
+            <a:extLst>
+              <a:ext uri="{FF2B5EF4-FFF2-40B4-BE49-F238E27FC236}">
+                <a16:creationId xmlns:a16="http://schemas.microsoft.com/office/drawing/2014/main" id="{CC049EF8-CDEF-4CA3-A756-FB26EC40A52F}"/>
+              </a:ext>
+            </a:extLst>
+          </p:cNvPr>
+          <p:cNvSpPr txBox="1"/>
+          <p:nvPr/>
+        </p:nvSpPr>
+        <p:spPr>
+          <a:xfrm>
+            <a:off x="9291637" y="6649576"/>
+            <a:ext cx="2346960" cy="769441"/>
+          </a:xfrm>
+          <a:prstGeom prst="rect">
+            <a:avLst/>
+          </a:prstGeom>
+          <a:noFill/>
+        </p:spPr>
+        <p:txBody>
+          <a:bodyPr wrap="square" rtlCol="0">
+            <a:spAutoFit/>
+          </a:bodyPr>
+          <a:lstStyle/>
+          <a:p>
+            <a:pPr algn="l"/>
+            <a:r>
+              <a:rPr lang="en-US" altLang="zh-CN" sz="4400" dirty="0"/>
+              <a:t>f1(</a:t>
+            </a:r>
+            <a:r>
+              <a:rPr lang="zh-CN" altLang="en-US" sz="4400" dirty="0"/>
+              <a:t>实例</a:t>
+            </a:r>
+            <a:r>
+              <a:rPr lang="en-US" altLang="zh-CN" sz="4400" dirty="0"/>
+              <a:t>)</a:t>
+            </a:r>
+            <a:endParaRPr lang="zh-CN" altLang="en-US" sz="4400" dirty="0"/>
+          </a:p>
+        </p:txBody>
+      </p:sp>
+      <p:sp>
+        <p:nvSpPr>
+          <p:cNvPr id="49" name="文本框 48">
+            <a:extLst>
+              <a:ext uri="{FF2B5EF4-FFF2-40B4-BE49-F238E27FC236}">
+                <a16:creationId xmlns:a16="http://schemas.microsoft.com/office/drawing/2014/main" id="{B5FB32A8-9BC3-4BEB-95FE-A62BA26B55D5}"/>
+              </a:ext>
+            </a:extLst>
+          </p:cNvPr>
+          <p:cNvSpPr txBox="1"/>
+          <p:nvPr/>
+        </p:nvSpPr>
+        <p:spPr>
+          <a:xfrm>
+            <a:off x="8895397" y="9289209"/>
+            <a:ext cx="2560320" cy="707886"/>
+          </a:xfrm>
+          <a:prstGeom prst="rect">
+            <a:avLst/>
+          </a:prstGeom>
+          <a:noFill/>
+        </p:spPr>
+        <p:txBody>
+          <a:bodyPr wrap="square" rtlCol="0">
+            <a:spAutoFit/>
+          </a:bodyPr>
+          <a:lstStyle/>
+          <a:p>
+            <a:pPr algn="l"/>
+            <a:r>
+              <a:rPr lang="en-US" altLang="zh-CN" sz="4000" dirty="0">
+                <a:solidFill>
+                  <a:srgbClr val="00B050"/>
+                </a:solidFill>
+              </a:rPr>
+              <a:t>__proto__</a:t>
+            </a:r>
+            <a:endParaRPr lang="zh-CN" altLang="en-US" sz="4000" dirty="0">
+              <a:solidFill>
+                <a:srgbClr val="00B050"/>
+              </a:solidFill>
+            </a:endParaRPr>
           </a:p>
         </p:txBody>
       </p:sp>
@@ -8450,6 +13619,1696 @@
     <p:extLst>
       <p:ext uri="{BB962C8B-B14F-4D97-AF65-F5344CB8AC3E}">
         <p14:creationId xmlns:p14="http://schemas.microsoft.com/office/powerpoint/2010/main" val="3538816187"/>
+      </p:ext>
+    </p:extLst>
+  </p:cSld>
+  <p:clrMapOvr>
+    <a:masterClrMapping/>
+  </p:clrMapOvr>
+</p:sld>
+</file>
+
+<file path=ppt/slides/slide9.xml><?xml version="1.0" encoding="utf-8"?>
+<p:sld xmlns:a="http://schemas.openxmlformats.org/drawingml/2006/main" xmlns:r="http://schemas.openxmlformats.org/officeDocument/2006/relationships" xmlns:p="http://schemas.openxmlformats.org/presentationml/2006/main">
+  <p:cSld>
+    <p:spTree>
+      <p:nvGrpSpPr>
+        <p:cNvPr id="1" name=""/>
+        <p:cNvGrpSpPr/>
+        <p:nvPr/>
+      </p:nvGrpSpPr>
+      <p:grpSpPr>
+        <a:xfrm>
+          <a:off x="0" y="0"/>
+          <a:ext cx="0" cy="0"/>
+          <a:chOff x="0" y="0"/>
+          <a:chExt cx="0" cy="0"/>
+        </a:xfrm>
+      </p:grpSpPr>
+      <p:sp>
+        <p:nvSpPr>
+          <p:cNvPr id="2" name="矩形 1">
+            <a:extLst>
+              <a:ext uri="{FF2B5EF4-FFF2-40B4-BE49-F238E27FC236}">
+                <a16:creationId xmlns:a16="http://schemas.microsoft.com/office/drawing/2014/main" id="{AB4CE14A-3121-4D9E-A312-42685DA31E8C}"/>
+              </a:ext>
+            </a:extLst>
+          </p:cNvPr>
+          <p:cNvSpPr/>
+          <p:nvPr/>
+        </p:nvSpPr>
+        <p:spPr>
+          <a:xfrm>
+            <a:off x="1417320" y="919321"/>
+            <a:ext cx="3383280" cy="4480560"/>
+          </a:xfrm>
+          <a:prstGeom prst="rect">
+            <a:avLst/>
+          </a:prstGeom>
+          <a:noFill/>
+        </p:spPr>
+        <p:style>
+          <a:lnRef idx="2">
+            <a:schemeClr val="accent1">
+              <a:shade val="50000"/>
+            </a:schemeClr>
+          </a:lnRef>
+          <a:fillRef idx="1">
+            <a:schemeClr val="accent1"/>
+          </a:fillRef>
+          <a:effectRef idx="0">
+            <a:schemeClr val="accent1"/>
+          </a:effectRef>
+          <a:fontRef idx="minor">
+            <a:schemeClr val="lt1"/>
+          </a:fontRef>
+        </p:style>
+        <p:txBody>
+          <a:bodyPr rtlCol="0" anchor="ctr"/>
+          <a:lstStyle/>
+          <a:p>
+            <a:pPr algn="ctr"/>
+            <a:r>
+              <a:rPr lang="en-US" altLang="zh-CN" sz="4800" dirty="0" err="1">
+                <a:solidFill>
+                  <a:srgbClr val="FF0000"/>
+                </a:solidFill>
+              </a:rPr>
+              <a:t>Fn</a:t>
+            </a:r>
+            <a:r>
+              <a:rPr lang="zh-CN" altLang="en-US" sz="4800" dirty="0">
+                <a:solidFill>
+                  <a:srgbClr val="FF0000"/>
+                </a:solidFill>
+              </a:rPr>
+              <a:t>类</a:t>
+            </a:r>
+          </a:p>
+        </p:txBody>
+      </p:sp>
+      <p:sp>
+        <p:nvSpPr>
+          <p:cNvPr id="3" name="矩形 2">
+            <a:extLst>
+              <a:ext uri="{FF2B5EF4-FFF2-40B4-BE49-F238E27FC236}">
+                <a16:creationId xmlns:a16="http://schemas.microsoft.com/office/drawing/2014/main" id="{6B106481-54EE-4CA0-9623-5EB966687D29}"/>
+              </a:ext>
+            </a:extLst>
+          </p:cNvPr>
+          <p:cNvSpPr/>
+          <p:nvPr/>
+        </p:nvSpPr>
+        <p:spPr>
+          <a:xfrm>
+            <a:off x="3368040" y="7419017"/>
+            <a:ext cx="3124200" cy="2807023"/>
+          </a:xfrm>
+          <a:prstGeom prst="rect">
+            <a:avLst/>
+          </a:prstGeom>
+          <a:noFill/>
+        </p:spPr>
+        <p:style>
+          <a:lnRef idx="2">
+            <a:schemeClr val="accent1">
+              <a:shade val="50000"/>
+            </a:schemeClr>
+          </a:lnRef>
+          <a:fillRef idx="1">
+            <a:schemeClr val="accent1"/>
+          </a:fillRef>
+          <a:effectRef idx="0">
+            <a:schemeClr val="accent1"/>
+          </a:effectRef>
+          <a:fontRef idx="minor">
+            <a:schemeClr val="lt1"/>
+          </a:fontRef>
+        </p:style>
+        <p:txBody>
+          <a:bodyPr rtlCol="0" anchor="ctr"/>
+          <a:lstStyle/>
+          <a:p>
+            <a:pPr algn="ctr"/>
+            <a:endParaRPr lang="zh-CN" altLang="en-US" dirty="0">
+              <a:solidFill>
+                <a:schemeClr val="tx1">
+                  <a:lumMod val="95000"/>
+                  <a:lumOff val="5000"/>
+                </a:schemeClr>
+              </a:solidFill>
+            </a:endParaRPr>
+          </a:p>
+        </p:txBody>
+      </p:sp>
+      <p:sp>
+        <p:nvSpPr>
+          <p:cNvPr id="4" name="文本框 3">
+            <a:extLst>
+              <a:ext uri="{FF2B5EF4-FFF2-40B4-BE49-F238E27FC236}">
+                <a16:creationId xmlns:a16="http://schemas.microsoft.com/office/drawing/2014/main" id="{4BE64A94-8FD6-439D-8749-8B9EEB441079}"/>
+              </a:ext>
+            </a:extLst>
+          </p:cNvPr>
+          <p:cNvSpPr txBox="1"/>
+          <p:nvPr/>
+        </p:nvSpPr>
+        <p:spPr>
+          <a:xfrm>
+            <a:off x="3596640" y="7649849"/>
+            <a:ext cx="2346960" cy="1569660"/>
+          </a:xfrm>
+          <a:prstGeom prst="rect">
+            <a:avLst/>
+          </a:prstGeom>
+          <a:noFill/>
+        </p:spPr>
+        <p:txBody>
+          <a:bodyPr wrap="square" rtlCol="0">
+            <a:spAutoFit/>
+          </a:bodyPr>
+          <a:lstStyle/>
+          <a:p>
+            <a:pPr algn="l"/>
+            <a:r>
+              <a:rPr lang="zh-CN" altLang="en-US" sz="3200" dirty="0"/>
+              <a:t>私有属性：</a:t>
+            </a:r>
+            <a:endParaRPr lang="en-US" altLang="zh-CN" sz="3200" dirty="0"/>
+          </a:p>
+          <a:p>
+            <a:pPr algn="l"/>
+            <a:r>
+              <a:rPr lang="en-US" altLang="zh-CN" sz="3200" dirty="0" err="1"/>
+              <a:t>name:’china</a:t>
+            </a:r>
+            <a:r>
+              <a:rPr lang="en-US" altLang="zh-CN" sz="3200" dirty="0"/>
+              <a:t>’,</a:t>
+            </a:r>
+          </a:p>
+          <a:p>
+            <a:pPr algn="l"/>
+            <a:r>
+              <a:rPr lang="en-US" altLang="zh-CN" sz="3200" dirty="0" err="1"/>
+              <a:t>say:’name</a:t>
+            </a:r>
+            <a:r>
+              <a:rPr lang="en-US" altLang="zh-CN" sz="3200" dirty="0"/>
+              <a:t>’</a:t>
+            </a:r>
+            <a:endParaRPr lang="zh-CN" altLang="en-US" sz="3200" dirty="0"/>
+          </a:p>
+        </p:txBody>
+      </p:sp>
+      <p:sp>
+        <p:nvSpPr>
+          <p:cNvPr id="5" name="文本框 4">
+            <a:extLst>
+              <a:ext uri="{FF2B5EF4-FFF2-40B4-BE49-F238E27FC236}">
+                <a16:creationId xmlns:a16="http://schemas.microsoft.com/office/drawing/2014/main" id="{C9E69258-CCFA-4B84-B158-715EF0EFBBC4}"/>
+              </a:ext>
+            </a:extLst>
+          </p:cNvPr>
+          <p:cNvSpPr txBox="1"/>
+          <p:nvPr/>
+        </p:nvSpPr>
+        <p:spPr>
+          <a:xfrm>
+            <a:off x="4069080" y="6649576"/>
+            <a:ext cx="2346960" cy="769441"/>
+          </a:xfrm>
+          <a:prstGeom prst="rect">
+            <a:avLst/>
+          </a:prstGeom>
+          <a:noFill/>
+        </p:spPr>
+        <p:txBody>
+          <a:bodyPr wrap="square" rtlCol="0">
+            <a:spAutoFit/>
+          </a:bodyPr>
+          <a:lstStyle/>
+          <a:p>
+            <a:pPr algn="l"/>
+            <a:r>
+              <a:rPr lang="en-US" altLang="zh-CN" sz="4400" dirty="0"/>
+              <a:t>f(</a:t>
+            </a:r>
+            <a:r>
+              <a:rPr lang="zh-CN" altLang="en-US" sz="4400" dirty="0"/>
+              <a:t>实例</a:t>
+            </a:r>
+            <a:r>
+              <a:rPr lang="en-US" altLang="zh-CN" sz="4400" dirty="0"/>
+              <a:t>)</a:t>
+            </a:r>
+            <a:endParaRPr lang="zh-CN" altLang="en-US" sz="4400" dirty="0"/>
+          </a:p>
+        </p:txBody>
+      </p:sp>
+      <p:sp>
+        <p:nvSpPr>
+          <p:cNvPr id="6" name="文本框 5">
+            <a:extLst>
+              <a:ext uri="{FF2B5EF4-FFF2-40B4-BE49-F238E27FC236}">
+                <a16:creationId xmlns:a16="http://schemas.microsoft.com/office/drawing/2014/main" id="{35B6DDD7-C75D-486B-8FB9-7787DBD1685F}"/>
+              </a:ext>
+            </a:extLst>
+          </p:cNvPr>
+          <p:cNvSpPr txBox="1"/>
+          <p:nvPr/>
+        </p:nvSpPr>
+        <p:spPr>
+          <a:xfrm>
+            <a:off x="1501140" y="4576578"/>
+            <a:ext cx="3215640" cy="646331"/>
+          </a:xfrm>
+          <a:prstGeom prst="rect">
+            <a:avLst/>
+          </a:prstGeom>
+          <a:noFill/>
+        </p:spPr>
+        <p:txBody>
+          <a:bodyPr wrap="square" rtlCol="0">
+            <a:spAutoFit/>
+          </a:bodyPr>
+          <a:lstStyle/>
+          <a:p>
+            <a:pPr algn="l"/>
+            <a:r>
+              <a:rPr lang="en-US" altLang="zh-CN" sz="3600" dirty="0"/>
+              <a:t>prototype(</a:t>
+            </a:r>
+            <a:r>
+              <a:rPr lang="zh-CN" altLang="en-US" sz="3600" dirty="0">
+                <a:solidFill>
+                  <a:srgbClr val="7030A0"/>
+                </a:solidFill>
+              </a:rPr>
+              <a:t>原型</a:t>
+            </a:r>
+            <a:r>
+              <a:rPr lang="en-US" altLang="zh-CN" sz="3600" dirty="0"/>
+              <a:t>)</a:t>
+            </a:r>
+            <a:endParaRPr lang="zh-CN" altLang="en-US" sz="3600" dirty="0"/>
+          </a:p>
+        </p:txBody>
+      </p:sp>
+      <p:sp>
+        <p:nvSpPr>
+          <p:cNvPr id="7" name="矩形 6">
+            <a:extLst>
+              <a:ext uri="{FF2B5EF4-FFF2-40B4-BE49-F238E27FC236}">
+                <a16:creationId xmlns:a16="http://schemas.microsoft.com/office/drawing/2014/main" id="{1EAEA92F-1D0C-487E-B740-7AC3DDBEC722}"/>
+              </a:ext>
+            </a:extLst>
+          </p:cNvPr>
+          <p:cNvSpPr/>
+          <p:nvPr/>
+        </p:nvSpPr>
+        <p:spPr>
+          <a:xfrm>
+            <a:off x="6141720" y="919321"/>
+            <a:ext cx="3154680" cy="4480560"/>
+          </a:xfrm>
+          <a:prstGeom prst="rect">
+            <a:avLst/>
+          </a:prstGeom>
+          <a:noFill/>
+        </p:spPr>
+        <p:style>
+          <a:lnRef idx="2">
+            <a:schemeClr val="accent1">
+              <a:shade val="50000"/>
+            </a:schemeClr>
+          </a:lnRef>
+          <a:fillRef idx="1">
+            <a:schemeClr val="accent1"/>
+          </a:fillRef>
+          <a:effectRef idx="0">
+            <a:schemeClr val="accent1"/>
+          </a:effectRef>
+          <a:fontRef idx="minor">
+            <a:schemeClr val="lt1"/>
+          </a:fontRef>
+        </p:style>
+        <p:txBody>
+          <a:bodyPr rot="0" spcFirstLastPara="0" vertOverflow="overflow" horzOverflow="overflow" vert="horz" wrap="square" lIns="91440" tIns="45720" rIns="91440" bIns="45720" numCol="1" spcCol="0" rtlCol="0" fromWordArt="0" anchor="ctr" anchorCtr="0" forceAA="0" compatLnSpc="1">
+            <a:prstTxWarp prst="textNoShape">
+              <a:avLst/>
+            </a:prstTxWarp>
+            <a:noAutofit/>
+          </a:bodyPr>
+          <a:lstStyle/>
+          <a:p>
+            <a:pPr algn="ctr"/>
+            <a:endParaRPr lang="zh-CN" altLang="en-US" sz="4400" dirty="0">
+              <a:solidFill>
+                <a:schemeClr val="tx1">
+                  <a:lumMod val="95000"/>
+                  <a:lumOff val="5000"/>
+                </a:schemeClr>
+              </a:solidFill>
+            </a:endParaRPr>
+          </a:p>
+        </p:txBody>
+      </p:sp>
+      <p:sp>
+        <p:nvSpPr>
+          <p:cNvPr id="8" name="文本框 7">
+            <a:extLst>
+              <a:ext uri="{FF2B5EF4-FFF2-40B4-BE49-F238E27FC236}">
+                <a16:creationId xmlns:a16="http://schemas.microsoft.com/office/drawing/2014/main" id="{47589F8B-16E6-41F9-ACCA-0A80BBD11EB8}"/>
+              </a:ext>
+            </a:extLst>
+          </p:cNvPr>
+          <p:cNvSpPr txBox="1"/>
+          <p:nvPr/>
+        </p:nvSpPr>
+        <p:spPr>
+          <a:xfrm>
+            <a:off x="6324600" y="2082383"/>
+            <a:ext cx="2331374" cy="1077218"/>
+          </a:xfrm>
+          <a:prstGeom prst="rect">
+            <a:avLst/>
+          </a:prstGeom>
+          <a:noFill/>
+        </p:spPr>
+        <p:txBody>
+          <a:bodyPr wrap="square" rtlCol="0">
+            <a:spAutoFit/>
+          </a:bodyPr>
+          <a:lstStyle/>
+          <a:p>
+            <a:pPr algn="l"/>
+            <a:r>
+              <a:rPr lang="zh-CN" altLang="en-US" sz="3200" dirty="0"/>
+              <a:t>公有属性</a:t>
+            </a:r>
+            <a:endParaRPr lang="en-US" altLang="zh-CN" sz="3200" dirty="0"/>
+          </a:p>
+          <a:p>
+            <a:pPr algn="l"/>
+            <a:r>
+              <a:rPr lang="zh-CN" altLang="en-US" sz="3200" dirty="0"/>
+              <a:t>空对象</a:t>
+            </a:r>
+          </a:p>
+        </p:txBody>
+      </p:sp>
+      <p:cxnSp>
+        <p:nvCxnSpPr>
+          <p:cNvPr id="10" name="直接箭头连接符 9">
+            <a:extLst>
+              <a:ext uri="{FF2B5EF4-FFF2-40B4-BE49-F238E27FC236}">
+                <a16:creationId xmlns:a16="http://schemas.microsoft.com/office/drawing/2014/main" id="{2A21CF42-87F9-43C1-A96A-430F350F8408}"/>
+              </a:ext>
+            </a:extLst>
+          </p:cNvPr>
+          <p:cNvCxnSpPr/>
+          <p:nvPr/>
+        </p:nvCxnSpPr>
+        <p:spPr>
+          <a:xfrm flipV="1">
+            <a:off x="4541520" y="2636520"/>
+            <a:ext cx="1600200" cy="2302902"/>
+          </a:xfrm>
+          <a:prstGeom prst="straightConnector1">
+            <a:avLst/>
+          </a:prstGeom>
+          <a:ln w="57150">
+            <a:tailEnd type="triangle"/>
+          </a:ln>
+        </p:spPr>
+        <p:style>
+          <a:lnRef idx="1">
+            <a:schemeClr val="accent1"/>
+          </a:lnRef>
+          <a:fillRef idx="0">
+            <a:schemeClr val="accent1"/>
+          </a:fillRef>
+          <a:effectRef idx="0">
+            <a:schemeClr val="accent1"/>
+          </a:effectRef>
+          <a:fontRef idx="minor">
+            <a:schemeClr val="tx1"/>
+          </a:fontRef>
+        </p:style>
+      </p:cxnSp>
+      <p:cxnSp>
+        <p:nvCxnSpPr>
+          <p:cNvPr id="13" name="连接符: 肘形 12">
+            <a:extLst>
+              <a:ext uri="{FF2B5EF4-FFF2-40B4-BE49-F238E27FC236}">
+                <a16:creationId xmlns:a16="http://schemas.microsoft.com/office/drawing/2014/main" id="{B3734E93-722F-4292-ACBF-843BC05781A1}"/>
+              </a:ext>
+            </a:extLst>
+          </p:cNvPr>
+          <p:cNvCxnSpPr>
+            <a:cxnSpLocks/>
+            <a:endCxn id="2" idx="0"/>
+          </p:cNvCxnSpPr>
+          <p:nvPr/>
+        </p:nvCxnSpPr>
+        <p:spPr>
+          <a:xfrm flipH="1" flipV="1">
+            <a:off x="3108960" y="919321"/>
+            <a:ext cx="6096000" cy="370537"/>
+          </a:xfrm>
+          <a:prstGeom prst="bentConnector4">
+            <a:avLst>
+              <a:gd name="adj1" fmla="val -3750"/>
+              <a:gd name="adj2" fmla="val 272744"/>
+            </a:avLst>
+          </a:prstGeom>
+          <a:ln w="38100">
+            <a:tailEnd type="triangle"/>
+          </a:ln>
+        </p:spPr>
+        <p:style>
+          <a:lnRef idx="1">
+            <a:schemeClr val="accent1"/>
+          </a:lnRef>
+          <a:fillRef idx="0">
+            <a:schemeClr val="accent1"/>
+          </a:fillRef>
+          <a:effectRef idx="0">
+            <a:schemeClr val="accent1"/>
+          </a:effectRef>
+          <a:fontRef idx="minor">
+            <a:schemeClr val="tx1"/>
+          </a:fontRef>
+        </p:style>
+      </p:cxnSp>
+      <p:cxnSp>
+        <p:nvCxnSpPr>
+          <p:cNvPr id="16" name="直接连接符 15">
+            <a:extLst>
+              <a:ext uri="{FF2B5EF4-FFF2-40B4-BE49-F238E27FC236}">
+                <a16:creationId xmlns:a16="http://schemas.microsoft.com/office/drawing/2014/main" id="{E8AC9F45-6858-4116-A909-88399AA0979C}"/>
+              </a:ext>
+            </a:extLst>
+          </p:cNvPr>
+          <p:cNvCxnSpPr/>
+          <p:nvPr/>
+        </p:nvCxnSpPr>
+        <p:spPr>
+          <a:xfrm>
+            <a:off x="6156960" y="1798320"/>
+            <a:ext cx="3139440" cy="0"/>
+          </a:xfrm>
+          <a:prstGeom prst="line">
+            <a:avLst/>
+          </a:prstGeom>
+        </p:spPr>
+        <p:style>
+          <a:lnRef idx="1">
+            <a:schemeClr val="accent1"/>
+          </a:lnRef>
+          <a:fillRef idx="0">
+            <a:schemeClr val="accent1"/>
+          </a:fillRef>
+          <a:effectRef idx="0">
+            <a:schemeClr val="accent1"/>
+          </a:effectRef>
+          <a:fontRef idx="minor">
+            <a:schemeClr val="tx1"/>
+          </a:fontRef>
+        </p:style>
+      </p:cxnSp>
+      <p:sp>
+        <p:nvSpPr>
+          <p:cNvPr id="17" name="文本框 16">
+            <a:extLst>
+              <a:ext uri="{FF2B5EF4-FFF2-40B4-BE49-F238E27FC236}">
+                <a16:creationId xmlns:a16="http://schemas.microsoft.com/office/drawing/2014/main" id="{411B5BD2-B539-4F64-AAEC-B6D4D4DE50A3}"/>
+              </a:ext>
+            </a:extLst>
+          </p:cNvPr>
+          <p:cNvSpPr txBox="1"/>
+          <p:nvPr/>
+        </p:nvSpPr>
+        <p:spPr>
+          <a:xfrm>
+            <a:off x="1645920" y="1104589"/>
+            <a:ext cx="2895600" cy="584775"/>
+          </a:xfrm>
+          <a:prstGeom prst="rect">
+            <a:avLst/>
+          </a:prstGeom>
+          <a:noFill/>
+        </p:spPr>
+        <p:txBody>
+          <a:bodyPr wrap="square" rtlCol="0">
+            <a:spAutoFit/>
+          </a:bodyPr>
+          <a:lstStyle/>
+          <a:p>
+            <a:pPr algn="l"/>
+            <a:r>
+              <a:rPr lang="en-US" altLang="zh-CN" sz="3200" dirty="0" err="1"/>
+              <a:t>this.xxx</a:t>
+            </a:r>
+            <a:r>
+              <a:rPr lang="en-US" altLang="zh-CN" sz="3200" dirty="0"/>
+              <a:t> =xxx</a:t>
+            </a:r>
+            <a:endParaRPr lang="zh-CN" altLang="en-US" sz="3200" dirty="0"/>
+          </a:p>
+        </p:txBody>
+      </p:sp>
+      <p:sp>
+        <p:nvSpPr>
+          <p:cNvPr id="18" name="文本框 17">
+            <a:extLst>
+              <a:ext uri="{FF2B5EF4-FFF2-40B4-BE49-F238E27FC236}">
+                <a16:creationId xmlns:a16="http://schemas.microsoft.com/office/drawing/2014/main" id="{4851CE7E-5117-40EC-8CED-4CD5DAC7B1A6}"/>
+              </a:ext>
+            </a:extLst>
+          </p:cNvPr>
+          <p:cNvSpPr txBox="1"/>
+          <p:nvPr/>
+        </p:nvSpPr>
+        <p:spPr>
+          <a:xfrm>
+            <a:off x="3672840" y="9289209"/>
+            <a:ext cx="2560320" cy="707886"/>
+          </a:xfrm>
+          <a:prstGeom prst="rect">
+            <a:avLst/>
+          </a:prstGeom>
+          <a:noFill/>
+        </p:spPr>
+        <p:txBody>
+          <a:bodyPr wrap="square" rtlCol="0">
+            <a:spAutoFit/>
+          </a:bodyPr>
+          <a:lstStyle/>
+          <a:p>
+            <a:pPr algn="l"/>
+            <a:r>
+              <a:rPr lang="en-US" altLang="zh-CN" sz="4000" dirty="0">
+                <a:solidFill>
+                  <a:srgbClr val="00B050"/>
+                </a:solidFill>
+              </a:rPr>
+              <a:t>__proto__</a:t>
+            </a:r>
+            <a:endParaRPr lang="zh-CN" altLang="en-US" sz="4000" dirty="0">
+              <a:solidFill>
+                <a:srgbClr val="00B050"/>
+              </a:solidFill>
+            </a:endParaRPr>
+          </a:p>
+        </p:txBody>
+      </p:sp>
+      <p:cxnSp>
+        <p:nvCxnSpPr>
+          <p:cNvPr id="20" name="连接符: 肘形 19">
+            <a:extLst>
+              <a:ext uri="{FF2B5EF4-FFF2-40B4-BE49-F238E27FC236}">
+                <a16:creationId xmlns:a16="http://schemas.microsoft.com/office/drawing/2014/main" id="{1C3152D9-8D03-4A42-948A-FC365736588D}"/>
+              </a:ext>
+            </a:extLst>
+          </p:cNvPr>
+          <p:cNvCxnSpPr>
+            <a:stCxn id="18" idx="3"/>
+            <a:endCxn id="7" idx="2"/>
+          </p:cNvCxnSpPr>
+          <p:nvPr/>
+        </p:nvCxnSpPr>
+        <p:spPr>
+          <a:xfrm flipV="1">
+            <a:off x="6233160" y="5399881"/>
+            <a:ext cx="1485900" cy="4243271"/>
+          </a:xfrm>
+          <a:prstGeom prst="bentConnector2">
+            <a:avLst/>
+          </a:prstGeom>
+          <a:ln w="38100">
+            <a:solidFill>
+              <a:srgbClr val="00B050"/>
+            </a:solidFill>
+            <a:tailEnd type="triangle"/>
+          </a:ln>
+        </p:spPr>
+        <p:style>
+          <a:lnRef idx="1">
+            <a:schemeClr val="accent1"/>
+          </a:lnRef>
+          <a:fillRef idx="0">
+            <a:schemeClr val="accent1"/>
+          </a:fillRef>
+          <a:effectRef idx="0">
+            <a:schemeClr val="accent1"/>
+          </a:effectRef>
+          <a:fontRef idx="minor">
+            <a:schemeClr val="tx1"/>
+          </a:fontRef>
+        </p:style>
+      </p:cxnSp>
+      <p:sp>
+        <p:nvSpPr>
+          <p:cNvPr id="22" name="对话气泡: 椭圆形 21">
+            <a:extLst>
+              <a:ext uri="{FF2B5EF4-FFF2-40B4-BE49-F238E27FC236}">
+                <a16:creationId xmlns:a16="http://schemas.microsoft.com/office/drawing/2014/main" id="{56A4A825-3A80-4C78-A058-B7D5B770195E}"/>
+              </a:ext>
+            </a:extLst>
+          </p:cNvPr>
+          <p:cNvSpPr/>
+          <p:nvPr/>
+        </p:nvSpPr>
+        <p:spPr>
+          <a:xfrm>
+            <a:off x="987479" y="8671560"/>
+            <a:ext cx="2121481" cy="971592"/>
+          </a:xfrm>
+          <a:prstGeom prst="wedgeEllipseCallout">
+            <a:avLst>
+              <a:gd name="adj1" fmla="val 79020"/>
+              <a:gd name="adj2" fmla="val 62500"/>
+            </a:avLst>
+          </a:prstGeom>
+          <a:noFill/>
+        </p:spPr>
+        <p:style>
+          <a:lnRef idx="2">
+            <a:schemeClr val="accent1">
+              <a:shade val="50000"/>
+            </a:schemeClr>
+          </a:lnRef>
+          <a:fillRef idx="1">
+            <a:schemeClr val="accent1"/>
+          </a:fillRef>
+          <a:effectRef idx="0">
+            <a:schemeClr val="accent1"/>
+          </a:effectRef>
+          <a:fontRef idx="minor">
+            <a:schemeClr val="lt1"/>
+          </a:fontRef>
+        </p:style>
+        <p:txBody>
+          <a:bodyPr rot="0" spcFirstLastPara="0" vertOverflow="overflow" horzOverflow="overflow" vert="horz" wrap="square" lIns="91440" tIns="45720" rIns="91440" bIns="45720" numCol="1" spcCol="0" rtlCol="0" fromWordArt="0" anchor="ctr" anchorCtr="0" forceAA="0" compatLnSpc="1">
+            <a:prstTxWarp prst="textNoShape">
+              <a:avLst/>
+            </a:prstTxWarp>
+            <a:noAutofit/>
+          </a:bodyPr>
+          <a:lstStyle/>
+          <a:p>
+            <a:pPr algn="ctr"/>
+            <a:r>
+              <a:rPr lang="zh-CN" altLang="en-US" sz="2800" dirty="0">
+                <a:solidFill>
+                  <a:schemeClr val="tx1">
+                    <a:lumMod val="95000"/>
+                    <a:lumOff val="5000"/>
+                  </a:schemeClr>
+                </a:solidFill>
+              </a:rPr>
+              <a:t>原型链</a:t>
+            </a:r>
+          </a:p>
+        </p:txBody>
+      </p:sp>
+      <p:sp>
+        <p:nvSpPr>
+          <p:cNvPr id="24" name="文本框 23">
+            <a:extLst>
+              <a:ext uri="{FF2B5EF4-FFF2-40B4-BE49-F238E27FC236}">
+                <a16:creationId xmlns:a16="http://schemas.microsoft.com/office/drawing/2014/main" id="{3BF7DFD7-E8FB-4873-AA3E-61BD92B29B63}"/>
+              </a:ext>
+            </a:extLst>
+          </p:cNvPr>
+          <p:cNvSpPr txBox="1"/>
+          <p:nvPr/>
+        </p:nvSpPr>
+        <p:spPr>
+          <a:xfrm>
+            <a:off x="6543330" y="4537475"/>
+            <a:ext cx="2560320" cy="707886"/>
+          </a:xfrm>
+          <a:prstGeom prst="rect">
+            <a:avLst/>
+          </a:prstGeom>
+          <a:noFill/>
+        </p:spPr>
+        <p:txBody>
+          <a:bodyPr wrap="square" rtlCol="0">
+            <a:spAutoFit/>
+          </a:bodyPr>
+          <a:lstStyle/>
+          <a:p>
+            <a:pPr algn="l"/>
+            <a:r>
+              <a:rPr lang="en-US" altLang="zh-CN" sz="4000" dirty="0">
+                <a:solidFill>
+                  <a:srgbClr val="00B050"/>
+                </a:solidFill>
+              </a:rPr>
+              <a:t>__proto__</a:t>
+            </a:r>
+            <a:endParaRPr lang="zh-CN" altLang="en-US" sz="4000" dirty="0">
+              <a:solidFill>
+                <a:srgbClr val="00B050"/>
+              </a:solidFill>
+            </a:endParaRPr>
+          </a:p>
+        </p:txBody>
+      </p:sp>
+      <p:sp>
+        <p:nvSpPr>
+          <p:cNvPr id="25" name="矩形 24">
+            <a:extLst>
+              <a:ext uri="{FF2B5EF4-FFF2-40B4-BE49-F238E27FC236}">
+                <a16:creationId xmlns:a16="http://schemas.microsoft.com/office/drawing/2014/main" id="{F72686BF-F5FA-4044-8BD4-91A5D0E54C3B}"/>
+              </a:ext>
+            </a:extLst>
+          </p:cNvPr>
+          <p:cNvSpPr/>
+          <p:nvPr/>
+        </p:nvSpPr>
+        <p:spPr>
+          <a:xfrm>
+            <a:off x="18082258" y="764801"/>
+            <a:ext cx="3604261" cy="4480560"/>
+          </a:xfrm>
+          <a:prstGeom prst="rect">
+            <a:avLst/>
+          </a:prstGeom>
+          <a:noFill/>
+        </p:spPr>
+        <p:style>
+          <a:lnRef idx="2">
+            <a:schemeClr val="accent1">
+              <a:shade val="50000"/>
+            </a:schemeClr>
+          </a:lnRef>
+          <a:fillRef idx="1">
+            <a:schemeClr val="accent1"/>
+          </a:fillRef>
+          <a:effectRef idx="0">
+            <a:schemeClr val="accent1"/>
+          </a:effectRef>
+          <a:fontRef idx="minor">
+            <a:schemeClr val="lt1"/>
+          </a:fontRef>
+        </p:style>
+        <p:txBody>
+          <a:bodyPr rot="0" spcFirstLastPara="0" vertOverflow="overflow" horzOverflow="overflow" vert="horz" wrap="square" lIns="91440" tIns="45720" rIns="91440" bIns="45720" numCol="1" spcCol="0" rtlCol="0" fromWordArt="0" anchor="ctr" anchorCtr="0" forceAA="0" compatLnSpc="1">
+            <a:prstTxWarp prst="textNoShape">
+              <a:avLst/>
+            </a:prstTxWarp>
+            <a:noAutofit/>
+          </a:bodyPr>
+          <a:lstStyle/>
+          <a:p>
+            <a:pPr algn="ctr"/>
+            <a:r>
+              <a:rPr lang="en-US" altLang="zh-CN" sz="4400" dirty="0">
+                <a:solidFill>
+                  <a:srgbClr val="FF0000"/>
+                </a:solidFill>
+              </a:rPr>
+              <a:t>Object</a:t>
+            </a:r>
+            <a:r>
+              <a:rPr lang="en-US" altLang="zh-CN" sz="4400" dirty="0">
+                <a:solidFill>
+                  <a:schemeClr val="tx1">
+                    <a:lumMod val="95000"/>
+                    <a:lumOff val="5000"/>
+                  </a:schemeClr>
+                </a:solidFill>
+              </a:rPr>
+              <a:t>(</a:t>
+            </a:r>
+            <a:r>
+              <a:rPr lang="zh-CN" altLang="en-US" sz="4400" dirty="0">
+                <a:solidFill>
+                  <a:schemeClr val="tx1">
+                    <a:lumMod val="95000"/>
+                    <a:lumOff val="5000"/>
+                  </a:schemeClr>
+                </a:solidFill>
+              </a:rPr>
+              <a:t>基类</a:t>
+            </a:r>
+            <a:r>
+              <a:rPr lang="en-US" altLang="zh-CN" sz="4400" dirty="0">
+                <a:solidFill>
+                  <a:schemeClr val="tx1">
+                    <a:lumMod val="95000"/>
+                    <a:lumOff val="5000"/>
+                  </a:schemeClr>
+                </a:solidFill>
+              </a:rPr>
+              <a:t>)</a:t>
+            </a:r>
+            <a:endParaRPr lang="zh-CN" altLang="en-US" sz="4400" dirty="0">
+              <a:solidFill>
+                <a:schemeClr val="tx1">
+                  <a:lumMod val="95000"/>
+                  <a:lumOff val="5000"/>
+                </a:schemeClr>
+              </a:solidFill>
+            </a:endParaRPr>
+          </a:p>
+        </p:txBody>
+      </p:sp>
+      <p:sp>
+        <p:nvSpPr>
+          <p:cNvPr id="26" name="矩形 25">
+            <a:extLst>
+              <a:ext uri="{FF2B5EF4-FFF2-40B4-BE49-F238E27FC236}">
+                <a16:creationId xmlns:a16="http://schemas.microsoft.com/office/drawing/2014/main" id="{1BD5F1B4-8431-4BDD-9936-B9C2DA8C1FD3}"/>
+              </a:ext>
+            </a:extLst>
+          </p:cNvPr>
+          <p:cNvSpPr/>
+          <p:nvPr/>
+        </p:nvSpPr>
+        <p:spPr>
+          <a:xfrm>
+            <a:off x="13830298" y="764801"/>
+            <a:ext cx="3604261" cy="4480560"/>
+          </a:xfrm>
+          <a:prstGeom prst="rect">
+            <a:avLst/>
+          </a:prstGeom>
+          <a:noFill/>
+        </p:spPr>
+        <p:style>
+          <a:lnRef idx="2">
+            <a:schemeClr val="accent1">
+              <a:shade val="50000"/>
+            </a:schemeClr>
+          </a:lnRef>
+          <a:fillRef idx="1">
+            <a:schemeClr val="accent1"/>
+          </a:fillRef>
+          <a:effectRef idx="0">
+            <a:schemeClr val="accent1"/>
+          </a:effectRef>
+          <a:fontRef idx="minor">
+            <a:schemeClr val="lt1"/>
+          </a:fontRef>
+        </p:style>
+        <p:txBody>
+          <a:bodyPr rot="0" spcFirstLastPara="0" vertOverflow="overflow" horzOverflow="overflow" vert="horz" wrap="square" lIns="91440" tIns="45720" rIns="91440" bIns="45720" numCol="1" spcCol="0" rtlCol="0" fromWordArt="0" anchor="ctr" anchorCtr="0" forceAA="0" compatLnSpc="1">
+            <a:prstTxWarp prst="textNoShape">
+              <a:avLst/>
+            </a:prstTxWarp>
+            <a:noAutofit/>
+          </a:bodyPr>
+          <a:lstStyle/>
+          <a:p>
+            <a:pPr algn="ctr"/>
+            <a:r>
+              <a:rPr lang="en-US" altLang="zh-CN" sz="3600" dirty="0">
+                <a:solidFill>
+                  <a:schemeClr val="tx1">
+                    <a:lumMod val="95000"/>
+                    <a:lumOff val="5000"/>
+                  </a:schemeClr>
+                </a:solidFill>
+              </a:rPr>
+              <a:t>prototype(</a:t>
+            </a:r>
+            <a:r>
+              <a:rPr lang="zh-CN" altLang="en-US" sz="3600" dirty="0">
+                <a:solidFill>
+                  <a:schemeClr val="tx1">
+                    <a:lumMod val="95000"/>
+                    <a:lumOff val="5000"/>
+                  </a:schemeClr>
+                </a:solidFill>
+              </a:rPr>
+              <a:t>原型</a:t>
+            </a:r>
+            <a:r>
+              <a:rPr lang="en-US" altLang="zh-CN" sz="3600" dirty="0">
+                <a:solidFill>
+                  <a:schemeClr val="tx1">
+                    <a:lumMod val="95000"/>
+                    <a:lumOff val="5000"/>
+                  </a:schemeClr>
+                </a:solidFill>
+              </a:rPr>
+              <a:t>)</a:t>
+            </a:r>
+            <a:endParaRPr lang="zh-CN" altLang="en-US" sz="3600" dirty="0">
+              <a:solidFill>
+                <a:schemeClr val="tx1">
+                  <a:lumMod val="95000"/>
+                  <a:lumOff val="5000"/>
+                </a:schemeClr>
+              </a:solidFill>
+            </a:endParaRPr>
+          </a:p>
+        </p:txBody>
+      </p:sp>
+      <p:cxnSp>
+        <p:nvCxnSpPr>
+          <p:cNvPr id="28" name="连接符: 肘形 27">
+            <a:extLst>
+              <a:ext uri="{FF2B5EF4-FFF2-40B4-BE49-F238E27FC236}">
+                <a16:creationId xmlns:a16="http://schemas.microsoft.com/office/drawing/2014/main" id="{7658E2B0-E36B-4C37-85F4-7374D3424351}"/>
+              </a:ext>
+            </a:extLst>
+          </p:cNvPr>
+          <p:cNvCxnSpPr>
+            <a:stCxn id="24" idx="3"/>
+            <a:endCxn id="26" idx="1"/>
+          </p:cNvCxnSpPr>
+          <p:nvPr/>
+        </p:nvCxnSpPr>
+        <p:spPr>
+          <a:xfrm flipV="1">
+            <a:off x="9103650" y="3005081"/>
+            <a:ext cx="4726648" cy="1886337"/>
+          </a:xfrm>
+          <a:prstGeom prst="bentConnector3">
+            <a:avLst/>
+          </a:prstGeom>
+          <a:ln w="38100">
+            <a:solidFill>
+              <a:srgbClr val="00B050"/>
+            </a:solidFill>
+            <a:tailEnd type="triangle"/>
+          </a:ln>
+        </p:spPr>
+        <p:style>
+          <a:lnRef idx="1">
+            <a:schemeClr val="accent1"/>
+          </a:lnRef>
+          <a:fillRef idx="0">
+            <a:schemeClr val="accent1"/>
+          </a:fillRef>
+          <a:effectRef idx="0">
+            <a:schemeClr val="accent1"/>
+          </a:effectRef>
+          <a:fontRef idx="minor">
+            <a:schemeClr val="tx1"/>
+          </a:fontRef>
+        </p:style>
+      </p:cxnSp>
+      <p:sp>
+        <p:nvSpPr>
+          <p:cNvPr id="29" name="文本框 28">
+            <a:extLst>
+              <a:ext uri="{FF2B5EF4-FFF2-40B4-BE49-F238E27FC236}">
+                <a16:creationId xmlns:a16="http://schemas.microsoft.com/office/drawing/2014/main" id="{16D07F5B-70C2-46F7-B166-3E810331280B}"/>
+              </a:ext>
+            </a:extLst>
+          </p:cNvPr>
+          <p:cNvSpPr txBox="1"/>
+          <p:nvPr/>
+        </p:nvSpPr>
+        <p:spPr>
+          <a:xfrm>
+            <a:off x="18276568" y="4520779"/>
+            <a:ext cx="3215640" cy="646331"/>
+          </a:xfrm>
+          <a:prstGeom prst="rect">
+            <a:avLst/>
+          </a:prstGeom>
+          <a:noFill/>
+        </p:spPr>
+        <p:txBody>
+          <a:bodyPr wrap="square" rtlCol="0">
+            <a:spAutoFit/>
+          </a:bodyPr>
+          <a:lstStyle/>
+          <a:p>
+            <a:pPr algn="l"/>
+            <a:r>
+              <a:rPr lang="en-US" altLang="zh-CN" sz="3600" dirty="0"/>
+              <a:t>prototype(</a:t>
+            </a:r>
+            <a:r>
+              <a:rPr lang="zh-CN" altLang="en-US" sz="3600" dirty="0">
+                <a:solidFill>
+                  <a:srgbClr val="7030A0"/>
+                </a:solidFill>
+              </a:rPr>
+              <a:t>原型</a:t>
+            </a:r>
+            <a:r>
+              <a:rPr lang="en-US" altLang="zh-CN" sz="3600" dirty="0"/>
+              <a:t>)</a:t>
+            </a:r>
+            <a:endParaRPr lang="zh-CN" altLang="en-US" sz="3600" dirty="0"/>
+          </a:p>
+        </p:txBody>
+      </p:sp>
+      <p:cxnSp>
+        <p:nvCxnSpPr>
+          <p:cNvPr id="31" name="直接箭头连接符 30">
+            <a:extLst>
+              <a:ext uri="{FF2B5EF4-FFF2-40B4-BE49-F238E27FC236}">
+                <a16:creationId xmlns:a16="http://schemas.microsoft.com/office/drawing/2014/main" id="{AA886EB5-731E-4B1C-9B81-8FA723915D94}"/>
+              </a:ext>
+            </a:extLst>
+          </p:cNvPr>
+          <p:cNvCxnSpPr>
+            <a:stCxn id="29" idx="1"/>
+            <a:endCxn id="26" idx="3"/>
+          </p:cNvCxnSpPr>
+          <p:nvPr/>
+        </p:nvCxnSpPr>
+        <p:spPr>
+          <a:xfrm flipH="1" flipV="1">
+            <a:off x="17434559" y="3005081"/>
+            <a:ext cx="842009" cy="1838864"/>
+          </a:xfrm>
+          <a:prstGeom prst="straightConnector1">
+            <a:avLst/>
+          </a:prstGeom>
+          <a:ln w="38100">
+            <a:solidFill>
+              <a:srgbClr val="0070C0"/>
+            </a:solidFill>
+            <a:tailEnd type="triangle"/>
+          </a:ln>
+        </p:spPr>
+        <p:style>
+          <a:lnRef idx="1">
+            <a:schemeClr val="accent1"/>
+          </a:lnRef>
+          <a:fillRef idx="0">
+            <a:schemeClr val="accent1"/>
+          </a:fillRef>
+          <a:effectRef idx="0">
+            <a:schemeClr val="accent1"/>
+          </a:effectRef>
+          <a:fontRef idx="minor">
+            <a:schemeClr val="tx1"/>
+          </a:fontRef>
+        </p:style>
+      </p:cxnSp>
+      <p:sp>
+        <p:nvSpPr>
+          <p:cNvPr id="33" name="文本框 32">
+            <a:extLst>
+              <a:ext uri="{FF2B5EF4-FFF2-40B4-BE49-F238E27FC236}">
+                <a16:creationId xmlns:a16="http://schemas.microsoft.com/office/drawing/2014/main" id="{480E39C9-80C7-4B94-AF3F-0A26D43FD5C4}"/>
+              </a:ext>
+            </a:extLst>
+          </p:cNvPr>
+          <p:cNvSpPr txBox="1"/>
+          <p:nvPr/>
+        </p:nvSpPr>
+        <p:spPr>
+          <a:xfrm>
+            <a:off x="13921738" y="994755"/>
+            <a:ext cx="3604260" cy="584775"/>
+          </a:xfrm>
+          <a:prstGeom prst="rect">
+            <a:avLst/>
+          </a:prstGeom>
+          <a:noFill/>
+        </p:spPr>
+        <p:txBody>
+          <a:bodyPr wrap="square" rtlCol="0">
+            <a:spAutoFit/>
+          </a:bodyPr>
+          <a:lstStyle/>
+          <a:p>
+            <a:pPr algn="l"/>
+            <a:r>
+              <a:rPr lang="en-US" altLang="zh-CN" sz="3200" dirty="0"/>
+              <a:t>constructor : </a:t>
+            </a:r>
+            <a:r>
+              <a:rPr lang="en-US" altLang="zh-CN" sz="3200" dirty="0">
+                <a:solidFill>
+                  <a:srgbClr val="FF0000"/>
+                </a:solidFill>
+              </a:rPr>
+              <a:t>Object</a:t>
+            </a:r>
+            <a:endParaRPr lang="zh-CN" altLang="en-US" sz="3200" dirty="0">
+              <a:solidFill>
+                <a:srgbClr val="FF0000"/>
+              </a:solidFill>
+            </a:endParaRPr>
+          </a:p>
+        </p:txBody>
+      </p:sp>
+      <p:sp>
+        <p:nvSpPr>
+          <p:cNvPr id="35" name="文本框 34">
+            <a:extLst>
+              <a:ext uri="{FF2B5EF4-FFF2-40B4-BE49-F238E27FC236}">
+                <a16:creationId xmlns:a16="http://schemas.microsoft.com/office/drawing/2014/main" id="{87B706B4-1F57-41FE-AE92-99F5E1DB2DF6}"/>
+              </a:ext>
+            </a:extLst>
+          </p:cNvPr>
+          <p:cNvSpPr txBox="1"/>
+          <p:nvPr/>
+        </p:nvSpPr>
+        <p:spPr>
+          <a:xfrm>
+            <a:off x="14277974" y="4459224"/>
+            <a:ext cx="2560320" cy="707886"/>
+          </a:xfrm>
+          <a:prstGeom prst="rect">
+            <a:avLst/>
+          </a:prstGeom>
+          <a:noFill/>
+        </p:spPr>
+        <p:txBody>
+          <a:bodyPr wrap="square" rtlCol="0">
+            <a:spAutoFit/>
+          </a:bodyPr>
+          <a:lstStyle/>
+          <a:p>
+            <a:pPr algn="l"/>
+            <a:r>
+              <a:rPr lang="en-US" altLang="zh-CN" sz="4000" dirty="0">
+                <a:solidFill>
+                  <a:srgbClr val="00B050"/>
+                </a:solidFill>
+              </a:rPr>
+              <a:t>__proto__</a:t>
+            </a:r>
+            <a:endParaRPr lang="zh-CN" altLang="en-US" sz="4000" dirty="0">
+              <a:solidFill>
+                <a:srgbClr val="00B050"/>
+              </a:solidFill>
+            </a:endParaRPr>
+          </a:p>
+        </p:txBody>
+      </p:sp>
+      <p:cxnSp>
+        <p:nvCxnSpPr>
+          <p:cNvPr id="39" name="直接连接符 38">
+            <a:extLst>
+              <a:ext uri="{FF2B5EF4-FFF2-40B4-BE49-F238E27FC236}">
+                <a16:creationId xmlns:a16="http://schemas.microsoft.com/office/drawing/2014/main" id="{3BDF2D18-C49E-4977-B3A2-CA7CDE3E34F2}"/>
+              </a:ext>
+            </a:extLst>
+          </p:cNvPr>
+          <p:cNvCxnSpPr/>
+          <p:nvPr/>
+        </p:nvCxnSpPr>
+        <p:spPr>
+          <a:xfrm>
+            <a:off x="14024608" y="4889664"/>
+            <a:ext cx="3068956" cy="0"/>
+          </a:xfrm>
+          <a:prstGeom prst="line">
+            <a:avLst/>
+          </a:prstGeom>
+          <a:ln w="28575">
+            <a:solidFill>
+              <a:srgbClr val="FF0000"/>
+            </a:solidFill>
+          </a:ln>
+        </p:spPr>
+        <p:style>
+          <a:lnRef idx="1">
+            <a:schemeClr val="accent1"/>
+          </a:lnRef>
+          <a:fillRef idx="0">
+            <a:schemeClr val="accent1"/>
+          </a:fillRef>
+          <a:effectRef idx="0">
+            <a:schemeClr val="accent1"/>
+          </a:effectRef>
+          <a:fontRef idx="minor">
+            <a:schemeClr val="tx1"/>
+          </a:fontRef>
+        </p:style>
+      </p:cxnSp>
+      <p:cxnSp>
+        <p:nvCxnSpPr>
+          <p:cNvPr id="41" name="连接符: 肘形 40">
+            <a:extLst>
+              <a:ext uri="{FF2B5EF4-FFF2-40B4-BE49-F238E27FC236}">
+                <a16:creationId xmlns:a16="http://schemas.microsoft.com/office/drawing/2014/main" id="{1DE33FC2-7AC9-460D-9B83-9B637ECAAA04}"/>
+              </a:ext>
+            </a:extLst>
+          </p:cNvPr>
+          <p:cNvCxnSpPr>
+            <a:stCxn id="35" idx="2"/>
+          </p:cNvCxnSpPr>
+          <p:nvPr/>
+        </p:nvCxnSpPr>
+        <p:spPr>
+          <a:xfrm rot="16200000" flipH="1">
+            <a:off x="15399442" y="5325802"/>
+            <a:ext cx="1020330" cy="702946"/>
+          </a:xfrm>
+          <a:prstGeom prst="bentConnector3">
+            <a:avLst/>
+          </a:prstGeom>
+          <a:ln w="38100">
+            <a:tailEnd type="triangle"/>
+          </a:ln>
+        </p:spPr>
+        <p:style>
+          <a:lnRef idx="1">
+            <a:schemeClr val="accent1"/>
+          </a:lnRef>
+          <a:fillRef idx="0">
+            <a:schemeClr val="accent1"/>
+          </a:fillRef>
+          <a:effectRef idx="0">
+            <a:schemeClr val="accent1"/>
+          </a:effectRef>
+          <a:fontRef idx="minor">
+            <a:schemeClr val="tx1"/>
+          </a:fontRef>
+        </p:style>
+      </p:cxnSp>
+      <p:sp>
+        <p:nvSpPr>
+          <p:cNvPr id="42" name="文本框 41">
+            <a:extLst>
+              <a:ext uri="{FF2B5EF4-FFF2-40B4-BE49-F238E27FC236}">
+                <a16:creationId xmlns:a16="http://schemas.microsoft.com/office/drawing/2014/main" id="{765AADBE-B91A-4029-81B1-8A76546D8219}"/>
+              </a:ext>
+            </a:extLst>
+          </p:cNvPr>
+          <p:cNvSpPr txBox="1"/>
+          <p:nvPr/>
+        </p:nvSpPr>
+        <p:spPr>
+          <a:xfrm>
+            <a:off x="15946756" y="6110521"/>
+            <a:ext cx="891538" cy="584775"/>
+          </a:xfrm>
+          <a:prstGeom prst="rect">
+            <a:avLst/>
+          </a:prstGeom>
+          <a:noFill/>
+        </p:spPr>
+        <p:txBody>
+          <a:bodyPr wrap="square" rtlCol="0">
+            <a:spAutoFit/>
+          </a:bodyPr>
+          <a:lstStyle/>
+          <a:p>
+            <a:pPr algn="l"/>
+            <a:r>
+              <a:rPr lang="en-US" altLang="zh-CN" sz="3200" dirty="0"/>
+              <a:t>null</a:t>
+            </a:r>
+            <a:endParaRPr lang="zh-CN" altLang="en-US" sz="3200" dirty="0"/>
+          </a:p>
+        </p:txBody>
+      </p:sp>
+      <p:sp>
+        <p:nvSpPr>
+          <p:cNvPr id="44" name="文本框 43">
+            <a:extLst>
+              <a:ext uri="{FF2B5EF4-FFF2-40B4-BE49-F238E27FC236}">
+                <a16:creationId xmlns:a16="http://schemas.microsoft.com/office/drawing/2014/main" id="{87D5DB7D-4D0E-4FFA-A907-45AB3958C607}"/>
+              </a:ext>
+            </a:extLst>
+          </p:cNvPr>
+          <p:cNvSpPr txBox="1"/>
+          <p:nvPr/>
+        </p:nvSpPr>
+        <p:spPr>
+          <a:xfrm>
+            <a:off x="14072234" y="1582245"/>
+            <a:ext cx="3021330" cy="584775"/>
+          </a:xfrm>
+          <a:prstGeom prst="rect">
+            <a:avLst/>
+          </a:prstGeom>
+          <a:noFill/>
+        </p:spPr>
+        <p:txBody>
+          <a:bodyPr wrap="square" rtlCol="0">
+            <a:spAutoFit/>
+          </a:bodyPr>
+          <a:lstStyle/>
+          <a:p>
+            <a:pPr algn="l"/>
+            <a:r>
+              <a:rPr lang="en-US" altLang="zh-CN" sz="3200" dirty="0" err="1"/>
+              <a:t>toString</a:t>
+            </a:r>
+            <a:r>
+              <a:rPr lang="en-US" altLang="zh-CN" sz="3200" dirty="0"/>
+              <a:t>()</a:t>
+            </a:r>
+            <a:endParaRPr lang="zh-CN" altLang="en-US" sz="3200" dirty="0"/>
+          </a:p>
+        </p:txBody>
+      </p:sp>
+      <p:sp>
+        <p:nvSpPr>
+          <p:cNvPr id="46" name="矩形 45">
+            <a:extLst>
+              <a:ext uri="{FF2B5EF4-FFF2-40B4-BE49-F238E27FC236}">
+                <a16:creationId xmlns:a16="http://schemas.microsoft.com/office/drawing/2014/main" id="{4ABC9A28-6B77-4233-9C90-ABE150AAD479}"/>
+              </a:ext>
+            </a:extLst>
+          </p:cNvPr>
+          <p:cNvSpPr/>
+          <p:nvPr/>
+        </p:nvSpPr>
+        <p:spPr>
+          <a:xfrm>
+            <a:off x="8590597" y="7419017"/>
+            <a:ext cx="3124200" cy="2807023"/>
+          </a:xfrm>
+          <a:prstGeom prst="rect">
+            <a:avLst/>
+          </a:prstGeom>
+          <a:noFill/>
+        </p:spPr>
+        <p:style>
+          <a:lnRef idx="2">
+            <a:schemeClr val="accent1">
+              <a:shade val="50000"/>
+            </a:schemeClr>
+          </a:lnRef>
+          <a:fillRef idx="1">
+            <a:schemeClr val="accent1"/>
+          </a:fillRef>
+          <a:effectRef idx="0">
+            <a:schemeClr val="accent1"/>
+          </a:effectRef>
+          <a:fontRef idx="minor">
+            <a:schemeClr val="lt1"/>
+          </a:fontRef>
+        </p:style>
+        <p:txBody>
+          <a:bodyPr rtlCol="0" anchor="ctr"/>
+          <a:lstStyle/>
+          <a:p>
+            <a:pPr algn="ctr"/>
+            <a:endParaRPr lang="zh-CN" altLang="en-US" dirty="0">
+              <a:solidFill>
+                <a:schemeClr val="tx1">
+                  <a:lumMod val="95000"/>
+                  <a:lumOff val="5000"/>
+                </a:schemeClr>
+              </a:solidFill>
+            </a:endParaRPr>
+          </a:p>
+        </p:txBody>
+      </p:sp>
+      <p:sp>
+        <p:nvSpPr>
+          <p:cNvPr id="47" name="文本框 46">
+            <a:extLst>
+              <a:ext uri="{FF2B5EF4-FFF2-40B4-BE49-F238E27FC236}">
+                <a16:creationId xmlns:a16="http://schemas.microsoft.com/office/drawing/2014/main" id="{8791E390-AB5A-4D16-9897-94BEB76D1706}"/>
+              </a:ext>
+            </a:extLst>
+          </p:cNvPr>
+          <p:cNvSpPr txBox="1"/>
+          <p:nvPr/>
+        </p:nvSpPr>
+        <p:spPr>
+          <a:xfrm>
+            <a:off x="8819197" y="7649849"/>
+            <a:ext cx="2346960" cy="1569660"/>
+          </a:xfrm>
+          <a:prstGeom prst="rect">
+            <a:avLst/>
+          </a:prstGeom>
+          <a:noFill/>
+        </p:spPr>
+        <p:txBody>
+          <a:bodyPr wrap="square" rtlCol="0">
+            <a:spAutoFit/>
+          </a:bodyPr>
+          <a:lstStyle/>
+          <a:p>
+            <a:pPr algn="l"/>
+            <a:r>
+              <a:rPr lang="zh-CN" altLang="en-US" sz="3200" dirty="0"/>
+              <a:t>私有属性：</a:t>
+            </a:r>
+            <a:endParaRPr lang="en-US" altLang="zh-CN" sz="3200" dirty="0"/>
+          </a:p>
+          <a:p>
+            <a:pPr algn="l"/>
+            <a:r>
+              <a:rPr lang="en-US" altLang="zh-CN" sz="3200" dirty="0" err="1"/>
+              <a:t>name:’china</a:t>
+            </a:r>
+            <a:r>
+              <a:rPr lang="en-US" altLang="zh-CN" sz="3200" dirty="0"/>
+              <a:t>’,</a:t>
+            </a:r>
+          </a:p>
+          <a:p>
+            <a:pPr algn="l"/>
+            <a:r>
+              <a:rPr lang="en-US" altLang="zh-CN" sz="3200" dirty="0" err="1"/>
+              <a:t>say:’name</a:t>
+            </a:r>
+            <a:r>
+              <a:rPr lang="en-US" altLang="zh-CN" sz="3200" dirty="0"/>
+              <a:t>’</a:t>
+            </a:r>
+            <a:endParaRPr lang="zh-CN" altLang="en-US" sz="3200" dirty="0"/>
+          </a:p>
+        </p:txBody>
+      </p:sp>
+      <p:sp>
+        <p:nvSpPr>
+          <p:cNvPr id="48" name="文本框 47">
+            <a:extLst>
+              <a:ext uri="{FF2B5EF4-FFF2-40B4-BE49-F238E27FC236}">
+                <a16:creationId xmlns:a16="http://schemas.microsoft.com/office/drawing/2014/main" id="{CC049EF8-CDEF-4CA3-A756-FB26EC40A52F}"/>
+              </a:ext>
+            </a:extLst>
+          </p:cNvPr>
+          <p:cNvSpPr txBox="1"/>
+          <p:nvPr/>
+        </p:nvSpPr>
+        <p:spPr>
+          <a:xfrm>
+            <a:off x="9291637" y="6649576"/>
+            <a:ext cx="2346960" cy="769441"/>
+          </a:xfrm>
+          <a:prstGeom prst="rect">
+            <a:avLst/>
+          </a:prstGeom>
+          <a:noFill/>
+        </p:spPr>
+        <p:txBody>
+          <a:bodyPr wrap="square" rtlCol="0">
+            <a:spAutoFit/>
+          </a:bodyPr>
+          <a:lstStyle/>
+          <a:p>
+            <a:pPr algn="l"/>
+            <a:r>
+              <a:rPr lang="en-US" altLang="zh-CN" sz="4400" dirty="0"/>
+              <a:t>f1(</a:t>
+            </a:r>
+            <a:r>
+              <a:rPr lang="zh-CN" altLang="en-US" sz="4400" dirty="0"/>
+              <a:t>实例</a:t>
+            </a:r>
+            <a:r>
+              <a:rPr lang="en-US" altLang="zh-CN" sz="4400" dirty="0"/>
+              <a:t>)</a:t>
+            </a:r>
+            <a:endParaRPr lang="zh-CN" altLang="en-US" sz="4400" dirty="0"/>
+          </a:p>
+        </p:txBody>
+      </p:sp>
+      <p:sp>
+        <p:nvSpPr>
+          <p:cNvPr id="49" name="文本框 48">
+            <a:extLst>
+              <a:ext uri="{FF2B5EF4-FFF2-40B4-BE49-F238E27FC236}">
+                <a16:creationId xmlns:a16="http://schemas.microsoft.com/office/drawing/2014/main" id="{B5FB32A8-9BC3-4BEB-95FE-A62BA26B55D5}"/>
+              </a:ext>
+            </a:extLst>
+          </p:cNvPr>
+          <p:cNvSpPr txBox="1"/>
+          <p:nvPr/>
+        </p:nvSpPr>
+        <p:spPr>
+          <a:xfrm>
+            <a:off x="8895397" y="9289209"/>
+            <a:ext cx="2560320" cy="707886"/>
+          </a:xfrm>
+          <a:prstGeom prst="rect">
+            <a:avLst/>
+          </a:prstGeom>
+          <a:noFill/>
+        </p:spPr>
+        <p:txBody>
+          <a:bodyPr wrap="square" rtlCol="0">
+            <a:spAutoFit/>
+          </a:bodyPr>
+          <a:lstStyle/>
+          <a:p>
+            <a:pPr algn="l"/>
+            <a:r>
+              <a:rPr lang="en-US" altLang="zh-CN" sz="4000" dirty="0">
+                <a:solidFill>
+                  <a:srgbClr val="00B050"/>
+                </a:solidFill>
+              </a:rPr>
+              <a:t>__proto__</a:t>
+            </a:r>
+            <a:endParaRPr lang="zh-CN" altLang="en-US" sz="4000" dirty="0">
+              <a:solidFill>
+                <a:srgbClr val="00B050"/>
+              </a:solidFill>
+            </a:endParaRPr>
+          </a:p>
+        </p:txBody>
+      </p:sp>
+      <p:sp>
+        <p:nvSpPr>
+          <p:cNvPr id="9" name="对话气泡: 椭圆形 8">
+            <a:extLst>
+              <a:ext uri="{FF2B5EF4-FFF2-40B4-BE49-F238E27FC236}">
+                <a16:creationId xmlns:a16="http://schemas.microsoft.com/office/drawing/2014/main" id="{8954CB07-7C1C-4C09-9204-C6897F2726C0}"/>
+              </a:ext>
+            </a:extLst>
+          </p:cNvPr>
+          <p:cNvSpPr/>
+          <p:nvPr/>
+        </p:nvSpPr>
+        <p:spPr>
+          <a:xfrm>
+            <a:off x="9917084" y="669882"/>
+            <a:ext cx="3448393" cy="1128425"/>
+          </a:xfrm>
+          <a:prstGeom prst="wedgeEllipseCallout">
+            <a:avLst>
+              <a:gd name="adj1" fmla="val -82111"/>
+              <a:gd name="adj2" fmla="val 16753"/>
+            </a:avLst>
+          </a:prstGeom>
+          <a:noFill/>
+        </p:spPr>
+        <p:style>
+          <a:lnRef idx="2">
+            <a:schemeClr val="accent1">
+              <a:shade val="50000"/>
+            </a:schemeClr>
+          </a:lnRef>
+          <a:fillRef idx="1">
+            <a:schemeClr val="accent1"/>
+          </a:fillRef>
+          <a:effectRef idx="0">
+            <a:schemeClr val="accent1"/>
+          </a:effectRef>
+          <a:fontRef idx="minor">
+            <a:schemeClr val="lt1"/>
+          </a:fontRef>
+        </p:style>
+        <p:txBody>
+          <a:bodyPr rot="0" spcFirstLastPara="0" vertOverflow="overflow" horzOverflow="overflow" vert="horz" wrap="square" lIns="91440" tIns="45720" rIns="91440" bIns="45720" numCol="1" spcCol="0" rtlCol="0" fromWordArt="0" anchor="ctr" anchorCtr="0" forceAA="0" compatLnSpc="1">
+            <a:prstTxWarp prst="textNoShape">
+              <a:avLst/>
+            </a:prstTxWarp>
+            <a:noAutofit/>
+          </a:bodyPr>
+          <a:lstStyle/>
+          <a:p>
+            <a:pPr algn="ctr"/>
+            <a:r>
+              <a:rPr lang="en-US" altLang="zh-CN" sz="2400" dirty="0">
+                <a:solidFill>
+                  <a:schemeClr val="tx1">
+                    <a:lumMod val="95000"/>
+                    <a:lumOff val="5000"/>
+                  </a:schemeClr>
+                </a:solidFill>
+              </a:rPr>
+              <a:t>constructor</a:t>
+            </a:r>
+            <a:r>
+              <a:rPr lang="zh-CN" altLang="en-US" sz="2400" dirty="0">
+                <a:solidFill>
+                  <a:schemeClr val="tx1">
+                    <a:lumMod val="95000"/>
+                    <a:lumOff val="5000"/>
+                  </a:schemeClr>
+                </a:solidFill>
+              </a:rPr>
+              <a:t>丢失</a:t>
+            </a:r>
+          </a:p>
+        </p:txBody>
+      </p:sp>
+      <p:sp>
+        <p:nvSpPr>
+          <p:cNvPr id="12" name="文本框 11">
+            <a:extLst>
+              <a:ext uri="{FF2B5EF4-FFF2-40B4-BE49-F238E27FC236}">
+                <a16:creationId xmlns:a16="http://schemas.microsoft.com/office/drawing/2014/main" id="{0AE3678D-DA03-4348-97A6-8A79BFA8C5B2}"/>
+              </a:ext>
+            </a:extLst>
+          </p:cNvPr>
+          <p:cNvSpPr txBox="1"/>
+          <p:nvPr/>
+        </p:nvSpPr>
+        <p:spPr>
+          <a:xfrm>
+            <a:off x="12313920" y="7208520"/>
+            <a:ext cx="11125200" cy="769441"/>
+          </a:xfrm>
+          <a:prstGeom prst="rect">
+            <a:avLst/>
+          </a:prstGeom>
+          <a:noFill/>
+        </p:spPr>
+        <p:txBody>
+          <a:bodyPr wrap="square" rtlCol="0">
+            <a:spAutoFit/>
+          </a:bodyPr>
+          <a:lstStyle/>
+          <a:p>
+            <a:pPr algn="l"/>
+            <a:r>
+              <a:rPr lang="en-US" altLang="zh-CN" sz="4400" dirty="0">
+                <a:solidFill>
+                  <a:srgbClr val="FF0000"/>
+                </a:solidFill>
+              </a:rPr>
+              <a:t>f1.constructor==</a:t>
+            </a:r>
+            <a:r>
+              <a:rPr lang="en-US" altLang="zh-CN" sz="4400" dirty="0" err="1">
+                <a:solidFill>
+                  <a:srgbClr val="FF0000"/>
+                </a:solidFill>
+              </a:rPr>
+              <a:t>Fn.prototype.constructor</a:t>
+            </a:r>
+            <a:r>
+              <a:rPr lang="en-US" altLang="zh-CN" sz="4400" dirty="0">
+                <a:solidFill>
+                  <a:srgbClr val="FF0000"/>
+                </a:solidFill>
+              </a:rPr>
+              <a:t>//true</a:t>
+            </a:r>
+            <a:endParaRPr lang="zh-CN" altLang="en-US" sz="4400" dirty="0">
+              <a:solidFill>
+                <a:srgbClr val="FF0000"/>
+              </a:solidFill>
+            </a:endParaRPr>
+          </a:p>
+        </p:txBody>
+      </p:sp>
+    </p:spTree>
+    <p:extLst>
+      <p:ext uri="{BB962C8B-B14F-4D97-AF65-F5344CB8AC3E}">
+        <p14:creationId xmlns:p14="http://schemas.microsoft.com/office/powerpoint/2010/main" val="1910801917"/>
       </p:ext>
     </p:extLst>
   </p:cSld>
@@ -8718,7 +15577,14 @@
       <a:bodyPr rtlCol="0" anchor="ctr"/>
       <a:lstStyle>
         <a:defPPr algn="ctr">
-          <a:defRPr/>
+          <a:defRPr sz="4400" dirty="0" smtClean="0">
+            <a:solidFill>
+              <a:schemeClr val="tx1">
+                <a:lumMod val="95000"/>
+                <a:lumOff val="5000"/>
+              </a:schemeClr>
+            </a:solidFill>
+          </a:defRPr>
         </a:defPPr>
       </a:lstStyle>
       <a:style>
@@ -8738,6 +15604,32 @@
         </a:fontRef>
       </a:style>
     </a:spDef>
+    <a:lnDef>
+      <a:spPr>
+        <a:ln w="57150">
+          <a:solidFill>
+            <a:schemeClr val="accent2"/>
+          </a:solidFill>
+          <a:tailEnd type="triangle"/>
+        </a:ln>
+      </a:spPr>
+      <a:bodyPr/>
+      <a:lstStyle/>
+      <a:style>
+        <a:lnRef idx="1">
+          <a:schemeClr val="accent1"/>
+        </a:lnRef>
+        <a:fillRef idx="0">
+          <a:schemeClr val="accent1"/>
+        </a:fillRef>
+        <a:effectRef idx="0">
+          <a:schemeClr val="accent1"/>
+        </a:effectRef>
+        <a:fontRef idx="minor">
+          <a:schemeClr val="tx1"/>
+        </a:fontRef>
+      </a:style>
+    </a:lnDef>
     <a:txDef>
       <a:spPr>
         <a:noFill/>
